--- a/Iványi-Nagy Gábor/ivanyi_nagy_gabor.pttx.pptx
+++ b/Iványi-Nagy Gábor/ivanyi_nagy_gabor.pttx.pptx
@@ -4,6 +4,9 @@
   <p:sldMasterIdLst>
     <p:sldMasterId id="2147483660" r:id="rId1"/>
   </p:sldMasterIdLst>
+  <p:notesMasterIdLst>
+    <p:notesMasterId r:id="rId10"/>
+  </p:notesMasterIdLst>
   <p:sldIdLst>
     <p:sldId id="257" r:id="rId2"/>
     <p:sldId id="256" r:id="rId3"/>
@@ -130,6 +133,1596 @@
 </p:presentation>
 </file>
 
+<file path=ppt/notesMasters/notesMaster1.xml><?xml version="1.0" encoding="utf-8"?>
+<p:notesMaster xmlns:a="http://schemas.openxmlformats.org/drawingml/2006/main" xmlns:r="http://schemas.openxmlformats.org/officeDocument/2006/relationships" xmlns:p="http://schemas.openxmlformats.org/presentationml/2006/main">
+  <p:cSld>
+    <p:bg>
+      <p:bgRef idx="1001">
+        <a:schemeClr val="bg1"/>
+      </p:bgRef>
+    </p:bg>
+    <p:spTree>
+      <p:nvGrpSpPr>
+        <p:cNvPr id="1" name=""/>
+        <p:cNvGrpSpPr/>
+        <p:nvPr/>
+      </p:nvGrpSpPr>
+      <p:grpSpPr>
+        <a:xfrm>
+          <a:off x="0" y="0"/>
+          <a:ext cx="0" cy="0"/>
+          <a:chOff x="0" y="0"/>
+          <a:chExt cx="0" cy="0"/>
+        </a:xfrm>
+      </p:grpSpPr>
+      <p:sp>
+        <p:nvSpPr>
+          <p:cNvPr id="2" name="Élőfej helye 1"/>
+          <p:cNvSpPr>
+            <a:spLocks noGrp="1"/>
+          </p:cNvSpPr>
+          <p:nvPr>
+            <p:ph type="hdr" sz="quarter"/>
+          </p:nvPr>
+        </p:nvSpPr>
+        <p:spPr>
+          <a:xfrm>
+            <a:off x="0" y="0"/>
+            <a:ext cx="2971800" cy="458788"/>
+          </a:xfrm>
+          <a:prstGeom prst="rect">
+            <a:avLst/>
+          </a:prstGeom>
+        </p:spPr>
+        <p:txBody>
+          <a:bodyPr vert="horz" lIns="91440" tIns="45720" rIns="91440" bIns="45720" rtlCol="0"/>
+          <a:lstStyle>
+            <a:lvl1pPr algn="l">
+              <a:defRPr sz="1200"/>
+            </a:lvl1pPr>
+          </a:lstStyle>
+          <a:p>
+            <a:endParaRPr lang="hu-HU"/>
+          </a:p>
+        </p:txBody>
+      </p:sp>
+      <p:sp>
+        <p:nvSpPr>
+          <p:cNvPr id="3" name="Dátum helye 2"/>
+          <p:cNvSpPr>
+            <a:spLocks noGrp="1"/>
+          </p:cNvSpPr>
+          <p:nvPr>
+            <p:ph type="dt" idx="1"/>
+          </p:nvPr>
+        </p:nvSpPr>
+        <p:spPr>
+          <a:xfrm>
+            <a:off x="3884613" y="0"/>
+            <a:ext cx="2971800" cy="458788"/>
+          </a:xfrm>
+          <a:prstGeom prst="rect">
+            <a:avLst/>
+          </a:prstGeom>
+        </p:spPr>
+        <p:txBody>
+          <a:bodyPr vert="horz" lIns="91440" tIns="45720" rIns="91440" bIns="45720" rtlCol="0"/>
+          <a:lstStyle>
+            <a:lvl1pPr algn="r">
+              <a:defRPr sz="1200"/>
+            </a:lvl1pPr>
+          </a:lstStyle>
+          <a:p>
+            <a:fld id="{CCFAF6EE-745E-4885-937C-81B7FCFD6FF0}" type="datetimeFigureOut">
+              <a:rPr lang="hu-HU" smtClean="0"/>
+              <a:t>2016.05.20.</a:t>
+            </a:fld>
+            <a:endParaRPr lang="hu-HU"/>
+          </a:p>
+        </p:txBody>
+      </p:sp>
+      <p:sp>
+        <p:nvSpPr>
+          <p:cNvPr id="4" name="Diakép helye 3"/>
+          <p:cNvSpPr>
+            <a:spLocks noGrp="1" noRot="1" noChangeAspect="1"/>
+          </p:cNvSpPr>
+          <p:nvPr>
+            <p:ph type="sldImg" idx="2"/>
+          </p:nvPr>
+        </p:nvSpPr>
+        <p:spPr>
+          <a:xfrm>
+            <a:off x="685800" y="1143000"/>
+            <a:ext cx="5486400" cy="3086100"/>
+          </a:xfrm>
+          <a:prstGeom prst="rect">
+            <a:avLst/>
+          </a:prstGeom>
+          <a:noFill/>
+          <a:ln w="12700">
+            <a:solidFill>
+              <a:prstClr val="black"/>
+            </a:solidFill>
+          </a:ln>
+        </p:spPr>
+        <p:txBody>
+          <a:bodyPr vert="horz" lIns="91440" tIns="45720" rIns="91440" bIns="45720" rtlCol="0" anchor="ctr"/>
+          <a:lstStyle/>
+          <a:p>
+            <a:endParaRPr lang="hu-HU"/>
+          </a:p>
+        </p:txBody>
+      </p:sp>
+      <p:sp>
+        <p:nvSpPr>
+          <p:cNvPr id="5" name="Jegyzetek helye 4"/>
+          <p:cNvSpPr>
+            <a:spLocks noGrp="1"/>
+          </p:cNvSpPr>
+          <p:nvPr>
+            <p:ph type="body" sz="quarter" idx="3"/>
+          </p:nvPr>
+        </p:nvSpPr>
+        <p:spPr>
+          <a:xfrm>
+            <a:off x="685800" y="4400550"/>
+            <a:ext cx="5486400" cy="3600450"/>
+          </a:xfrm>
+          <a:prstGeom prst="rect">
+            <a:avLst/>
+          </a:prstGeom>
+        </p:spPr>
+        <p:txBody>
+          <a:bodyPr vert="horz" lIns="91440" tIns="45720" rIns="91440" bIns="45720" rtlCol="0"/>
+          <a:lstStyle/>
+          <a:p>
+            <a:pPr lvl="0"/>
+            <a:r>
+              <a:rPr lang="hu-HU"/>
+              <a:t>Mintaszöveg szerkesztése</a:t>
+            </a:r>
+          </a:p>
+          <a:p>
+            <a:pPr lvl="1"/>
+            <a:r>
+              <a:rPr lang="hu-HU"/>
+              <a:t>Második szint</a:t>
+            </a:r>
+          </a:p>
+          <a:p>
+            <a:pPr lvl="2"/>
+            <a:r>
+              <a:rPr lang="hu-HU"/>
+              <a:t>Harmadik szint</a:t>
+            </a:r>
+          </a:p>
+          <a:p>
+            <a:pPr lvl="3"/>
+            <a:r>
+              <a:rPr lang="hu-HU"/>
+              <a:t>Negyedik szint</a:t>
+            </a:r>
+          </a:p>
+          <a:p>
+            <a:pPr lvl="4"/>
+            <a:r>
+              <a:rPr lang="hu-HU"/>
+              <a:t>Ötödik szint</a:t>
+            </a:r>
+            <a:endParaRPr lang="hu-HU"/>
+          </a:p>
+        </p:txBody>
+      </p:sp>
+      <p:sp>
+        <p:nvSpPr>
+          <p:cNvPr id="6" name="Élőláb helye 5"/>
+          <p:cNvSpPr>
+            <a:spLocks noGrp="1"/>
+          </p:cNvSpPr>
+          <p:nvPr>
+            <p:ph type="ftr" sz="quarter" idx="4"/>
+          </p:nvPr>
+        </p:nvSpPr>
+        <p:spPr>
+          <a:xfrm>
+            <a:off x="0" y="8685213"/>
+            <a:ext cx="2971800" cy="458787"/>
+          </a:xfrm>
+          <a:prstGeom prst="rect">
+            <a:avLst/>
+          </a:prstGeom>
+        </p:spPr>
+        <p:txBody>
+          <a:bodyPr vert="horz" lIns="91440" tIns="45720" rIns="91440" bIns="45720" rtlCol="0" anchor="b"/>
+          <a:lstStyle>
+            <a:lvl1pPr algn="l">
+              <a:defRPr sz="1200"/>
+            </a:lvl1pPr>
+          </a:lstStyle>
+          <a:p>
+            <a:endParaRPr lang="hu-HU"/>
+          </a:p>
+        </p:txBody>
+      </p:sp>
+      <p:sp>
+        <p:nvSpPr>
+          <p:cNvPr id="7" name="Dia számának helye 6"/>
+          <p:cNvSpPr>
+            <a:spLocks noGrp="1"/>
+          </p:cNvSpPr>
+          <p:nvPr>
+            <p:ph type="sldNum" sz="quarter" idx="5"/>
+          </p:nvPr>
+        </p:nvSpPr>
+        <p:spPr>
+          <a:xfrm>
+            <a:off x="3884613" y="8685213"/>
+            <a:ext cx="2971800" cy="458787"/>
+          </a:xfrm>
+          <a:prstGeom prst="rect">
+            <a:avLst/>
+          </a:prstGeom>
+        </p:spPr>
+        <p:txBody>
+          <a:bodyPr vert="horz" lIns="91440" tIns="45720" rIns="91440" bIns="45720" rtlCol="0" anchor="b"/>
+          <a:lstStyle>
+            <a:lvl1pPr algn="r">
+              <a:defRPr sz="1200"/>
+            </a:lvl1pPr>
+          </a:lstStyle>
+          <a:p>
+            <a:fld id="{D02E9CAE-455D-4A4B-ADCC-E3AD0411C0C7}" type="slidenum">
+              <a:rPr lang="hu-HU" smtClean="0"/>
+              <a:t>‹#›</a:t>
+            </a:fld>
+            <a:endParaRPr lang="hu-HU"/>
+          </a:p>
+        </p:txBody>
+      </p:sp>
+    </p:spTree>
+    <p:extLst>
+      <p:ext uri="{BB962C8B-B14F-4D97-AF65-F5344CB8AC3E}">
+        <p14:creationId xmlns:p14="http://schemas.microsoft.com/office/powerpoint/2010/main" val="1213712930"/>
+      </p:ext>
+    </p:extLst>
+  </p:cSld>
+  <p:clrMap bg1="lt1" tx1="dk1" bg2="lt2" tx2="dk2" accent1="accent1" accent2="accent2" accent3="accent3" accent4="accent4" accent5="accent5" accent6="accent6" hlink="hlink" folHlink="folHlink"/>
+  <p:notesStyle>
+    <a:lvl1pPr marL="0" algn="l" defTabSz="914400" rtl="0" eaLnBrk="1" latinLnBrk="0" hangingPunct="1">
+      <a:defRPr sz="1200" kern="1200">
+        <a:solidFill>
+          <a:schemeClr val="tx1"/>
+        </a:solidFill>
+        <a:latin typeface="+mn-lt"/>
+        <a:ea typeface="+mn-ea"/>
+        <a:cs typeface="+mn-cs"/>
+      </a:defRPr>
+    </a:lvl1pPr>
+    <a:lvl2pPr marL="457200" algn="l" defTabSz="914400" rtl="0" eaLnBrk="1" latinLnBrk="0" hangingPunct="1">
+      <a:defRPr sz="1200" kern="1200">
+        <a:solidFill>
+          <a:schemeClr val="tx1"/>
+        </a:solidFill>
+        <a:latin typeface="+mn-lt"/>
+        <a:ea typeface="+mn-ea"/>
+        <a:cs typeface="+mn-cs"/>
+      </a:defRPr>
+    </a:lvl2pPr>
+    <a:lvl3pPr marL="914400" algn="l" defTabSz="914400" rtl="0" eaLnBrk="1" latinLnBrk="0" hangingPunct="1">
+      <a:defRPr sz="1200" kern="1200">
+        <a:solidFill>
+          <a:schemeClr val="tx1"/>
+        </a:solidFill>
+        <a:latin typeface="+mn-lt"/>
+        <a:ea typeface="+mn-ea"/>
+        <a:cs typeface="+mn-cs"/>
+      </a:defRPr>
+    </a:lvl3pPr>
+    <a:lvl4pPr marL="1371600" algn="l" defTabSz="914400" rtl="0" eaLnBrk="1" latinLnBrk="0" hangingPunct="1">
+      <a:defRPr sz="1200" kern="1200">
+        <a:solidFill>
+          <a:schemeClr val="tx1"/>
+        </a:solidFill>
+        <a:latin typeface="+mn-lt"/>
+        <a:ea typeface="+mn-ea"/>
+        <a:cs typeface="+mn-cs"/>
+      </a:defRPr>
+    </a:lvl4pPr>
+    <a:lvl5pPr marL="1828800" algn="l" defTabSz="914400" rtl="0" eaLnBrk="1" latinLnBrk="0" hangingPunct="1">
+      <a:defRPr sz="1200" kern="1200">
+        <a:solidFill>
+          <a:schemeClr val="tx1"/>
+        </a:solidFill>
+        <a:latin typeface="+mn-lt"/>
+        <a:ea typeface="+mn-ea"/>
+        <a:cs typeface="+mn-cs"/>
+      </a:defRPr>
+    </a:lvl5pPr>
+    <a:lvl6pPr marL="2286000" algn="l" defTabSz="914400" rtl="0" eaLnBrk="1" latinLnBrk="0" hangingPunct="1">
+      <a:defRPr sz="1200" kern="1200">
+        <a:solidFill>
+          <a:schemeClr val="tx1"/>
+        </a:solidFill>
+        <a:latin typeface="+mn-lt"/>
+        <a:ea typeface="+mn-ea"/>
+        <a:cs typeface="+mn-cs"/>
+      </a:defRPr>
+    </a:lvl6pPr>
+    <a:lvl7pPr marL="2743200" algn="l" defTabSz="914400" rtl="0" eaLnBrk="1" latinLnBrk="0" hangingPunct="1">
+      <a:defRPr sz="1200" kern="1200">
+        <a:solidFill>
+          <a:schemeClr val="tx1"/>
+        </a:solidFill>
+        <a:latin typeface="+mn-lt"/>
+        <a:ea typeface="+mn-ea"/>
+        <a:cs typeface="+mn-cs"/>
+      </a:defRPr>
+    </a:lvl7pPr>
+    <a:lvl8pPr marL="3200400" algn="l" defTabSz="914400" rtl="0" eaLnBrk="1" latinLnBrk="0" hangingPunct="1">
+      <a:defRPr sz="1200" kern="1200">
+        <a:solidFill>
+          <a:schemeClr val="tx1"/>
+        </a:solidFill>
+        <a:latin typeface="+mn-lt"/>
+        <a:ea typeface="+mn-ea"/>
+        <a:cs typeface="+mn-cs"/>
+      </a:defRPr>
+    </a:lvl8pPr>
+    <a:lvl9pPr marL="3657600" algn="l" defTabSz="914400" rtl="0" eaLnBrk="1" latinLnBrk="0" hangingPunct="1">
+      <a:defRPr sz="1200" kern="1200">
+        <a:solidFill>
+          <a:schemeClr val="tx1"/>
+        </a:solidFill>
+        <a:latin typeface="+mn-lt"/>
+        <a:ea typeface="+mn-ea"/>
+        <a:cs typeface="+mn-cs"/>
+      </a:defRPr>
+    </a:lvl9pPr>
+  </p:notesStyle>
+</p:notesMaster>
+</file>
+
+<file path=ppt/notesSlides/notesSlide1.xml><?xml version="1.0" encoding="utf-8"?>
+<p:notes xmlns:a="http://schemas.openxmlformats.org/drawingml/2006/main" xmlns:r="http://schemas.openxmlformats.org/officeDocument/2006/relationships" xmlns:p="http://schemas.openxmlformats.org/presentationml/2006/main">
+  <p:cSld>
+    <p:spTree>
+      <p:nvGrpSpPr>
+        <p:cNvPr id="1" name=""/>
+        <p:cNvGrpSpPr/>
+        <p:nvPr/>
+      </p:nvGrpSpPr>
+      <p:grpSpPr>
+        <a:xfrm>
+          <a:off x="0" y="0"/>
+          <a:ext cx="0" cy="0"/>
+          <a:chOff x="0" y="0"/>
+          <a:chExt cx="0" cy="0"/>
+        </a:xfrm>
+      </p:grpSpPr>
+      <p:sp>
+        <p:nvSpPr>
+          <p:cNvPr id="2" name="Diakép helye 1"/>
+          <p:cNvSpPr>
+            <a:spLocks noGrp="1" noRot="1" noChangeAspect="1"/>
+          </p:cNvSpPr>
+          <p:nvPr>
+            <p:ph type="sldImg"/>
+          </p:nvPr>
+        </p:nvSpPr>
+        <p:spPr/>
+      </p:sp>
+      <p:sp>
+        <p:nvSpPr>
+          <p:cNvPr id="3" name="Jegyzetek helye 2"/>
+          <p:cNvSpPr>
+            <a:spLocks noGrp="1"/>
+          </p:cNvSpPr>
+          <p:nvPr>
+            <p:ph type="body" idx="1"/>
+          </p:nvPr>
+        </p:nvSpPr>
+        <p:spPr/>
+        <p:txBody>
+          <a:bodyPr/>
+          <a:lstStyle/>
+          <a:p>
+            <a:endParaRPr lang="hu-HU" dirty="0"/>
+          </a:p>
+        </p:txBody>
+      </p:sp>
+      <p:sp>
+        <p:nvSpPr>
+          <p:cNvPr id="4" name="Dia számának helye 3"/>
+          <p:cNvSpPr>
+            <a:spLocks noGrp="1"/>
+          </p:cNvSpPr>
+          <p:nvPr>
+            <p:ph type="sldNum" sz="quarter" idx="10"/>
+          </p:nvPr>
+        </p:nvSpPr>
+        <p:spPr/>
+        <p:txBody>
+          <a:bodyPr/>
+          <a:lstStyle/>
+          <a:p>
+            <a:fld id="{D02E9CAE-455D-4A4B-ADCC-E3AD0411C0C7}" type="slidenum">
+              <a:rPr lang="hu-HU" smtClean="0"/>
+              <a:t>1</a:t>
+            </a:fld>
+            <a:endParaRPr lang="hu-HU"/>
+          </a:p>
+        </p:txBody>
+      </p:sp>
+    </p:spTree>
+    <p:extLst>
+      <p:ext uri="{BB962C8B-B14F-4D97-AF65-F5344CB8AC3E}">
+        <p14:creationId xmlns:p14="http://schemas.microsoft.com/office/powerpoint/2010/main" val="659358099"/>
+      </p:ext>
+    </p:extLst>
+  </p:cSld>
+  <p:clrMapOvr>
+    <a:masterClrMapping/>
+  </p:clrMapOvr>
+</p:notes>
+</file>
+
+<file path=ppt/notesSlides/notesSlide2.xml><?xml version="1.0" encoding="utf-8"?>
+<p:notes xmlns:a="http://schemas.openxmlformats.org/drawingml/2006/main" xmlns:r="http://schemas.openxmlformats.org/officeDocument/2006/relationships" xmlns:p="http://schemas.openxmlformats.org/presentationml/2006/main">
+  <p:cSld>
+    <p:spTree>
+      <p:nvGrpSpPr>
+        <p:cNvPr id="1" name=""/>
+        <p:cNvGrpSpPr/>
+        <p:nvPr/>
+      </p:nvGrpSpPr>
+      <p:grpSpPr>
+        <a:xfrm>
+          <a:off x="0" y="0"/>
+          <a:ext cx="0" cy="0"/>
+          <a:chOff x="0" y="0"/>
+          <a:chExt cx="0" cy="0"/>
+        </a:xfrm>
+      </p:grpSpPr>
+      <p:sp>
+        <p:nvSpPr>
+          <p:cNvPr id="2" name="Diakép helye 1"/>
+          <p:cNvSpPr>
+            <a:spLocks noGrp="1" noRot="1" noChangeAspect="1"/>
+          </p:cNvSpPr>
+          <p:nvPr>
+            <p:ph type="sldImg"/>
+          </p:nvPr>
+        </p:nvSpPr>
+        <p:spPr/>
+      </p:sp>
+      <p:sp>
+        <p:nvSpPr>
+          <p:cNvPr id="3" name="Jegyzetek helye 2"/>
+          <p:cNvSpPr>
+            <a:spLocks noGrp="1"/>
+          </p:cNvSpPr>
+          <p:nvPr>
+            <p:ph type="body" idx="1"/>
+          </p:nvPr>
+        </p:nvSpPr>
+        <p:spPr/>
+        <p:txBody>
+          <a:bodyPr/>
+          <a:lstStyle/>
+          <a:p>
+            <a:r>
+              <a:rPr lang="hu-HU" sz="2000" dirty="0"/>
+              <a:t>Jóestét</a:t>
+            </a:r>
+            <a:r>
+              <a:rPr lang="hu-HU" sz="2000" baseline="0" dirty="0"/>
+              <a:t> kívánok.</a:t>
+            </a:r>
+          </a:p>
+          <a:p>
+            <a:r>
+              <a:rPr lang="hu-HU" sz="2000" baseline="0" dirty="0"/>
+              <a:t>Iványi-Nagy Gábor vagyok, a Debreceni Egyetem, Informatikai kar Programtervező informatikus szakjának 3.ik éves hallgatója vagyok.</a:t>
+            </a:r>
+          </a:p>
+          <a:p>
+            <a:r>
+              <a:rPr lang="hu-HU" sz="2000" dirty="0"/>
+              <a:t>A teszt modul utolsó</a:t>
+            </a:r>
+            <a:r>
+              <a:rPr lang="hu-HU" sz="2000" baseline="0" dirty="0"/>
+              <a:t> fejlesztőjeként, első körben szeretnénk pár szót mondani magáról a Teszt életciklusának folyamatáról.</a:t>
+            </a:r>
+            <a:endParaRPr lang="hu-HU" sz="2000" dirty="0"/>
+          </a:p>
+        </p:txBody>
+      </p:sp>
+      <p:sp>
+        <p:nvSpPr>
+          <p:cNvPr id="4" name="Dia számának helye 3"/>
+          <p:cNvSpPr>
+            <a:spLocks noGrp="1"/>
+          </p:cNvSpPr>
+          <p:nvPr>
+            <p:ph type="sldNum" sz="quarter" idx="10"/>
+          </p:nvPr>
+        </p:nvSpPr>
+        <p:spPr/>
+        <p:txBody>
+          <a:bodyPr/>
+          <a:lstStyle/>
+          <a:p>
+            <a:fld id="{D02E9CAE-455D-4A4B-ADCC-E3AD0411C0C7}" type="slidenum">
+              <a:rPr lang="hu-HU" smtClean="0"/>
+              <a:t>2</a:t>
+            </a:fld>
+            <a:endParaRPr lang="hu-HU"/>
+          </a:p>
+        </p:txBody>
+      </p:sp>
+    </p:spTree>
+    <p:extLst>
+      <p:ext uri="{BB962C8B-B14F-4D97-AF65-F5344CB8AC3E}">
+        <p14:creationId xmlns:p14="http://schemas.microsoft.com/office/powerpoint/2010/main" val="2655968292"/>
+      </p:ext>
+    </p:extLst>
+  </p:cSld>
+  <p:clrMapOvr>
+    <a:masterClrMapping/>
+  </p:clrMapOvr>
+</p:notes>
+</file>
+
+<file path=ppt/notesSlides/notesSlide3.xml><?xml version="1.0" encoding="utf-8"?>
+<p:notes xmlns:a="http://schemas.openxmlformats.org/drawingml/2006/main" xmlns:r="http://schemas.openxmlformats.org/officeDocument/2006/relationships" xmlns:p="http://schemas.openxmlformats.org/presentationml/2006/main">
+  <p:cSld>
+    <p:spTree>
+      <p:nvGrpSpPr>
+        <p:cNvPr id="1" name=""/>
+        <p:cNvGrpSpPr/>
+        <p:nvPr/>
+      </p:nvGrpSpPr>
+      <p:grpSpPr>
+        <a:xfrm>
+          <a:off x="0" y="0"/>
+          <a:ext cx="0" cy="0"/>
+          <a:chOff x="0" y="0"/>
+          <a:chExt cx="0" cy="0"/>
+        </a:xfrm>
+      </p:grpSpPr>
+      <p:sp>
+        <p:nvSpPr>
+          <p:cNvPr id="2" name="Diakép helye 1"/>
+          <p:cNvSpPr>
+            <a:spLocks noGrp="1" noRot="1" noChangeAspect="1"/>
+          </p:cNvSpPr>
+          <p:nvPr>
+            <p:ph type="sldImg"/>
+          </p:nvPr>
+        </p:nvSpPr>
+        <p:spPr/>
+      </p:sp>
+      <p:sp>
+        <p:nvSpPr>
+          <p:cNvPr id="3" name="Jegyzetek helye 2"/>
+          <p:cNvSpPr>
+            <a:spLocks noGrp="1"/>
+          </p:cNvSpPr>
+          <p:nvPr>
+            <p:ph type="body" idx="1"/>
+          </p:nvPr>
+        </p:nvSpPr>
+        <p:spPr/>
+        <p:txBody>
+          <a:bodyPr/>
+          <a:lstStyle/>
+          <a:p>
+            <a:r>
+              <a:rPr lang="hu-HU" dirty="0"/>
+              <a:t>Első lépés, amit az oktatónak megkell tennie, hogy</a:t>
+            </a:r>
+            <a:r>
+              <a:rPr lang="hu-HU" baseline="0" dirty="0"/>
+              <a:t> létrehoz egy tesztet amit várhatóan másnap kitöltenek a diákok.</a:t>
+            </a:r>
+          </a:p>
+          <a:p>
+            <a:r>
+              <a:rPr lang="hu-HU" baseline="0" dirty="0"/>
+              <a:t>A diákok, az oktató által kijelölt időpontban kitölthetik a tesztet, akár otthonról is, amennyiben nem tudnak megjelenni az adott gyakorlati órán.</a:t>
+            </a:r>
+          </a:p>
+          <a:p>
+            <a:r>
+              <a:rPr lang="hu-HU" baseline="0" dirty="0"/>
+              <a:t>A teszt megírása után a diákok már meg is nézhetik az eredmény egy vagy akár teljes részét.</a:t>
+            </a:r>
+          </a:p>
+          <a:p>
+            <a:r>
+              <a:rPr lang="hu-HU" baseline="0" dirty="0"/>
+              <a:t>Az oktató kijavíthatja azokat a kérdéseket, amelyekre szöveges válasz érkezett be. A többi automatikusan javításra kerül.</a:t>
+            </a:r>
+          </a:p>
+          <a:p>
+            <a:endParaRPr lang="hu-HU" dirty="0"/>
+          </a:p>
+        </p:txBody>
+      </p:sp>
+      <p:sp>
+        <p:nvSpPr>
+          <p:cNvPr id="4" name="Dia számának helye 3"/>
+          <p:cNvSpPr>
+            <a:spLocks noGrp="1"/>
+          </p:cNvSpPr>
+          <p:nvPr>
+            <p:ph type="sldNum" sz="quarter" idx="10"/>
+          </p:nvPr>
+        </p:nvSpPr>
+        <p:spPr/>
+        <p:txBody>
+          <a:bodyPr/>
+          <a:lstStyle/>
+          <a:p>
+            <a:fld id="{D02E9CAE-455D-4A4B-ADCC-E3AD0411C0C7}" type="slidenum">
+              <a:rPr lang="hu-HU" smtClean="0"/>
+              <a:t>3</a:t>
+            </a:fld>
+            <a:endParaRPr lang="hu-HU"/>
+          </a:p>
+        </p:txBody>
+      </p:sp>
+    </p:spTree>
+    <p:extLst>
+      <p:ext uri="{BB962C8B-B14F-4D97-AF65-F5344CB8AC3E}">
+        <p14:creationId xmlns:p14="http://schemas.microsoft.com/office/powerpoint/2010/main" val="3011523050"/>
+      </p:ext>
+    </p:extLst>
+  </p:cSld>
+  <p:clrMapOvr>
+    <a:masterClrMapping/>
+  </p:clrMapOvr>
+</p:notes>
+</file>
+
+<file path=ppt/notesSlides/notesSlide4.xml><?xml version="1.0" encoding="utf-8"?>
+<p:notes xmlns:a="http://schemas.openxmlformats.org/drawingml/2006/main" xmlns:r="http://schemas.openxmlformats.org/officeDocument/2006/relationships" xmlns:p="http://schemas.openxmlformats.org/presentationml/2006/main">
+  <p:cSld>
+    <p:spTree>
+      <p:nvGrpSpPr>
+        <p:cNvPr id="1" name=""/>
+        <p:cNvGrpSpPr/>
+        <p:nvPr/>
+      </p:nvGrpSpPr>
+      <p:grpSpPr>
+        <a:xfrm>
+          <a:off x="0" y="0"/>
+          <a:ext cx="0" cy="0"/>
+          <a:chOff x="0" y="0"/>
+          <a:chExt cx="0" cy="0"/>
+        </a:xfrm>
+      </p:grpSpPr>
+      <p:sp>
+        <p:nvSpPr>
+          <p:cNvPr id="2" name="Diakép helye 1"/>
+          <p:cNvSpPr>
+            <a:spLocks noGrp="1" noRot="1" noChangeAspect="1"/>
+          </p:cNvSpPr>
+          <p:nvPr>
+            <p:ph type="sldImg"/>
+          </p:nvPr>
+        </p:nvSpPr>
+        <p:spPr/>
+      </p:sp>
+      <p:sp>
+        <p:nvSpPr>
+          <p:cNvPr id="3" name="Jegyzetek helye 2"/>
+          <p:cNvSpPr>
+            <a:spLocks noGrp="1"/>
+          </p:cNvSpPr>
+          <p:nvPr>
+            <p:ph type="body" idx="1"/>
+          </p:nvPr>
+        </p:nvSpPr>
+        <p:spPr/>
+        <p:txBody>
+          <a:bodyPr/>
+          <a:lstStyle/>
+          <a:p>
+            <a:r>
+              <a:rPr lang="hu-HU" dirty="0"/>
+              <a:t>Az</a:t>
+            </a:r>
+            <a:r>
+              <a:rPr lang="hu-HU" baseline="0" dirty="0"/>
+              <a:t> egyik fő feladatom volt az egyválaszos kérdések létrehozása, szerkesztése, törlése.</a:t>
+            </a:r>
+          </a:p>
+          <a:p>
+            <a:r>
+              <a:rPr lang="hu-HU" baseline="0" dirty="0"/>
+              <a:t>Az elején, mikor elkezdtük a projektet, akkor mindenki csinálni akart és csinált is mindent, főként a saját feladatait, egymás mellett párhuzamosan. </a:t>
+            </a:r>
+          </a:p>
+          <a:p>
+            <a:r>
+              <a:rPr lang="hu-HU" baseline="0" dirty="0"/>
+              <a:t>Viszont nem annyira terveztünk előre, így pl. Az egyválaszos kérdések és a Többválaszos kérdések, amik igazából eléggé hasonló szerkezetűek, Általam és Atka által is megszülettek.</a:t>
+            </a:r>
+          </a:p>
+          <a:p>
+            <a:r>
+              <a:rPr lang="hu-HU" baseline="0" dirty="0"/>
+              <a:t>Így itt , egy utólagos </a:t>
+            </a:r>
+            <a:r>
+              <a:rPr lang="hu-HU" baseline="0" dirty="0" err="1"/>
+              <a:t>refactort</a:t>
+            </a:r>
+            <a:r>
+              <a:rPr lang="hu-HU" baseline="0" dirty="0"/>
+              <a:t>, kiemelést alkalmaztam a két kódból, hogy az egyező dolgok csak az ősosztályban legyenek implementálva, ne pedig az egy és több válaszos kérdésekben is.</a:t>
+            </a:r>
+          </a:p>
+          <a:p>
+            <a:endParaRPr lang="hu-HU" baseline="0" dirty="0"/>
+          </a:p>
+          <a:p>
+            <a:r>
+              <a:rPr lang="hu-HU" baseline="0" dirty="0"/>
+              <a:t>A JUNIT tesztek legnagyobb részét én írtam meg,  de annyira speciális eset nem volt, inkább az volt itt időigényes, hogy a kapcsolatok miatt volt ahol 4 táblába is kellett adatot felvennünk hogy tudjuk értelmesen tesztelni a tesztelésre váró 5ik táblát.</a:t>
+            </a:r>
+          </a:p>
+          <a:p>
+            <a:endParaRPr lang="hu-HU" baseline="0" dirty="0"/>
+          </a:p>
+          <a:p>
+            <a:r>
+              <a:rPr lang="hu-HU" baseline="0" dirty="0"/>
+              <a:t>A teszt visszanézésénél várható volt, hogy a diák és az oktató ahogy megnézi a teszteket, az megint eléggé hasonló felépítésű lesz kód szempontból.</a:t>
+            </a:r>
+          </a:p>
+          <a:p>
+            <a:r>
+              <a:rPr lang="hu-HU" baseline="0" dirty="0"/>
+              <a:t>Ezért itt már egy közös ősosztályt készítettem, elkerülve a későbbi </a:t>
+            </a:r>
+            <a:r>
+              <a:rPr lang="hu-HU" baseline="0" dirty="0" err="1"/>
+              <a:t>refaktort</a:t>
+            </a:r>
+            <a:r>
+              <a:rPr lang="hu-HU" baseline="0" dirty="0"/>
+              <a:t>.</a:t>
+            </a:r>
+          </a:p>
+          <a:p>
+            <a:endParaRPr lang="hu-HU" baseline="0" dirty="0"/>
+          </a:p>
+          <a:p>
+            <a:r>
+              <a:rPr lang="hu-HU" baseline="0" dirty="0"/>
+              <a:t>A tesztek értékelése pontszám által, ami annyit jelent, hogy amint a diák az utolsó választ is kitölti, akkor bizony már láthatja a Megtekintés menüpont alatt, hogy a nem szöveges válaszok esetén, hány pontot sikerült összehoznia.</a:t>
+            </a:r>
+          </a:p>
+          <a:p>
+            <a:endParaRPr lang="hu-HU" baseline="0" dirty="0"/>
+          </a:p>
+          <a:p>
+            <a:endParaRPr lang="hu-HU" baseline="0" dirty="0"/>
+          </a:p>
+          <a:p>
+            <a:endParaRPr lang="hu-HU" baseline="0" dirty="0"/>
+          </a:p>
+          <a:p>
+            <a:endParaRPr lang="hu-HU" baseline="0" dirty="0"/>
+          </a:p>
+          <a:p>
+            <a:endParaRPr lang="hu-HU" baseline="0" dirty="0"/>
+          </a:p>
+          <a:p>
+            <a:endParaRPr lang="hu-HU" baseline="0" dirty="0"/>
+          </a:p>
+          <a:p>
+            <a:endParaRPr lang="hu-HU" baseline="0" dirty="0"/>
+          </a:p>
+          <a:p>
+            <a:endParaRPr lang="hu-HU" baseline="0" dirty="0"/>
+          </a:p>
+        </p:txBody>
+      </p:sp>
+      <p:sp>
+        <p:nvSpPr>
+          <p:cNvPr id="4" name="Dia számának helye 3"/>
+          <p:cNvSpPr>
+            <a:spLocks noGrp="1"/>
+          </p:cNvSpPr>
+          <p:nvPr>
+            <p:ph type="sldNum" sz="quarter" idx="10"/>
+          </p:nvPr>
+        </p:nvSpPr>
+        <p:spPr/>
+        <p:txBody>
+          <a:bodyPr/>
+          <a:lstStyle/>
+          <a:p>
+            <a:fld id="{D02E9CAE-455D-4A4B-ADCC-E3AD0411C0C7}" type="slidenum">
+              <a:rPr lang="hu-HU" smtClean="0"/>
+              <a:t>4</a:t>
+            </a:fld>
+            <a:endParaRPr lang="hu-HU"/>
+          </a:p>
+        </p:txBody>
+      </p:sp>
+    </p:spTree>
+    <p:extLst>
+      <p:ext uri="{BB962C8B-B14F-4D97-AF65-F5344CB8AC3E}">
+        <p14:creationId xmlns:p14="http://schemas.microsoft.com/office/powerpoint/2010/main" val="1747599306"/>
+      </p:ext>
+    </p:extLst>
+  </p:cSld>
+  <p:clrMapOvr>
+    <a:masterClrMapping/>
+  </p:clrMapOvr>
+</p:notes>
+</file>
+
+<file path=ppt/notesSlides/notesSlide5.xml><?xml version="1.0" encoding="utf-8"?>
+<p:notes xmlns:a="http://schemas.openxmlformats.org/drawingml/2006/main" xmlns:r="http://schemas.openxmlformats.org/officeDocument/2006/relationships" xmlns:p="http://schemas.openxmlformats.org/presentationml/2006/main">
+  <p:cSld>
+    <p:spTree>
+      <p:nvGrpSpPr>
+        <p:cNvPr id="1" name=""/>
+        <p:cNvGrpSpPr/>
+        <p:nvPr/>
+      </p:nvGrpSpPr>
+      <p:grpSpPr>
+        <a:xfrm>
+          <a:off x="0" y="0"/>
+          <a:ext cx="0" cy="0"/>
+          <a:chOff x="0" y="0"/>
+          <a:chExt cx="0" cy="0"/>
+        </a:xfrm>
+      </p:grpSpPr>
+      <p:sp>
+        <p:nvSpPr>
+          <p:cNvPr id="2" name="Diakép helye 1"/>
+          <p:cNvSpPr>
+            <a:spLocks noGrp="1" noRot="1" noChangeAspect="1"/>
+          </p:cNvSpPr>
+          <p:nvPr>
+            <p:ph type="sldImg"/>
+          </p:nvPr>
+        </p:nvSpPr>
+        <p:spPr/>
+      </p:sp>
+      <p:sp>
+        <p:nvSpPr>
+          <p:cNvPr id="3" name="Jegyzetek helye 2"/>
+          <p:cNvSpPr>
+            <a:spLocks noGrp="1"/>
+          </p:cNvSpPr>
+          <p:nvPr>
+            <p:ph type="body" idx="1"/>
+          </p:nvPr>
+        </p:nvSpPr>
+        <p:spPr/>
+        <p:txBody>
+          <a:bodyPr/>
+          <a:lstStyle/>
+          <a:p>
+            <a:endParaRPr lang="hu-HU" dirty="0"/>
+          </a:p>
+        </p:txBody>
+      </p:sp>
+      <p:sp>
+        <p:nvSpPr>
+          <p:cNvPr id="4" name="Dia számának helye 3"/>
+          <p:cNvSpPr>
+            <a:spLocks noGrp="1"/>
+          </p:cNvSpPr>
+          <p:nvPr>
+            <p:ph type="sldNum" sz="quarter" idx="10"/>
+          </p:nvPr>
+        </p:nvSpPr>
+        <p:spPr/>
+        <p:txBody>
+          <a:bodyPr/>
+          <a:lstStyle/>
+          <a:p>
+            <a:fld id="{D02E9CAE-455D-4A4B-ADCC-E3AD0411C0C7}" type="slidenum">
+              <a:rPr lang="hu-HU" smtClean="0"/>
+              <a:t>5</a:t>
+            </a:fld>
+            <a:endParaRPr lang="hu-HU"/>
+          </a:p>
+        </p:txBody>
+      </p:sp>
+    </p:spTree>
+    <p:extLst>
+      <p:ext uri="{BB962C8B-B14F-4D97-AF65-F5344CB8AC3E}">
+        <p14:creationId xmlns:p14="http://schemas.microsoft.com/office/powerpoint/2010/main" val="983509736"/>
+      </p:ext>
+    </p:extLst>
+  </p:cSld>
+  <p:clrMapOvr>
+    <a:masterClrMapping/>
+  </p:clrMapOvr>
+</p:notes>
+</file>
+
+<file path=ppt/notesSlides/notesSlide6.xml><?xml version="1.0" encoding="utf-8"?>
+<p:notes xmlns:a="http://schemas.openxmlformats.org/drawingml/2006/main" xmlns:r="http://schemas.openxmlformats.org/officeDocument/2006/relationships" xmlns:p="http://schemas.openxmlformats.org/presentationml/2006/main">
+  <p:cSld>
+    <p:spTree>
+      <p:nvGrpSpPr>
+        <p:cNvPr id="1" name=""/>
+        <p:cNvGrpSpPr/>
+        <p:nvPr/>
+      </p:nvGrpSpPr>
+      <p:grpSpPr>
+        <a:xfrm>
+          <a:off x="0" y="0"/>
+          <a:ext cx="0" cy="0"/>
+          <a:chOff x="0" y="0"/>
+          <a:chExt cx="0" cy="0"/>
+        </a:xfrm>
+      </p:grpSpPr>
+      <p:sp>
+        <p:nvSpPr>
+          <p:cNvPr id="2" name="Diakép helye 1"/>
+          <p:cNvSpPr>
+            <a:spLocks noGrp="1" noRot="1" noChangeAspect="1"/>
+          </p:cNvSpPr>
+          <p:nvPr>
+            <p:ph type="sldImg"/>
+          </p:nvPr>
+        </p:nvSpPr>
+        <p:spPr/>
+      </p:sp>
+      <p:sp>
+        <p:nvSpPr>
+          <p:cNvPr id="3" name="Jegyzetek helye 2"/>
+          <p:cNvSpPr>
+            <a:spLocks noGrp="1"/>
+          </p:cNvSpPr>
+          <p:nvPr>
+            <p:ph type="body" idx="1"/>
+          </p:nvPr>
+        </p:nvSpPr>
+        <p:spPr/>
+        <p:txBody>
+          <a:bodyPr/>
+          <a:lstStyle/>
+          <a:p>
+            <a:r>
+              <a:rPr lang="hu-HU" dirty="0"/>
+              <a:t>Az én egyik</a:t>
+            </a:r>
+            <a:r>
+              <a:rPr lang="hu-HU" baseline="0" dirty="0"/>
+              <a:t> legnagyobb kihívásom az adatbázis részünk megtervezése volt.</a:t>
+            </a:r>
+          </a:p>
+          <a:p>
+            <a:r>
+              <a:rPr lang="hu-HU" baseline="0" dirty="0"/>
+              <a:t>Agilisan fejlesztettünk, így együtt terveztük meg először és másodszor is az  adatbázis sémánkat, először nem volt olyan rossz, de úgy gondoltuk hogy lehet jobb is, így hát megnéztünk egy másik alternatívát is, de az meg előidézte az n+1 </a:t>
+            </a:r>
+            <a:r>
+              <a:rPr lang="hu-HU" baseline="0" dirty="0" err="1"/>
+              <a:t>select</a:t>
+            </a:r>
+            <a:r>
+              <a:rPr lang="hu-HU" baseline="0" dirty="0"/>
+              <a:t> problémát.</a:t>
+            </a:r>
+          </a:p>
+          <a:p>
+            <a:endParaRPr lang="hu-HU" baseline="0" dirty="0"/>
+          </a:p>
+          <a:p>
+            <a:r>
+              <a:rPr lang="hu-HU" dirty="0"/>
+              <a:t>Ugye</a:t>
+            </a:r>
+            <a:r>
+              <a:rPr lang="hu-HU" baseline="0" dirty="0"/>
+              <a:t> ekkor úgy álltunk, hogy az első megoldás se az igazi, a második pedig felszedi az egész táblát, talán kényelmi szempontból ez nem is lenne olyan atomrossz megoldás, de még mindig kellett volna egy olyan megoldás, ami a lehető </a:t>
+            </a:r>
+            <a:r>
+              <a:rPr lang="hu-HU" baseline="0" dirty="0" err="1"/>
+              <a:t>legoptimalizáltabb</a:t>
+            </a:r>
+            <a:r>
+              <a:rPr lang="hu-HU" baseline="0" dirty="0"/>
+              <a:t> és a lehető leglogikusabb felépítésű véleményem szerint.</a:t>
+            </a:r>
+          </a:p>
+          <a:p>
+            <a:endParaRPr lang="hu-HU" baseline="0" dirty="0"/>
+          </a:p>
+          <a:p>
+            <a:r>
+              <a:rPr lang="hu-HU" baseline="0" dirty="0"/>
+              <a:t>A második megoldásunkban oda-vissza volt hivatkozás az osztályok között és szerintem ez nem a leglogikusabb megoldás.</a:t>
+            </a:r>
+          </a:p>
+          <a:p>
+            <a:r>
+              <a:rPr lang="hu-HU" baseline="0" dirty="0"/>
+              <a:t>Én úgy gondolom hogy, egy kérdésnek biztosan kell tudnia azt, hogy melyik válaszlehetőségek tartoznak hozzá, de egy válaszlehetőségnek nem kell tudnia feltétlenül azt, hogy melyik kérdéshez tartozik ő, és hát ez a jelenlegi megoldásunk is.</a:t>
+            </a:r>
+          </a:p>
+          <a:p>
+            <a:endParaRPr lang="hu-HU" baseline="0" dirty="0"/>
+          </a:p>
+          <a:p>
+            <a:endParaRPr lang="hu-HU" baseline="0" dirty="0"/>
+          </a:p>
+          <a:p>
+            <a:r>
+              <a:rPr lang="hu-HU" baseline="0" dirty="0"/>
+              <a:t>A következő nagyobb kihívásom már nincs benne az alkalmazásban pontosan úgy, ahogy megcsináltam </a:t>
+            </a:r>
+            <a:r>
+              <a:rPr lang="hu-HU" baseline="0" dirty="0" err="1"/>
+              <a:t>elsőre.:DD</a:t>
+            </a:r>
+            <a:endParaRPr lang="hu-HU" baseline="0" dirty="0"/>
+          </a:p>
+          <a:p>
+            <a:r>
+              <a:rPr lang="hu-HU" baseline="0" dirty="0"/>
+              <a:t>Itt a teszt megnézésre gondolok, amit én kicsit máshogy gondoltam mint ami a végleges állapot lett, de a mostani sokkal érthetőbb megoldás mind a felületen mind a kódban egyaránt.</a:t>
+            </a:r>
+          </a:p>
+          <a:p>
+            <a:r>
+              <a:rPr lang="hu-HU" baseline="0" dirty="0"/>
+              <a:t>Egyébként az én eredeti megoldásomban a kódminőség szinten tartása volt az egyik legnehezebb, mert volt 5-6 tábla amit érinteni kellett, ahol  majdnem mindenkinek van egy listája és azokban nézni hogy az adott válaszok hova tartoznak és ha az adott válasz szöveges akkor még azt is figyelni.</a:t>
+            </a:r>
+          </a:p>
+          <a:p>
+            <a:endParaRPr lang="hu-HU" baseline="0" dirty="0"/>
+          </a:p>
+          <a:p>
+            <a:r>
+              <a:rPr lang="hu-HU" baseline="0" dirty="0"/>
+              <a:t>Ezt én kihívásnak tekintem, pláne hogy </a:t>
+            </a:r>
+            <a:r>
+              <a:rPr lang="hu-HU" baseline="0" dirty="0" err="1"/>
+              <a:t>Streameket</a:t>
+            </a:r>
+            <a:r>
+              <a:rPr lang="hu-HU" baseline="0" dirty="0"/>
+              <a:t> se nagyon tudtam használni, hiszen ha nem tudtam a listákra meghívni a </a:t>
+            </a:r>
+            <a:r>
+              <a:rPr lang="hu-HU" baseline="0" dirty="0" err="1"/>
+              <a:t>foreEach</a:t>
+            </a:r>
+            <a:r>
+              <a:rPr lang="hu-HU" baseline="0" dirty="0"/>
+              <a:t> </a:t>
+            </a:r>
+            <a:r>
+              <a:rPr lang="hu-HU" baseline="0" dirty="0" err="1"/>
+              <a:t>müveletet</a:t>
+            </a:r>
+            <a:r>
+              <a:rPr lang="hu-HU" baseline="0" dirty="0"/>
+              <a:t>, mivel nem igazán kedveli olyan metódusok meghívását, amelyek dobhatnak kivételt, így marad a jó öreg </a:t>
+            </a:r>
+            <a:r>
+              <a:rPr lang="hu-HU" baseline="0" dirty="0" err="1"/>
+              <a:t>forEach</a:t>
+            </a:r>
+            <a:r>
+              <a:rPr lang="hu-HU" baseline="0" dirty="0"/>
+              <a:t>-es bejáró ciklus használata.</a:t>
+            </a:r>
+          </a:p>
+          <a:p>
+            <a:endParaRPr lang="hu-HU" baseline="0" dirty="0"/>
+          </a:p>
+          <a:p>
+            <a:r>
+              <a:rPr lang="hu-HU" baseline="0" dirty="0"/>
+              <a:t>De ez a végén mindegy is lett, mert </a:t>
+            </a:r>
+            <a:r>
+              <a:rPr lang="hu-HU" baseline="0" dirty="0" err="1"/>
+              <a:t>Flaccal</a:t>
+            </a:r>
+            <a:r>
+              <a:rPr lang="hu-HU" baseline="0" dirty="0"/>
+              <a:t> egyeztetve, más megjelenítési </a:t>
+            </a:r>
+            <a:r>
+              <a:rPr lang="hu-HU" baseline="0" dirty="0" err="1"/>
+              <a:t>módót</a:t>
+            </a:r>
+            <a:r>
+              <a:rPr lang="hu-HU" baseline="0" dirty="0"/>
+              <a:t> beszéltünk meg, hogy az adott választ kijelöljük amennyiben a diák bejelölte, ehhez ugye csak az adott kérdéshez szükséges válaszlehetőségek azonosítóit és a diák válaszainak azonosítóit kellett összevetnem, illetve már maga a válaszlehetőség is tudta magáról, hogy ő helyes, rossz vagy még ki nem értékelt fázisban van e. És akkor utóbbinál csak egy pipát, egy </a:t>
+            </a:r>
+            <a:r>
+              <a:rPr lang="hu-HU" baseline="0" dirty="0" err="1"/>
+              <a:t>x-et</a:t>
+            </a:r>
+            <a:r>
+              <a:rPr lang="hu-HU" baseline="0" dirty="0"/>
+              <a:t> vagy éppen egyiket sem kellett </a:t>
+            </a:r>
+            <a:r>
+              <a:rPr lang="hu-HU" baseline="0" dirty="0" err="1"/>
+              <a:t>odairni</a:t>
+            </a:r>
+            <a:r>
+              <a:rPr lang="hu-HU" baseline="0" dirty="0"/>
+              <a:t> a válaszlehetőség mellé.</a:t>
+            </a:r>
+          </a:p>
+          <a:p>
+            <a:endParaRPr lang="hu-HU" baseline="0" dirty="0"/>
+          </a:p>
+          <a:p>
+            <a:r>
+              <a:rPr lang="hu-HU" baseline="0" dirty="0"/>
+              <a:t>Ez azért jóval egyszerűbb és könnyebb megoldás mint amit én szerettem volna megvalósítani és UI-</a:t>
+            </a:r>
+            <a:r>
+              <a:rPr lang="hu-HU" baseline="0" dirty="0" err="1"/>
+              <a:t>on</a:t>
+            </a:r>
+            <a:r>
+              <a:rPr lang="hu-HU" baseline="0" dirty="0"/>
+              <a:t> keresztül nem sok minden más </a:t>
+            </a:r>
+            <a:r>
+              <a:rPr lang="hu-HU" baseline="0" dirty="0" err="1"/>
+              <a:t>látszódna</a:t>
+            </a:r>
+            <a:r>
+              <a:rPr lang="hu-HU" baseline="0" dirty="0"/>
+              <a:t>(Zölddel és pirossal jelölnénk a teljes sort amelyek helyesek és rosszak), de ha nem kezdtem volna el menni itt a saját fejem után, akkor itt nem tudnék nagyon nagy kihívásról beszélni ehhez a feladathoz kapcsolódóan.</a:t>
+            </a:r>
+          </a:p>
+          <a:p>
+            <a:endParaRPr lang="hu-HU" baseline="0" dirty="0"/>
+          </a:p>
+          <a:p>
+            <a:endParaRPr lang="hu-HU" baseline="0" dirty="0"/>
+          </a:p>
+          <a:p>
+            <a:r>
+              <a:rPr lang="hu-HU" baseline="0" dirty="0"/>
+              <a:t>A teszteknél futtatáskor volt egy kis fennakadásom, mégpedig volt minden tesztosztályhoz egy hozzátartozó </a:t>
+            </a:r>
+            <a:r>
+              <a:rPr lang="hu-HU" baseline="0" dirty="0" err="1"/>
+              <a:t>Suite</a:t>
+            </a:r>
+            <a:r>
+              <a:rPr lang="hu-HU" baseline="0" dirty="0"/>
+              <a:t> osztály, illetve volt egy </a:t>
+            </a:r>
+            <a:r>
+              <a:rPr lang="hu-HU" baseline="0" dirty="0" err="1"/>
+              <a:t>AllTestSuite</a:t>
+            </a:r>
+            <a:r>
+              <a:rPr lang="hu-HU" baseline="0" dirty="0"/>
+              <a:t> osztály, ami futtatta az összes tesztet.</a:t>
+            </a:r>
+          </a:p>
+          <a:p>
+            <a:r>
+              <a:rPr lang="hu-HU" baseline="0" dirty="0"/>
+              <a:t>A </a:t>
+            </a:r>
+            <a:r>
+              <a:rPr lang="hu-HU" baseline="0" dirty="0" err="1"/>
+              <a:t>maven-surefire-plugin-nál</a:t>
+            </a:r>
+            <a:r>
+              <a:rPr lang="hu-HU" baseline="0" dirty="0"/>
+              <a:t> azt adtuk meg, hogy az összes akármi …Suite.java-</a:t>
+            </a:r>
+            <a:r>
+              <a:rPr lang="hu-HU" baseline="0" dirty="0" err="1"/>
+              <a:t>ra</a:t>
+            </a:r>
+            <a:r>
+              <a:rPr lang="hu-HU" baseline="0" dirty="0"/>
+              <a:t> végződő osztályunkat </a:t>
+            </a:r>
+            <a:r>
+              <a:rPr lang="hu-HU" baseline="0" dirty="0" err="1"/>
+              <a:t>futassa</a:t>
+            </a:r>
+            <a:r>
+              <a:rPr lang="hu-HU" baseline="0" dirty="0"/>
+              <a:t>, ami pl. az </a:t>
+            </a:r>
+            <a:r>
+              <a:rPr lang="hu-HU" baseline="0" dirty="0" err="1"/>
+              <a:t>admin</a:t>
+            </a:r>
+            <a:r>
+              <a:rPr lang="hu-HU" baseline="0" dirty="0"/>
+              <a:t> csoportnál teljesen jól </a:t>
+            </a:r>
+            <a:r>
+              <a:rPr lang="hu-HU" baseline="0" dirty="0" err="1"/>
+              <a:t>müködött</a:t>
+            </a:r>
+            <a:r>
+              <a:rPr lang="hu-HU" baseline="0" dirty="0"/>
+              <a:t>, de nálunk valamiért az </a:t>
+            </a:r>
+            <a:r>
+              <a:rPr lang="hu-HU" baseline="0" dirty="0" err="1"/>
+              <a:t>AllTestSuite</a:t>
+            </a:r>
+            <a:r>
+              <a:rPr lang="hu-HU" baseline="0" dirty="0"/>
+              <a:t> az abszolút </a:t>
+            </a:r>
+            <a:r>
+              <a:rPr lang="hu-HU" baseline="0" dirty="0" err="1"/>
+              <a:t>jol</a:t>
+            </a:r>
+            <a:r>
+              <a:rPr lang="hu-HU" baseline="0" dirty="0"/>
+              <a:t> lefutott, elbukások nélkül, viszont az adott osztályok </a:t>
+            </a:r>
+            <a:r>
+              <a:rPr lang="hu-HU" baseline="0" dirty="0" err="1"/>
+              <a:t>Suite</a:t>
+            </a:r>
+            <a:r>
+              <a:rPr lang="hu-HU" baseline="0" dirty="0"/>
+              <a:t>-i által futtattot tesztjeink mind elbuktak.</a:t>
+            </a:r>
+          </a:p>
+          <a:p>
+            <a:r>
+              <a:rPr lang="hu-HU" baseline="0" dirty="0"/>
+              <a:t>Hát erre a leggyorsabb megoldást választottam, a </a:t>
+            </a:r>
+            <a:r>
+              <a:rPr lang="hu-HU" baseline="0" dirty="0" err="1"/>
+              <a:t>Suite-ra</a:t>
+            </a:r>
+            <a:r>
+              <a:rPr lang="hu-HU" baseline="0" dirty="0"/>
+              <a:t> végződő osztályokat átneveztem </a:t>
+            </a:r>
+            <a:r>
+              <a:rPr lang="hu-HU" baseline="0" dirty="0" err="1"/>
+              <a:t>SuiteTest</a:t>
+            </a:r>
+            <a:r>
+              <a:rPr lang="hu-HU" baseline="0" dirty="0"/>
+              <a:t>-re, igy csak az </a:t>
+            </a:r>
+            <a:r>
+              <a:rPr lang="hu-HU" baseline="0" dirty="0" err="1"/>
+              <a:t>AllTestSuite</a:t>
+            </a:r>
+            <a:r>
+              <a:rPr lang="hu-HU" baseline="0" dirty="0"/>
+              <a:t> futott le nálunk és minden tesztünk igy átment.</a:t>
+            </a:r>
+          </a:p>
+          <a:p>
+            <a:endParaRPr lang="hu-HU" baseline="0" dirty="0"/>
+          </a:p>
+          <a:p>
+            <a:endParaRPr lang="hu-HU" dirty="0"/>
+          </a:p>
+        </p:txBody>
+      </p:sp>
+      <p:sp>
+        <p:nvSpPr>
+          <p:cNvPr id="4" name="Dia számának helye 3"/>
+          <p:cNvSpPr>
+            <a:spLocks noGrp="1"/>
+          </p:cNvSpPr>
+          <p:nvPr>
+            <p:ph type="sldNum" sz="quarter" idx="10"/>
+          </p:nvPr>
+        </p:nvSpPr>
+        <p:spPr/>
+        <p:txBody>
+          <a:bodyPr/>
+          <a:lstStyle/>
+          <a:p>
+            <a:fld id="{D02E9CAE-455D-4A4B-ADCC-E3AD0411C0C7}" type="slidenum">
+              <a:rPr lang="hu-HU" smtClean="0"/>
+              <a:t>6</a:t>
+            </a:fld>
+            <a:endParaRPr lang="hu-HU"/>
+          </a:p>
+        </p:txBody>
+      </p:sp>
+    </p:spTree>
+    <p:extLst>
+      <p:ext uri="{BB962C8B-B14F-4D97-AF65-F5344CB8AC3E}">
+        <p14:creationId xmlns:p14="http://schemas.microsoft.com/office/powerpoint/2010/main" val="1045617033"/>
+      </p:ext>
+    </p:extLst>
+  </p:cSld>
+  <p:clrMapOvr>
+    <a:masterClrMapping/>
+  </p:clrMapOvr>
+</p:notes>
+</file>
+
+<file path=ppt/notesSlides/notesSlide7.xml><?xml version="1.0" encoding="utf-8"?>
+<p:notes xmlns:a="http://schemas.openxmlformats.org/drawingml/2006/main" xmlns:r="http://schemas.openxmlformats.org/officeDocument/2006/relationships" xmlns:p="http://schemas.openxmlformats.org/presentationml/2006/main">
+  <p:cSld>
+    <p:spTree>
+      <p:nvGrpSpPr>
+        <p:cNvPr id="1" name=""/>
+        <p:cNvGrpSpPr/>
+        <p:nvPr/>
+      </p:nvGrpSpPr>
+      <p:grpSpPr>
+        <a:xfrm>
+          <a:off x="0" y="0"/>
+          <a:ext cx="0" cy="0"/>
+          <a:chOff x="0" y="0"/>
+          <a:chExt cx="0" cy="0"/>
+        </a:xfrm>
+      </p:grpSpPr>
+      <p:sp>
+        <p:nvSpPr>
+          <p:cNvPr id="2" name="Diakép helye 1"/>
+          <p:cNvSpPr>
+            <a:spLocks noGrp="1" noRot="1" noChangeAspect="1"/>
+          </p:cNvSpPr>
+          <p:nvPr>
+            <p:ph type="sldImg"/>
+          </p:nvPr>
+        </p:nvSpPr>
+        <p:spPr/>
+      </p:sp>
+      <p:sp>
+        <p:nvSpPr>
+          <p:cNvPr id="3" name="Jegyzetek helye 2"/>
+          <p:cNvSpPr>
+            <a:spLocks noGrp="1"/>
+          </p:cNvSpPr>
+          <p:nvPr>
+            <p:ph type="body" idx="1"/>
+          </p:nvPr>
+        </p:nvSpPr>
+        <p:spPr/>
+        <p:txBody>
+          <a:bodyPr/>
+          <a:lstStyle/>
+          <a:p>
+            <a:r>
+              <a:rPr lang="hu-HU" dirty="0"/>
+              <a:t>A </a:t>
+            </a:r>
+            <a:r>
+              <a:rPr lang="hu-HU" dirty="0" err="1"/>
+              <a:t>kanbanról</a:t>
+            </a:r>
+            <a:r>
+              <a:rPr lang="hu-HU" baseline="0" dirty="0"/>
+              <a:t> már tanultam a szoftvertesztelés gyakorlati óránk jóvoltálból, de most ki is próbálhattam egy valódi nagy projekt által.</a:t>
+            </a:r>
+          </a:p>
+          <a:p>
+            <a:r>
+              <a:rPr lang="hu-HU" baseline="0" dirty="0"/>
+              <a:t>A benyomásom róla az hogy abszolút jó.</a:t>
+            </a:r>
+          </a:p>
+          <a:p>
+            <a:endParaRPr lang="hu-HU" baseline="0" dirty="0"/>
+          </a:p>
+          <a:p>
+            <a:r>
+              <a:rPr lang="hu-HU" baseline="0" dirty="0"/>
+              <a:t>A csapat és a csapatmunka rendkívül tetszett nekem, az hogy megosztottuk a feladatokat, az hogyha elakadtunk akkor segítettünk a másiknak.</a:t>
+            </a:r>
+          </a:p>
+          <a:p>
+            <a:endParaRPr lang="hu-HU" baseline="0" dirty="0"/>
+          </a:p>
+          <a:p>
+            <a:r>
+              <a:rPr lang="hu-HU" baseline="0" dirty="0"/>
+              <a:t>A java EE </a:t>
+            </a:r>
+            <a:r>
+              <a:rPr lang="hu-HU" baseline="0" dirty="0" err="1"/>
+              <a:t>techonlógiák</a:t>
+            </a:r>
+            <a:r>
+              <a:rPr lang="hu-HU" baseline="0" dirty="0"/>
+              <a:t> közül nekem a JPA lett a kedvencem hiszen óriási területet nyit az adatbázis megtervezéséhez java oldalon és hát én igazából mindig is szerettem az adatbázisos tervezést, ám a legkellemesebb technológia a </a:t>
+            </a:r>
+            <a:r>
+              <a:rPr lang="hu-HU" baseline="0" dirty="0" err="1"/>
+              <a:t>primeFaces</a:t>
+            </a:r>
+            <a:r>
+              <a:rPr lang="hu-HU" baseline="0" dirty="0"/>
+              <a:t> volt, hiszen szinten mindenre amire ebben a projektben szükségünk volt, arra adott </a:t>
+            </a:r>
+            <a:r>
+              <a:rPr lang="hu-HU" baseline="0" dirty="0" err="1"/>
+              <a:t>késsz</a:t>
+            </a:r>
+            <a:r>
+              <a:rPr lang="hu-HU" baseline="0" dirty="0"/>
+              <a:t> megoldást.</a:t>
+            </a:r>
+          </a:p>
+          <a:p>
+            <a:endParaRPr lang="hu-HU" baseline="0" dirty="0"/>
+          </a:p>
+          <a:p>
+            <a:r>
+              <a:rPr lang="hu-HU" baseline="0" dirty="0"/>
+              <a:t>A legkellemetlenebb tapasztalatom, az sajnos mindennap előjött, méghozzá hogy </a:t>
+            </a:r>
+            <a:r>
+              <a:rPr lang="hu-HU" baseline="0" dirty="0" err="1"/>
+              <a:t>StartExceptionnal</a:t>
+            </a:r>
+            <a:r>
+              <a:rPr lang="hu-HU" baseline="0" dirty="0"/>
+              <a:t> kezdődik a mai munka is.</a:t>
+            </a:r>
+          </a:p>
+          <a:p>
+            <a:endParaRPr lang="hu-HU" baseline="0" dirty="0"/>
+          </a:p>
+          <a:p>
+            <a:r>
+              <a:rPr lang="hu-HU" baseline="0" dirty="0"/>
+              <a:t>Úgy gondolom hogy a projekt munka alatt tényleg mindenki azt érezte hogy mi tényleg fejlesztők vagyunk.</a:t>
+            </a:r>
+          </a:p>
+        </p:txBody>
+      </p:sp>
+      <p:sp>
+        <p:nvSpPr>
+          <p:cNvPr id="4" name="Dia számának helye 3"/>
+          <p:cNvSpPr>
+            <a:spLocks noGrp="1"/>
+          </p:cNvSpPr>
+          <p:nvPr>
+            <p:ph type="sldNum" sz="quarter" idx="10"/>
+          </p:nvPr>
+        </p:nvSpPr>
+        <p:spPr/>
+        <p:txBody>
+          <a:bodyPr/>
+          <a:lstStyle/>
+          <a:p>
+            <a:fld id="{D02E9CAE-455D-4A4B-ADCC-E3AD0411C0C7}" type="slidenum">
+              <a:rPr lang="hu-HU" smtClean="0"/>
+              <a:t>7</a:t>
+            </a:fld>
+            <a:endParaRPr lang="hu-HU"/>
+          </a:p>
+        </p:txBody>
+      </p:sp>
+    </p:spTree>
+    <p:extLst>
+      <p:ext uri="{BB962C8B-B14F-4D97-AF65-F5344CB8AC3E}">
+        <p14:creationId xmlns:p14="http://schemas.microsoft.com/office/powerpoint/2010/main" val="1947123585"/>
+      </p:ext>
+    </p:extLst>
+  </p:cSld>
+  <p:clrMapOvr>
+    <a:masterClrMapping/>
+  </p:clrMapOvr>
+</p:notes>
+</file>
+
+<file path=ppt/notesSlides/notesSlide8.xml><?xml version="1.0" encoding="utf-8"?>
+<p:notes xmlns:a="http://schemas.openxmlformats.org/drawingml/2006/main" xmlns:r="http://schemas.openxmlformats.org/officeDocument/2006/relationships" xmlns:p="http://schemas.openxmlformats.org/presentationml/2006/main">
+  <p:cSld>
+    <p:spTree>
+      <p:nvGrpSpPr>
+        <p:cNvPr id="1" name=""/>
+        <p:cNvGrpSpPr/>
+        <p:nvPr/>
+      </p:nvGrpSpPr>
+      <p:grpSpPr>
+        <a:xfrm>
+          <a:off x="0" y="0"/>
+          <a:ext cx="0" cy="0"/>
+          <a:chOff x="0" y="0"/>
+          <a:chExt cx="0" cy="0"/>
+        </a:xfrm>
+      </p:grpSpPr>
+      <p:sp>
+        <p:nvSpPr>
+          <p:cNvPr id="2" name="Diakép helye 1"/>
+          <p:cNvSpPr>
+            <a:spLocks noGrp="1" noRot="1" noChangeAspect="1"/>
+          </p:cNvSpPr>
+          <p:nvPr>
+            <p:ph type="sldImg"/>
+          </p:nvPr>
+        </p:nvSpPr>
+        <p:spPr/>
+      </p:sp>
+      <p:sp>
+        <p:nvSpPr>
+          <p:cNvPr id="3" name="Jegyzetek helye 2"/>
+          <p:cNvSpPr>
+            <a:spLocks noGrp="1"/>
+          </p:cNvSpPr>
+          <p:nvPr>
+            <p:ph type="body" idx="1"/>
+          </p:nvPr>
+        </p:nvSpPr>
+        <p:spPr/>
+        <p:txBody>
+          <a:bodyPr/>
+          <a:lstStyle/>
+          <a:p>
+            <a:r>
+              <a:rPr lang="hu-HU" dirty="0"/>
+              <a:t>Köszönöm szépen a figyelmet!</a:t>
+            </a:r>
+          </a:p>
+          <a:p>
+            <a:endParaRPr lang="hu-HU" dirty="0"/>
+          </a:p>
+        </p:txBody>
+      </p:sp>
+      <p:sp>
+        <p:nvSpPr>
+          <p:cNvPr id="4" name="Dia számának helye 3"/>
+          <p:cNvSpPr>
+            <a:spLocks noGrp="1"/>
+          </p:cNvSpPr>
+          <p:nvPr>
+            <p:ph type="sldNum" sz="quarter" idx="10"/>
+          </p:nvPr>
+        </p:nvSpPr>
+        <p:spPr/>
+        <p:txBody>
+          <a:bodyPr/>
+          <a:lstStyle/>
+          <a:p>
+            <a:fld id="{D02E9CAE-455D-4A4B-ADCC-E3AD0411C0C7}" type="slidenum">
+              <a:rPr lang="hu-HU" smtClean="0"/>
+              <a:t>8</a:t>
+            </a:fld>
+            <a:endParaRPr lang="hu-HU"/>
+          </a:p>
+        </p:txBody>
+      </p:sp>
+    </p:spTree>
+    <p:extLst>
+      <p:ext uri="{BB962C8B-B14F-4D97-AF65-F5344CB8AC3E}">
+        <p14:creationId xmlns:p14="http://schemas.microsoft.com/office/powerpoint/2010/main" val="3570779479"/>
+      </p:ext>
+    </p:extLst>
+  </p:cSld>
+  <p:clrMapOvr>
+    <a:masterClrMapping/>
+  </p:clrMapOvr>
+</p:notes>
+</file>
+
 <file path=ppt/slideLayouts/slideLayout1.xml><?xml version="1.0" encoding="utf-8"?>
 <p:sldLayout xmlns:a="http://schemas.openxmlformats.org/drawingml/2006/main" xmlns:r="http://schemas.openxmlformats.org/officeDocument/2006/relationships" xmlns:p="http://schemas.openxmlformats.org/presentationml/2006/main" type="title" preserve="1">
   <p:cSld name="Címdia">
@@ -261,7 +1854,7 @@
           <a:p>
             <a:fld id="{C6E8B002-83F0-41C5-A7B7-2819A96BD9B2}" type="datetimeFigureOut">
               <a:rPr lang="hu-HU" smtClean="0"/>
-              <a:t>2016.05.17.</a:t>
+              <a:t>2016.05.20.</a:t>
             </a:fld>
             <a:endParaRPr lang="hu-HU"/>
           </a:p>
@@ -431,7 +2024,7 @@
           <a:p>
             <a:fld id="{C6E8B002-83F0-41C5-A7B7-2819A96BD9B2}" type="datetimeFigureOut">
               <a:rPr lang="hu-HU" smtClean="0"/>
-              <a:t>2016.05.17.</a:t>
+              <a:t>2016.05.20.</a:t>
             </a:fld>
             <a:endParaRPr lang="hu-HU"/>
           </a:p>
@@ -611,7 +2204,7 @@
           <a:p>
             <a:fld id="{C6E8B002-83F0-41C5-A7B7-2819A96BD9B2}" type="datetimeFigureOut">
               <a:rPr lang="hu-HU" smtClean="0"/>
-              <a:t>2016.05.17.</a:t>
+              <a:t>2016.05.20.</a:t>
             </a:fld>
             <a:endParaRPr lang="hu-HU"/>
           </a:p>
@@ -781,7 +2374,7 @@
           <a:p>
             <a:fld id="{C6E8B002-83F0-41C5-A7B7-2819A96BD9B2}" type="datetimeFigureOut">
               <a:rPr lang="hu-HU" smtClean="0"/>
-              <a:t>2016.05.17.</a:t>
+              <a:t>2016.05.20.</a:t>
             </a:fld>
             <a:endParaRPr lang="hu-HU"/>
           </a:p>
@@ -1025,7 +2618,7 @@
           <a:p>
             <a:fld id="{C6E8B002-83F0-41C5-A7B7-2819A96BD9B2}" type="datetimeFigureOut">
               <a:rPr lang="hu-HU" smtClean="0"/>
-              <a:t>2016.05.17.</a:t>
+              <a:t>2016.05.20.</a:t>
             </a:fld>
             <a:endParaRPr lang="hu-HU"/>
           </a:p>
@@ -1257,7 +2850,7 @@
           <a:p>
             <a:fld id="{C6E8B002-83F0-41C5-A7B7-2819A96BD9B2}" type="datetimeFigureOut">
               <a:rPr lang="hu-HU" smtClean="0"/>
-              <a:t>2016.05.17.</a:t>
+              <a:t>2016.05.20.</a:t>
             </a:fld>
             <a:endParaRPr lang="hu-HU"/>
           </a:p>
@@ -1624,7 +3217,7 @@
           <a:p>
             <a:fld id="{C6E8B002-83F0-41C5-A7B7-2819A96BD9B2}" type="datetimeFigureOut">
               <a:rPr lang="hu-HU" smtClean="0"/>
-              <a:t>2016.05.17.</a:t>
+              <a:t>2016.05.20.</a:t>
             </a:fld>
             <a:endParaRPr lang="hu-HU"/>
           </a:p>
@@ -1742,7 +3335,7 @@
           <a:p>
             <a:fld id="{C6E8B002-83F0-41C5-A7B7-2819A96BD9B2}" type="datetimeFigureOut">
               <a:rPr lang="hu-HU" smtClean="0"/>
-              <a:t>2016.05.17.</a:t>
+              <a:t>2016.05.20.</a:t>
             </a:fld>
             <a:endParaRPr lang="hu-HU"/>
           </a:p>
@@ -1837,7 +3430,7 @@
           <a:p>
             <a:fld id="{C6E8B002-83F0-41C5-A7B7-2819A96BD9B2}" type="datetimeFigureOut">
               <a:rPr lang="hu-HU" smtClean="0"/>
-              <a:t>2016.05.17.</a:t>
+              <a:t>2016.05.20.</a:t>
             </a:fld>
             <a:endParaRPr lang="hu-HU"/>
           </a:p>
@@ -2114,7 +3707,7 @@
           <a:p>
             <a:fld id="{C6E8B002-83F0-41C5-A7B7-2819A96BD9B2}" type="datetimeFigureOut">
               <a:rPr lang="hu-HU" smtClean="0"/>
-              <a:t>2016.05.17.</a:t>
+              <a:t>2016.05.20.</a:t>
             </a:fld>
             <a:endParaRPr lang="hu-HU"/>
           </a:p>
@@ -2371,7 +3964,7 @@
           <a:p>
             <a:fld id="{C6E8B002-83F0-41C5-A7B7-2819A96BD9B2}" type="datetimeFigureOut">
               <a:rPr lang="hu-HU" smtClean="0"/>
-              <a:t>2016.05.17.</a:t>
+              <a:t>2016.05.20.</a:t>
             </a:fld>
             <a:endParaRPr lang="hu-HU"/>
           </a:p>
@@ -2591,7 +4184,7 @@
           <a:p>
             <a:fld id="{C6E8B002-83F0-41C5-A7B7-2819A96BD9B2}" type="datetimeFigureOut">
               <a:rPr lang="hu-HU" smtClean="0"/>
-              <a:t>2016.05.17.</a:t>
+              <a:t>2016.05.20.</a:t>
             </a:fld>
             <a:endParaRPr lang="hu-HU"/>
           </a:p>
@@ -2985,7 +4578,7 @@
     <p:bg>
       <p:bgPr>
         <a:blipFill dpi="0" rotWithShape="1">
-          <a:blip r:embed="rId2"/>
+          <a:blip r:embed="rId3"/>
           <a:srcRect/>
           <a:stretch>
             <a:fillRect/>
@@ -3737,7 +5330,7 @@
         <p:spPr>
           <a:xfrm>
             <a:off x="721013" y="1712264"/>
-            <a:ext cx="6194260" cy="1200329"/>
+            <a:ext cx="6194260" cy="1569660"/>
           </a:xfrm>
           <a:prstGeom prst="rect">
             <a:avLst/>
@@ -3777,6 +5370,16 @@
             <a:r>
               <a:rPr lang="hu-HU" sz="2400" dirty="0"/>
               <a:t>Teszt eredményének megnézése</a:t>
+            </a:r>
+          </a:p>
+          <a:p>
+            <a:pPr marL="285750" indent="-285750">
+              <a:buFont typeface="Arial" panose="020B0604020202020204" pitchFamily="34" charset="0"/>
+              <a:buChar char="•"/>
+            </a:pPr>
+            <a:r>
+              <a:rPr lang="hu-HU" sz="2400" dirty="0"/>
+              <a:t>Tesztek értékelése pontszám által</a:t>
             </a:r>
           </a:p>
         </p:txBody>
@@ -3790,7 +5393,7 @@
           <p:nvPr/>
         </p:nvPicPr>
         <p:blipFill>
-          <a:blip r:embed="rId2">
+          <a:blip r:embed="rId3">
             <a:extLst>
               <a:ext uri="{28A0092B-C50C-407E-A947-70E740481C1C}">
                 <a14:useLocalDpi xmlns:a14="http://schemas.microsoft.com/office/drawing/2010/main" val="0"/>
@@ -4066,7 +5669,7 @@
               <a:rPr lang="hu-HU" sz="2800" b="1" i="1" dirty="0">
                 <a:latin typeface="+mj-lt"/>
               </a:rPr>
-              <a:t>Legnagyobb kihívásaim</a:t>
+              <a:t>Legérdekesebb kihívásaim</a:t>
             </a:r>
           </a:p>
         </p:txBody>
@@ -4080,7 +5683,7 @@
         <p:spPr>
           <a:xfrm>
             <a:off x="277055" y="1950446"/>
-            <a:ext cx="5299208" cy="1569660"/>
+            <a:ext cx="5299208" cy="1938992"/>
           </a:xfrm>
           <a:prstGeom prst="rect">
             <a:avLst/>
@@ -4134,6 +5737,16 @@
             <a:r>
               <a:rPr lang="hu-HU" sz="2400" dirty="0"/>
               <a:t>Időbeosztás</a:t>
+            </a:r>
+          </a:p>
+          <a:p>
+            <a:pPr marL="285750" indent="-285750">
+              <a:buFont typeface="Arial" panose="020B0604020202020204" pitchFamily="34" charset="0"/>
+              <a:buChar char="•"/>
+            </a:pPr>
+            <a:r>
+              <a:rPr lang="hu-HU" sz="2400" dirty="0"/>
+              <a:t>Tesztek</a:t>
             </a:r>
           </a:p>
         </p:txBody>
@@ -4147,7 +5760,7 @@
           <p:nvPr/>
         </p:nvPicPr>
         <p:blipFill>
-          <a:blip r:embed="rId2" cstate="print">
+          <a:blip r:embed="rId3" cstate="print">
             <a:extLst>
               <a:ext uri="{28A0092B-C50C-407E-A947-70E740481C1C}">
                 <a14:useLocalDpi xmlns:a14="http://schemas.microsoft.com/office/drawing/2010/main" val="0"/>
@@ -4267,7 +5880,7 @@
         <p:spPr>
           <a:xfrm>
             <a:off x="942680" y="1904214"/>
-            <a:ext cx="3037883" cy="1938992"/>
+            <a:ext cx="3037883" cy="1569660"/>
           </a:xfrm>
           <a:prstGeom prst="rect">
             <a:avLst/>
@@ -4280,17 +5893,7 @@
           </a:bodyPr>
           <a:lstStyle/>
           <a:p>
-            <a:pPr marL="285750" indent="-285750">
-              <a:buFont typeface="Arial" panose="020B0604020202020204" pitchFamily="34" charset="0"/>
-              <a:buChar char="•"/>
-            </a:pPr>
-            <a:r>
-              <a:rPr lang="hu-HU" sz="2400" dirty="0"/>
-              <a:t>Agilis fejlesztés</a:t>
-            </a:r>
-          </a:p>
-          <a:p>
-            <a:pPr marL="285750" indent="-285750">
+            <a:pPr marL="342900" indent="-342900">
               <a:buFont typeface="Arial" panose="020B0604020202020204" pitchFamily="34" charset="0"/>
               <a:buChar char="•"/>
             </a:pPr>
@@ -4351,7 +5954,7 @@
     <p:bg>
       <p:bgPr>
         <a:blipFill dpi="0" rotWithShape="1">
-          <a:blip r:embed="rId2"/>
+          <a:blip r:embed="rId3"/>
           <a:srcRect/>
           <a:stretch>
             <a:fillRect/>
@@ -4875,4 +6478,299 @@
     </a:ext>
   </a:extLst>
 </a:theme>
+</file>
+
+<file path=ppt/theme/theme2.xml><?xml version="1.0" encoding="utf-8"?>
+<a:theme xmlns:a="http://schemas.openxmlformats.org/drawingml/2006/main" name="Office-téma">
+  <a:themeElements>
+    <a:clrScheme name="Office">
+      <a:dk1>
+        <a:sysClr val="windowText" lastClr="000000"/>
+      </a:dk1>
+      <a:lt1>
+        <a:sysClr val="window" lastClr="FFFFFF"/>
+      </a:lt1>
+      <a:dk2>
+        <a:srgbClr val="44546A"/>
+      </a:dk2>
+      <a:lt2>
+        <a:srgbClr val="E7E6E6"/>
+      </a:lt2>
+      <a:accent1>
+        <a:srgbClr val="5B9BD5"/>
+      </a:accent1>
+      <a:accent2>
+        <a:srgbClr val="ED7D31"/>
+      </a:accent2>
+      <a:accent3>
+        <a:srgbClr val="A5A5A5"/>
+      </a:accent3>
+      <a:accent4>
+        <a:srgbClr val="FFC000"/>
+      </a:accent4>
+      <a:accent5>
+        <a:srgbClr val="4472C4"/>
+      </a:accent5>
+      <a:accent6>
+        <a:srgbClr val="70AD47"/>
+      </a:accent6>
+      <a:hlink>
+        <a:srgbClr val="0563C1"/>
+      </a:hlink>
+      <a:folHlink>
+        <a:srgbClr val="954F72"/>
+      </a:folHlink>
+    </a:clrScheme>
+    <a:fontScheme name="Office">
+      <a:majorFont>
+        <a:latin typeface="Calibri Light" panose="020F0302020204030204"/>
+        <a:ea typeface=""/>
+        <a:cs typeface=""/>
+        <a:font script="Jpan" typeface="游ゴシック Light"/>
+        <a:font script="Hang" typeface="맑은 고딕"/>
+        <a:font script="Hans" typeface="等线 Light"/>
+        <a:font script="Hant" typeface="新細明體"/>
+        <a:font script="Arab" typeface="Times New Roman"/>
+        <a:font script="Hebr" typeface="Times New Roman"/>
+        <a:font script="Thai" typeface="Angsana New"/>
+        <a:font script="Ethi" typeface="Nyala"/>
+        <a:font script="Beng" typeface="Vrinda"/>
+        <a:font script="Gujr" typeface="Shruti"/>
+        <a:font script="Khmr" typeface="MoolBoran"/>
+        <a:font script="Knda" typeface="Tunga"/>
+        <a:font script="Guru" typeface="Raavi"/>
+        <a:font script="Cans" typeface="Euphemia"/>
+        <a:font script="Cher" typeface="Plantagenet Cherokee"/>
+        <a:font script="Yiii" typeface="Microsoft Yi Baiti"/>
+        <a:font script="Tibt" typeface="Microsoft Himalaya"/>
+        <a:font script="Thaa" typeface="MV Boli"/>
+        <a:font script="Deva" typeface="Mangal"/>
+        <a:font script="Telu" typeface="Gautami"/>
+        <a:font script="Taml" typeface="Latha"/>
+        <a:font script="Syrc" typeface="Estrangelo Edessa"/>
+        <a:font script="Orya" typeface="Kalinga"/>
+        <a:font script="Mlym" typeface="Kartika"/>
+        <a:font script="Laoo" typeface="DokChampa"/>
+        <a:font script="Sinh" typeface="Iskoola Pota"/>
+        <a:font script="Mong" typeface="Mongolian Baiti"/>
+        <a:font script="Viet" typeface="Times New Roman"/>
+        <a:font script="Uigh" typeface="Microsoft Uighur"/>
+        <a:font script="Geor" typeface="Sylfaen"/>
+        <a:font script="Armn" typeface="Arial"/>
+        <a:font script="Bugi" typeface="Leelawadee UI"/>
+        <a:font script="Bopo" typeface="Microsoft JhengHei"/>
+        <a:font script="Java" typeface="Javanese Text"/>
+        <a:font script="Lisu" typeface="Segoe UI"/>
+        <a:font script="Mymr" typeface="Myanmar Text"/>
+        <a:font script="Nkoo" typeface="Ebrima"/>
+        <a:font script="Olck" typeface="Nirmala UI"/>
+        <a:font script="Osma" typeface="Ebrima"/>
+        <a:font script="Phag" typeface="Phagspa"/>
+        <a:font script="Syrn" typeface="Estrangelo Edessa"/>
+        <a:font script="Syrj" typeface="Estrangelo Edessa"/>
+        <a:font script="Syre" typeface="Estrangelo Edessa"/>
+        <a:font script="Sora" typeface="Nirmala UI"/>
+        <a:font script="Tale" typeface="Microsoft Tai Le"/>
+        <a:font script="Talu" typeface="Microsoft New Tai Lue"/>
+        <a:font script="Tfng" typeface="Ebrima"/>
+      </a:majorFont>
+      <a:minorFont>
+        <a:latin typeface="Calibri" panose="020F0502020204030204"/>
+        <a:ea typeface=""/>
+        <a:cs typeface=""/>
+        <a:font script="Jpan" typeface="游ゴシック"/>
+        <a:font script="Hang" typeface="맑은 고딕"/>
+        <a:font script="Hans" typeface="等线"/>
+        <a:font script="Hant" typeface="新細明體"/>
+        <a:font script="Arab" typeface="Arial"/>
+        <a:font script="Hebr" typeface="Arial"/>
+        <a:font script="Thai" typeface="Cordia New"/>
+        <a:font script="Ethi" typeface="Nyala"/>
+        <a:font script="Beng" typeface="Vrinda"/>
+        <a:font script="Gujr" typeface="Shruti"/>
+        <a:font script="Khmr" typeface="DaunPenh"/>
+        <a:font script="Knda" typeface="Tunga"/>
+        <a:font script="Guru" typeface="Raavi"/>
+        <a:font script="Cans" typeface="Euphemia"/>
+        <a:font script="Cher" typeface="Plantagenet Cherokee"/>
+        <a:font script="Yiii" typeface="Microsoft Yi Baiti"/>
+        <a:font script="Tibt" typeface="Microsoft Himalaya"/>
+        <a:font script="Thaa" typeface="MV Boli"/>
+        <a:font script="Deva" typeface="Mangal"/>
+        <a:font script="Telu" typeface="Gautami"/>
+        <a:font script="Taml" typeface="Latha"/>
+        <a:font script="Syrc" typeface="Estrangelo Edessa"/>
+        <a:font script="Orya" typeface="Kalinga"/>
+        <a:font script="Mlym" typeface="Kartika"/>
+        <a:font script="Laoo" typeface="DokChampa"/>
+        <a:font script="Sinh" typeface="Iskoola Pota"/>
+        <a:font script="Mong" typeface="Mongolian Baiti"/>
+        <a:font script="Viet" typeface="Arial"/>
+        <a:font script="Uigh" typeface="Microsoft Uighur"/>
+        <a:font script="Geor" typeface="Sylfaen"/>
+        <a:font script="Armn" typeface="Arial"/>
+        <a:font script="Bugi" typeface="Leelawadee UI"/>
+        <a:font script="Bopo" typeface="Microsoft JhengHei"/>
+        <a:font script="Java" typeface="Javanese Text"/>
+        <a:font script="Lisu" typeface="Segoe UI"/>
+        <a:font script="Mymr" typeface="Myanmar Text"/>
+        <a:font script="Nkoo" typeface="Ebrima"/>
+        <a:font script="Olck" typeface="Nirmala UI"/>
+        <a:font script="Osma" typeface="Ebrima"/>
+        <a:font script="Phag" typeface="Phagspa"/>
+        <a:font script="Syrn" typeface="Estrangelo Edessa"/>
+        <a:font script="Syrj" typeface="Estrangelo Edessa"/>
+        <a:font script="Syre" typeface="Estrangelo Edessa"/>
+        <a:font script="Sora" typeface="Nirmala UI"/>
+        <a:font script="Tale" typeface="Microsoft Tai Le"/>
+        <a:font script="Talu" typeface="Microsoft New Tai Lue"/>
+        <a:font script="Tfng" typeface="Ebrima"/>
+      </a:minorFont>
+    </a:fontScheme>
+    <a:fmtScheme name="Office">
+      <a:fillStyleLst>
+        <a:solidFill>
+          <a:schemeClr val="phClr"/>
+        </a:solidFill>
+        <a:gradFill rotWithShape="1">
+          <a:gsLst>
+            <a:gs pos="0">
+              <a:schemeClr val="phClr">
+                <a:lumMod val="110000"/>
+                <a:satMod val="105000"/>
+                <a:tint val="67000"/>
+              </a:schemeClr>
+            </a:gs>
+            <a:gs pos="50000">
+              <a:schemeClr val="phClr">
+                <a:lumMod val="105000"/>
+                <a:satMod val="103000"/>
+                <a:tint val="73000"/>
+              </a:schemeClr>
+            </a:gs>
+            <a:gs pos="100000">
+              <a:schemeClr val="phClr">
+                <a:lumMod val="105000"/>
+                <a:satMod val="109000"/>
+                <a:tint val="81000"/>
+              </a:schemeClr>
+            </a:gs>
+          </a:gsLst>
+          <a:lin ang="5400000" scaled="0"/>
+        </a:gradFill>
+        <a:gradFill rotWithShape="1">
+          <a:gsLst>
+            <a:gs pos="0">
+              <a:schemeClr val="phClr">
+                <a:satMod val="103000"/>
+                <a:lumMod val="102000"/>
+                <a:tint val="94000"/>
+              </a:schemeClr>
+            </a:gs>
+            <a:gs pos="50000">
+              <a:schemeClr val="phClr">
+                <a:satMod val="110000"/>
+                <a:lumMod val="100000"/>
+                <a:shade val="100000"/>
+              </a:schemeClr>
+            </a:gs>
+            <a:gs pos="100000">
+              <a:schemeClr val="phClr">
+                <a:lumMod val="99000"/>
+                <a:satMod val="120000"/>
+                <a:shade val="78000"/>
+              </a:schemeClr>
+            </a:gs>
+          </a:gsLst>
+          <a:lin ang="5400000" scaled="0"/>
+        </a:gradFill>
+      </a:fillStyleLst>
+      <a:lnStyleLst>
+        <a:ln w="6350" cap="flat" cmpd="sng" algn="ctr">
+          <a:solidFill>
+            <a:schemeClr val="phClr"/>
+          </a:solidFill>
+          <a:prstDash val="solid"/>
+          <a:miter lim="800000"/>
+        </a:ln>
+        <a:ln w="12700" cap="flat" cmpd="sng" algn="ctr">
+          <a:solidFill>
+            <a:schemeClr val="phClr"/>
+          </a:solidFill>
+          <a:prstDash val="solid"/>
+          <a:miter lim="800000"/>
+        </a:ln>
+        <a:ln w="19050" cap="flat" cmpd="sng" algn="ctr">
+          <a:solidFill>
+            <a:schemeClr val="phClr"/>
+          </a:solidFill>
+          <a:prstDash val="solid"/>
+          <a:miter lim="800000"/>
+        </a:ln>
+      </a:lnStyleLst>
+      <a:effectStyleLst>
+        <a:effectStyle>
+          <a:effectLst/>
+        </a:effectStyle>
+        <a:effectStyle>
+          <a:effectLst/>
+        </a:effectStyle>
+        <a:effectStyle>
+          <a:effectLst>
+            <a:outerShdw blurRad="57150" dist="19050" dir="5400000" algn="ctr" rotWithShape="0">
+              <a:srgbClr val="000000">
+                <a:alpha val="63000"/>
+              </a:srgbClr>
+            </a:outerShdw>
+          </a:effectLst>
+        </a:effectStyle>
+      </a:effectStyleLst>
+      <a:bgFillStyleLst>
+        <a:solidFill>
+          <a:schemeClr val="phClr"/>
+        </a:solidFill>
+        <a:solidFill>
+          <a:schemeClr val="phClr">
+            <a:tint val="95000"/>
+            <a:satMod val="170000"/>
+          </a:schemeClr>
+        </a:solidFill>
+        <a:gradFill rotWithShape="1">
+          <a:gsLst>
+            <a:gs pos="0">
+              <a:schemeClr val="phClr">
+                <a:tint val="93000"/>
+                <a:satMod val="150000"/>
+                <a:shade val="98000"/>
+                <a:lumMod val="102000"/>
+              </a:schemeClr>
+            </a:gs>
+            <a:gs pos="50000">
+              <a:schemeClr val="phClr">
+                <a:tint val="98000"/>
+                <a:satMod val="130000"/>
+                <a:shade val="90000"/>
+                <a:lumMod val="103000"/>
+              </a:schemeClr>
+            </a:gs>
+            <a:gs pos="100000">
+              <a:schemeClr val="phClr">
+                <a:shade val="63000"/>
+                <a:satMod val="120000"/>
+              </a:schemeClr>
+            </a:gs>
+          </a:gsLst>
+          <a:lin ang="5400000" scaled="0"/>
+        </a:gradFill>
+      </a:bgFillStyleLst>
+    </a:fmtScheme>
+  </a:themeElements>
+  <a:objectDefaults/>
+  <a:extraClrSchemeLst/>
+  <a:extLst>
+    <a:ext uri="{05A4C25C-085E-4340-85A3-A5531E510DB2}">
+      <thm15:themeFamily xmlns:thm15="http://schemas.microsoft.com/office/thememl/2012/main" name="Office Theme" id="{62F939B6-93AF-4DB8-9C6B-D6C7DFDC589F}" vid="{4A3C46E8-61CC-4603-A589-7422A47A8E4A}"/>
+    </a:ext>
+  </a:extLst>
+</a:theme>
 </file>
--- a/Iványi-Nagy Gábor/ivanyi_nagy_gabor.pttx.pptx
+++ b/Iványi-Nagy Gábor/ivanyi_nagy_gabor.pttx.pptx
@@ -12,8 +12,8 @@
     <p:sldId id="256" r:id="rId3"/>
     <p:sldId id="264" r:id="rId4"/>
     <p:sldId id="260" r:id="rId5"/>
-    <p:sldId id="265" r:id="rId6"/>
-    <p:sldId id="261" r:id="rId7"/>
+    <p:sldId id="261" r:id="rId6"/>
+    <p:sldId id="265" r:id="rId7"/>
     <p:sldId id="262" r:id="rId8"/>
     <p:sldId id="258" r:id="rId9"/>
   </p:sldIdLst>
@@ -215,7 +215,7 @@
           <a:p>
             <a:fld id="{CCFAF6EE-745E-4885-937C-81B7FCFD6FF0}" type="datetimeFigureOut">
               <a:rPr lang="hu-HU" smtClean="0"/>
-              <a:t>2016.05.20.</a:t>
+              <a:t>2016.05.22.</a:t>
             </a:fld>
             <a:endParaRPr lang="hu-HU"/>
           </a:p>
@@ -310,7 +310,6 @@
               <a:rPr lang="hu-HU"/>
               <a:t>Ötödik szint</a:t>
             </a:r>
-            <a:endParaRPr lang="hu-HU"/>
           </a:p>
         </p:txBody>
       </p:sp>
@@ -617,7 +616,7 @@
             </a:r>
             <a:r>
               <a:rPr lang="hu-HU" sz="2000" baseline="0" dirty="0"/>
-              <a:t> kívánok.</a:t>
+              <a:t> kívánok. Üdvözlök minden kedves jelentlévőt. Először is szeretnék bemutatkozni.</a:t>
             </a:r>
           </a:p>
           <a:p>
@@ -629,7 +628,7 @@
           <a:p>
             <a:r>
               <a:rPr lang="hu-HU" sz="2000" dirty="0"/>
-              <a:t>A teszt modul utolsó</a:t>
+              <a:t>A teszt modul harmadik</a:t>
             </a:r>
             <a:r>
               <a:rPr lang="hu-HU" sz="2000" baseline="0" dirty="0"/>
@@ -719,34 +718,52 @@
           <a:bodyPr/>
           <a:lstStyle/>
           <a:p>
+            <a:pPr marL="228600" indent="-228600">
+              <a:buAutoNum type="arabicPeriod"/>
+            </a:pPr>
+            <a:r>
+              <a:rPr lang="hu-HU" baseline="0" dirty="0"/>
+              <a:t>Lépés:  Az oktató létrehoz egy tesztet, olyan típusú kérdésekkel amilyenekkel szeretne, szöveges, egyválaszos, többválaszos.</a:t>
+            </a:r>
+          </a:p>
+          <a:p>
+            <a:pPr marL="228600" indent="-228600">
+              <a:buAutoNum type="arabicPeriod"/>
+            </a:pPr>
             <a:r>
               <a:rPr lang="hu-HU" dirty="0"/>
-              <a:t>Első lépés, amit az oktatónak megkell tennie, hogy</a:t>
+              <a:t>Lépés:  A</a:t>
             </a:r>
             <a:r>
               <a:rPr lang="hu-HU" baseline="0" dirty="0"/>
-              <a:t> létrehoz egy tesztet amit várhatóan másnap kitöltenek a diákok.</a:t>
-            </a:r>
-          </a:p>
-          <a:p>
+              <a:t> diákok, ezt egy oktató által kijelölt időpontban kitölthetik, akár otthonról is </a:t>
+            </a:r>
+            <a:r>
+              <a:rPr lang="hu-HU" baseline="0" dirty="0" err="1"/>
+              <a:t>hha</a:t>
+            </a:r>
             <a:r>
               <a:rPr lang="hu-HU" baseline="0" dirty="0"/>
-              <a:t>A diákok, az oktató által kijelölt időpontban kitölthetik a tesztet, akár otthonról is, amennyiben nem tudnak megjelenni az adott gyakorlati órán.</a:t>
-            </a:r>
-          </a:p>
-          <a:p>
+              <a:t> nem tudnak megjelenni élőben.</a:t>
+            </a:r>
+          </a:p>
+          <a:p>
+            <a:pPr marL="228600" indent="-228600">
+              <a:buAutoNum type="arabicPeriod"/>
+            </a:pPr>
             <a:r>
               <a:rPr lang="hu-HU" baseline="0" dirty="0"/>
-              <a:t>A teszt megírása után a diákok már meg is nézhetik az eredmény egy vagy akár teljes részét.</a:t>
-            </a:r>
-          </a:p>
-          <a:p>
+              <a:t>Az oktató a szöveges típusú válaszokat kijavíthatja, a többi kérdés automatikusan javításra kerül.</a:t>
+            </a:r>
+          </a:p>
+          <a:p>
+            <a:pPr marL="228600" indent="-228600">
+              <a:buAutoNum type="arabicPeriod"/>
+            </a:pPr>
             <a:r>
               <a:rPr lang="hu-HU" baseline="0" dirty="0"/>
-              <a:t>Az oktató kijavíthatja azokat a kérdéseket, amelyekre szöveges válasz érkezett be. A többi automatikusan javításra kerül.</a:t>
-            </a:r>
-          </a:p>
-          <a:p>
+              <a:t>Az eredmény megtekintése menüpont alatt a diákok láthatják a helyes és helytelen válaszokat. </a:t>
+            </a:r>
             <a:endParaRPr lang="hu-HU" dirty="0"/>
           </a:p>
         </p:txBody>
@@ -1013,6 +1030,207 @@
           <a:bodyPr/>
           <a:lstStyle/>
           <a:p>
+            <a:r>
+              <a:rPr lang="hu-HU" dirty="0"/>
+              <a:t>Az én egyik</a:t>
+            </a:r>
+            <a:r>
+              <a:rPr lang="hu-HU" baseline="0" dirty="0"/>
+              <a:t> legnagyobb kihívásom az adatbázis részünk megtervezése volt.</a:t>
+            </a:r>
+          </a:p>
+          <a:p>
+            <a:r>
+              <a:rPr lang="hu-HU" baseline="0" dirty="0"/>
+              <a:t>Agilisan fejlesztettünk, így együtt terveztük meg először és másodszor is az  adatbázis sémánkat, először nem volt olyan rossz, de úgy gondoltuk hogy lehet jobb is, így hát megnéztünk egy másik alternatívát is, de az meg előidézte az n+1 </a:t>
+            </a:r>
+            <a:r>
+              <a:rPr lang="hu-HU" baseline="0" dirty="0" err="1"/>
+              <a:t>select</a:t>
+            </a:r>
+            <a:r>
+              <a:rPr lang="hu-HU" baseline="0" dirty="0"/>
+              <a:t> problémát.</a:t>
+            </a:r>
+          </a:p>
+          <a:p>
+            <a:endParaRPr lang="hu-HU" baseline="0" dirty="0"/>
+          </a:p>
+          <a:p>
+            <a:r>
+              <a:rPr lang="hu-HU" dirty="0"/>
+              <a:t>Ugye</a:t>
+            </a:r>
+            <a:r>
+              <a:rPr lang="hu-HU" baseline="0" dirty="0"/>
+              <a:t> ekkor úgy álltunk, hogy az első megoldás se az igazi, a második pedig felszedi az egész táblát, talán kényelmi szempontból ez nem is lenne olyan atomrossz megoldás, de még mindig kellett volna egy olyan megoldás, ami a lehető </a:t>
+            </a:r>
+            <a:r>
+              <a:rPr lang="hu-HU" baseline="0" dirty="0" err="1"/>
+              <a:t>legoptimalizáltabb</a:t>
+            </a:r>
+            <a:r>
+              <a:rPr lang="hu-HU" baseline="0" dirty="0"/>
+              <a:t> és a lehető leglogikusabb felépítésű véleményem szerint.</a:t>
+            </a:r>
+          </a:p>
+          <a:p>
+            <a:endParaRPr lang="hu-HU" baseline="0" dirty="0"/>
+          </a:p>
+          <a:p>
+            <a:r>
+              <a:rPr lang="hu-HU" baseline="0" dirty="0"/>
+              <a:t>A második megoldásunkban oda-vissza volt hivatkozás az osztályok között és szerintem ez nem a leglogikusabb megoldás.</a:t>
+            </a:r>
+          </a:p>
+          <a:p>
+            <a:r>
+              <a:rPr lang="hu-HU" baseline="0" dirty="0"/>
+              <a:t>Én úgy gondolom hogy, egy kérdésnek biztosan kell tudnia azt, hogy melyik válaszlehetőségek tartoznak hozzá, de egy válaszlehetőségnek nem kell tudnia feltétlenül azt, hogy melyik kérdéshez tartozik ő, és hát ez a jelenlegi megoldásunk is.</a:t>
+            </a:r>
+          </a:p>
+          <a:p>
+            <a:endParaRPr lang="hu-HU" baseline="0" dirty="0"/>
+          </a:p>
+          <a:p>
+            <a:endParaRPr lang="hu-HU" baseline="0" dirty="0"/>
+          </a:p>
+          <a:p>
+            <a:r>
+              <a:rPr lang="hu-HU" baseline="0" dirty="0"/>
+              <a:t>A következő nagyobb kihívásom már nincs benne az alkalmazásban pontosan úgy, ahogy megcsináltam </a:t>
+            </a:r>
+            <a:r>
+              <a:rPr lang="hu-HU" baseline="0" dirty="0" err="1"/>
+              <a:t>elsőre.:DD</a:t>
+            </a:r>
+            <a:endParaRPr lang="hu-HU" baseline="0" dirty="0"/>
+          </a:p>
+          <a:p>
+            <a:r>
+              <a:rPr lang="hu-HU" baseline="0" dirty="0"/>
+              <a:t>Itt a teszt megnézésre gondolok, amit én kicsit máshogy gondoltam mint ami a végleges állapot lett, de a mostani sokkal érthetőbb megoldás mind a felületen mind a kódban egyaránt.</a:t>
+            </a:r>
+          </a:p>
+          <a:p>
+            <a:r>
+              <a:rPr lang="hu-HU" baseline="0" dirty="0"/>
+              <a:t>Egyébként az én eredeti megoldásomban a kódminőség szinten tartása volt az egyik legnehezebb, mert volt 5-6 tábla amit érinteni kellett, ahol  majdnem mindenkinek van egy listája és azokban nézni hogy az adott válaszok hova tartoznak és ha az adott válasz szöveges akkor még azt is figyelni.</a:t>
+            </a:r>
+          </a:p>
+          <a:p>
+            <a:endParaRPr lang="hu-HU" baseline="0" dirty="0"/>
+          </a:p>
+          <a:p>
+            <a:r>
+              <a:rPr lang="hu-HU" baseline="0" dirty="0"/>
+              <a:t>Ezt én kihívásnak tekintem, pláne hogy </a:t>
+            </a:r>
+            <a:r>
+              <a:rPr lang="hu-HU" baseline="0" dirty="0" err="1"/>
+              <a:t>Streameket</a:t>
+            </a:r>
+            <a:r>
+              <a:rPr lang="hu-HU" baseline="0" dirty="0"/>
+              <a:t> se nagyon tudtam használni, hiszen ha nem tudtam a listákra meghívni a </a:t>
+            </a:r>
+            <a:r>
+              <a:rPr lang="hu-HU" baseline="0" dirty="0" err="1"/>
+              <a:t>foreEach</a:t>
+            </a:r>
+            <a:r>
+              <a:rPr lang="hu-HU" baseline="0" dirty="0"/>
+              <a:t> </a:t>
+            </a:r>
+            <a:r>
+              <a:rPr lang="hu-HU" baseline="0" dirty="0" err="1"/>
+              <a:t>müveletet</a:t>
+            </a:r>
+            <a:r>
+              <a:rPr lang="hu-HU" baseline="0" dirty="0"/>
+              <a:t>, mivel nem igazán kedveli olyan metódusok meghívását, amelyek dobhatnak kivételt, így marad a jó öreg </a:t>
+            </a:r>
+            <a:r>
+              <a:rPr lang="hu-HU" baseline="0" dirty="0" err="1"/>
+              <a:t>forEach</a:t>
+            </a:r>
+            <a:r>
+              <a:rPr lang="hu-HU" baseline="0" dirty="0"/>
+              <a:t>-es bejáró ciklus használata.</a:t>
+            </a:r>
+          </a:p>
+          <a:p>
+            <a:endParaRPr lang="hu-HU" baseline="0" dirty="0"/>
+          </a:p>
+          <a:p>
+            <a:r>
+              <a:rPr lang="hu-HU" baseline="0" dirty="0"/>
+              <a:t>De ez a végén mindegy is lett, mert a csapattal egyeztetve, más megjelenítési </a:t>
+            </a:r>
+            <a:r>
+              <a:rPr lang="hu-HU" baseline="0" dirty="0" err="1"/>
+              <a:t>módót</a:t>
+            </a:r>
+            <a:r>
+              <a:rPr lang="hu-HU" baseline="0" dirty="0"/>
+              <a:t> beszéltünk meg, hogy az adott választ kijelöljük amennyiben a diák bejelölte, ehhez ugye csak az adott kérdéshez szükséges válaszlehetőségek azonosítóit és a diák válaszainak azonosítóit kellett összevetnem, illetve már maga a válaszlehetőség is tudta magáról, hogy ő helyes, rossz vagy még ki nem értékelt fázisban van e. És akkor utóbbinál csak egy pipát, egy </a:t>
+            </a:r>
+            <a:r>
+              <a:rPr lang="hu-HU" baseline="0" dirty="0" err="1"/>
+              <a:t>x-et</a:t>
+            </a:r>
+            <a:r>
+              <a:rPr lang="hu-HU" baseline="0" dirty="0"/>
+              <a:t> vagy éppen egyiket sem kellett </a:t>
+            </a:r>
+            <a:r>
+              <a:rPr lang="hu-HU" baseline="0" dirty="0" err="1"/>
+              <a:t>odairni</a:t>
+            </a:r>
+            <a:r>
+              <a:rPr lang="hu-HU" baseline="0" dirty="0"/>
+              <a:t> a válaszlehetőség mellé.</a:t>
+            </a:r>
+          </a:p>
+          <a:p>
+            <a:endParaRPr lang="hu-HU" baseline="0" dirty="0"/>
+          </a:p>
+          <a:p>
+            <a:r>
+              <a:rPr lang="hu-HU" baseline="0" dirty="0"/>
+              <a:t>Ez azért jóval egyszerűbb és könnyebb megoldás mint amit én szerettem volna megvalósítani és UI-</a:t>
+            </a:r>
+            <a:r>
+              <a:rPr lang="hu-HU" baseline="0" dirty="0" err="1"/>
+              <a:t>on</a:t>
+            </a:r>
+            <a:r>
+              <a:rPr lang="hu-HU" baseline="0" dirty="0"/>
+              <a:t> keresztül nem sok minden más </a:t>
+            </a:r>
+            <a:r>
+              <a:rPr lang="hu-HU" baseline="0" dirty="0" err="1"/>
+              <a:t>látszódna</a:t>
+            </a:r>
+            <a:r>
+              <a:rPr lang="hu-HU" baseline="0" dirty="0"/>
+              <a:t>(Zölddel és pirossal jelölnénk a teljes sort amelyek helyesek és rosszak), de ha nem kezdtem volna el menni itt a saját fejem után, akkor itt nem tudnék nagyon nagy kihívásról beszélni ehhez a feladathoz kapcsolódóan.</a:t>
+            </a:r>
+          </a:p>
+          <a:p>
+            <a:endParaRPr lang="hu-HU" baseline="0" dirty="0"/>
+          </a:p>
+          <a:p>
+            <a:endParaRPr lang="hu-HU" baseline="0" dirty="0"/>
+          </a:p>
+          <a:p>
+            <a:r>
+              <a:rPr lang="hu-HU" dirty="0"/>
+              <a:t>A tesztek futtatása során pár hibába feljött, például, hogy bizonyos tesztek ok nélkül rossz eredménnyel futottak le, de sikerült a hibát kijavítani.</a:t>
+            </a:r>
+            <a:endParaRPr lang="hu-HU" baseline="0" dirty="0"/>
+          </a:p>
+          <a:p>
             <a:endParaRPr lang="hu-HU" dirty="0"/>
           </a:p>
         </p:txBody>
@@ -1043,7 +1261,7 @@
     </p:spTree>
     <p:extLst>
       <p:ext uri="{BB962C8B-B14F-4D97-AF65-F5344CB8AC3E}">
-        <p14:creationId xmlns:p14="http://schemas.microsoft.com/office/powerpoint/2010/main" val="983509736"/>
+        <p14:creationId xmlns:p14="http://schemas.microsoft.com/office/powerpoint/2010/main" val="1045617033"/>
       </p:ext>
     </p:extLst>
   </p:cSld>
@@ -1097,333 +1315,6 @@
           <a:bodyPr/>
           <a:lstStyle/>
           <a:p>
-            <a:r>
-              <a:rPr lang="hu-HU" dirty="0"/>
-              <a:t>Az én egyik</a:t>
-            </a:r>
-            <a:r>
-              <a:rPr lang="hu-HU" baseline="0" dirty="0"/>
-              <a:t> legnagyobb kihívásom az adatbázis részünk megtervezése volt.</a:t>
-            </a:r>
-          </a:p>
-          <a:p>
-            <a:r>
-              <a:rPr lang="hu-HU" baseline="0" dirty="0"/>
-              <a:t>Agilisan fejlesztettünk, így együtt terveztük meg először és másodszor is az  adatbázis sémánkat, először nem volt olyan rossz, de úgy gondoltuk hogy lehet jobb is, így hát megnéztünk egy másik alternatívát is, de az meg előidézte az n+1 </a:t>
-            </a:r>
-            <a:r>
-              <a:rPr lang="hu-HU" baseline="0" dirty="0" err="1"/>
-              <a:t>select</a:t>
-            </a:r>
-            <a:r>
-              <a:rPr lang="hu-HU" baseline="0" dirty="0"/>
-              <a:t> problémát.</a:t>
-            </a:r>
-          </a:p>
-          <a:p>
-            <a:endParaRPr lang="hu-HU" baseline="0" dirty="0"/>
-          </a:p>
-          <a:p>
-            <a:r>
-              <a:rPr lang="hu-HU" dirty="0"/>
-              <a:t>Ugye</a:t>
-            </a:r>
-            <a:r>
-              <a:rPr lang="hu-HU" baseline="0" dirty="0"/>
-              <a:t> ekkor úgy álltunk, hogy az első megoldás se az igazi, a második pedig felszedi az egész táblát, talán kényelmi szempontból ez nem is lenne olyan atomrossz megoldás, de még mindig kellett volna egy olyan megoldás, ami a lehető </a:t>
-            </a:r>
-            <a:r>
-              <a:rPr lang="hu-HU" baseline="0" dirty="0" err="1"/>
-              <a:t>legoptimalizáltabb</a:t>
-            </a:r>
-            <a:r>
-              <a:rPr lang="hu-HU" baseline="0" dirty="0"/>
-              <a:t> és a lehető leglogikusabb felépítésű véleményem szerint.</a:t>
-            </a:r>
-          </a:p>
-          <a:p>
-            <a:endParaRPr lang="hu-HU" baseline="0" dirty="0"/>
-          </a:p>
-          <a:p>
-            <a:r>
-              <a:rPr lang="hu-HU" baseline="0" dirty="0"/>
-              <a:t>A második megoldásunkban oda-vissza volt hivatkozás az osztályok között és szerintem ez nem a leglogikusabb megoldás.</a:t>
-            </a:r>
-          </a:p>
-          <a:p>
-            <a:r>
-              <a:rPr lang="hu-HU" baseline="0" dirty="0"/>
-              <a:t>Én úgy gondolom hogy, egy kérdésnek biztosan kell tudnia azt, hogy melyik válaszlehetőségek tartoznak hozzá, de egy válaszlehetőségnek nem kell tudnia feltétlenül azt, hogy melyik kérdéshez tartozik ő, és hát ez a jelenlegi megoldásunk is.</a:t>
-            </a:r>
-          </a:p>
-          <a:p>
-            <a:endParaRPr lang="hu-HU" baseline="0" dirty="0"/>
-          </a:p>
-          <a:p>
-            <a:endParaRPr lang="hu-HU" baseline="0" dirty="0"/>
-          </a:p>
-          <a:p>
-            <a:r>
-              <a:rPr lang="hu-HU" baseline="0" dirty="0"/>
-              <a:t>A következő nagyobb kihívásom már nincs benne az alkalmazásban pontosan úgy, ahogy megcsináltam </a:t>
-            </a:r>
-            <a:r>
-              <a:rPr lang="hu-HU" baseline="0" dirty="0" err="1"/>
-              <a:t>elsőre.:DD</a:t>
-            </a:r>
-            <a:endParaRPr lang="hu-HU" baseline="0" dirty="0"/>
-          </a:p>
-          <a:p>
-            <a:r>
-              <a:rPr lang="hu-HU" baseline="0" dirty="0"/>
-              <a:t>Itt a teszt megnézésre gondolok, amit én kicsit máshogy gondoltam mint ami a végleges állapot lett, de a mostani sokkal érthetőbb megoldás mind a felületen mind a kódban egyaránt.</a:t>
-            </a:r>
-          </a:p>
-          <a:p>
-            <a:r>
-              <a:rPr lang="hu-HU" baseline="0" dirty="0"/>
-              <a:t>Egyébként az én eredeti megoldásomban a kódminőség szinten tartása volt az egyik legnehezebb, mert volt 5-6 tábla amit érinteni kellett, ahol  majdnem mindenkinek van egy listája és azokban nézni hogy az adott válaszok hova tartoznak és ha az adott válasz szöveges akkor még azt is figyelni.</a:t>
-            </a:r>
-          </a:p>
-          <a:p>
-            <a:endParaRPr lang="hu-HU" baseline="0" dirty="0"/>
-          </a:p>
-          <a:p>
-            <a:r>
-              <a:rPr lang="hu-HU" baseline="0" dirty="0"/>
-              <a:t>Ezt én kihívásnak tekintem, pláne hogy </a:t>
-            </a:r>
-            <a:r>
-              <a:rPr lang="hu-HU" baseline="0" dirty="0" err="1"/>
-              <a:t>Streameket</a:t>
-            </a:r>
-            <a:r>
-              <a:rPr lang="hu-HU" baseline="0" dirty="0"/>
-              <a:t> se nagyon tudtam használni, hiszen ha nem tudtam a listákra meghívni a </a:t>
-            </a:r>
-            <a:r>
-              <a:rPr lang="hu-HU" baseline="0" dirty="0" err="1"/>
-              <a:t>foreEach</a:t>
-            </a:r>
-            <a:r>
-              <a:rPr lang="hu-HU" baseline="0" dirty="0"/>
-              <a:t> </a:t>
-            </a:r>
-            <a:r>
-              <a:rPr lang="hu-HU" baseline="0" dirty="0" err="1"/>
-              <a:t>müveletet</a:t>
-            </a:r>
-            <a:r>
-              <a:rPr lang="hu-HU" baseline="0" dirty="0"/>
-              <a:t>, mivel nem igazán kedveli olyan metódusok meghívását, amelyek dobhatnak kivételt, így marad a jó öreg </a:t>
-            </a:r>
-            <a:r>
-              <a:rPr lang="hu-HU" baseline="0" dirty="0" err="1"/>
-              <a:t>forEach</a:t>
-            </a:r>
-            <a:r>
-              <a:rPr lang="hu-HU" baseline="0" dirty="0"/>
-              <a:t>-es bejáró ciklus használata.</a:t>
-            </a:r>
-          </a:p>
-          <a:p>
-            <a:endParaRPr lang="hu-HU" baseline="0" dirty="0"/>
-          </a:p>
-          <a:p>
-            <a:r>
-              <a:rPr lang="hu-HU" baseline="0" dirty="0"/>
-              <a:t>De ez a végén mindegy is lett, mert </a:t>
-            </a:r>
-            <a:r>
-              <a:rPr lang="hu-HU" baseline="0" dirty="0" err="1"/>
-              <a:t>Flaccal</a:t>
-            </a:r>
-            <a:r>
-              <a:rPr lang="hu-HU" baseline="0" dirty="0"/>
-              <a:t> egyeztetve, más megjelenítési </a:t>
-            </a:r>
-            <a:r>
-              <a:rPr lang="hu-HU" baseline="0" dirty="0" err="1"/>
-              <a:t>módót</a:t>
-            </a:r>
-            <a:r>
-              <a:rPr lang="hu-HU" baseline="0" dirty="0"/>
-              <a:t> beszéltünk meg, hogy az adott választ kijelöljük amennyiben a diák bejelölte, ehhez ugye csak az adott kérdéshez szükséges válaszlehetőségek azonosítóit és a diák válaszainak azonosítóit kellett összevetnem, illetve már maga a válaszlehetőség is tudta magáról, hogy ő helyes, rossz vagy még ki nem értékelt fázisban van e. És akkor utóbbinál csak egy pipát, egy </a:t>
-            </a:r>
-            <a:r>
-              <a:rPr lang="hu-HU" baseline="0" dirty="0" err="1"/>
-              <a:t>x-et</a:t>
-            </a:r>
-            <a:r>
-              <a:rPr lang="hu-HU" baseline="0" dirty="0"/>
-              <a:t> vagy éppen egyiket sem kellett </a:t>
-            </a:r>
-            <a:r>
-              <a:rPr lang="hu-HU" baseline="0" dirty="0" err="1"/>
-              <a:t>odairni</a:t>
-            </a:r>
-            <a:r>
-              <a:rPr lang="hu-HU" baseline="0" dirty="0"/>
-              <a:t> a válaszlehetőség mellé.</a:t>
-            </a:r>
-          </a:p>
-          <a:p>
-            <a:endParaRPr lang="hu-HU" baseline="0" dirty="0"/>
-          </a:p>
-          <a:p>
-            <a:r>
-              <a:rPr lang="hu-HU" baseline="0" dirty="0"/>
-              <a:t>Ez azért jóval egyszerűbb és könnyebb megoldás mint amit én szerettem volna megvalósítani és UI-</a:t>
-            </a:r>
-            <a:r>
-              <a:rPr lang="hu-HU" baseline="0" dirty="0" err="1"/>
-              <a:t>on</a:t>
-            </a:r>
-            <a:r>
-              <a:rPr lang="hu-HU" baseline="0" dirty="0"/>
-              <a:t> keresztül nem sok minden más </a:t>
-            </a:r>
-            <a:r>
-              <a:rPr lang="hu-HU" baseline="0" dirty="0" err="1"/>
-              <a:t>látszódna</a:t>
-            </a:r>
-            <a:r>
-              <a:rPr lang="hu-HU" baseline="0" dirty="0"/>
-              <a:t>(Zölddel és pirossal jelölnénk a teljes sort amelyek helyesek és rosszak), de ha nem kezdtem volna el menni itt a saját fejem után, akkor itt nem tudnék nagyon nagy kihívásról beszélni ehhez a feladathoz kapcsolódóan.</a:t>
-            </a:r>
-          </a:p>
-          <a:p>
-            <a:endParaRPr lang="hu-HU" baseline="0" dirty="0"/>
-          </a:p>
-          <a:p>
-            <a:endParaRPr lang="hu-HU" baseline="0" dirty="0"/>
-          </a:p>
-          <a:p>
-            <a:r>
-              <a:rPr lang="hu-HU" baseline="0" dirty="0"/>
-              <a:t>A teszteknél futtatáskor volt egy kis fennakadásom, mégpedig volt minden tesztosztályhoz egy hozzátartozó </a:t>
-            </a:r>
-            <a:r>
-              <a:rPr lang="hu-HU" baseline="0" dirty="0" err="1"/>
-              <a:t>Suite</a:t>
-            </a:r>
-            <a:r>
-              <a:rPr lang="hu-HU" baseline="0" dirty="0"/>
-              <a:t> osztály, illetve volt egy </a:t>
-            </a:r>
-            <a:r>
-              <a:rPr lang="hu-HU" baseline="0" dirty="0" err="1"/>
-              <a:t>AllTestSuite</a:t>
-            </a:r>
-            <a:r>
-              <a:rPr lang="hu-HU" baseline="0" dirty="0"/>
-              <a:t> osztály, ami futtatta az összes tesztet.</a:t>
-            </a:r>
-          </a:p>
-          <a:p>
-            <a:r>
-              <a:rPr lang="hu-HU" baseline="0" dirty="0"/>
-              <a:t>A </a:t>
-            </a:r>
-            <a:r>
-              <a:rPr lang="hu-HU" baseline="0" dirty="0" err="1"/>
-              <a:t>maven-surefire-plugin-nál</a:t>
-            </a:r>
-            <a:r>
-              <a:rPr lang="hu-HU" baseline="0" dirty="0"/>
-              <a:t> azt adtuk meg, hogy az összes akármi …Suite.java-</a:t>
-            </a:r>
-            <a:r>
-              <a:rPr lang="hu-HU" baseline="0" dirty="0" err="1"/>
-              <a:t>ra</a:t>
-            </a:r>
-            <a:r>
-              <a:rPr lang="hu-HU" baseline="0" dirty="0"/>
-              <a:t> végződő osztályunkat </a:t>
-            </a:r>
-            <a:r>
-              <a:rPr lang="hu-HU" baseline="0" dirty="0" err="1"/>
-              <a:t>futassa</a:t>
-            </a:r>
-            <a:r>
-              <a:rPr lang="hu-HU" baseline="0" dirty="0"/>
-              <a:t>, ami pl. az </a:t>
-            </a:r>
-            <a:r>
-              <a:rPr lang="hu-HU" baseline="0" dirty="0" err="1"/>
-              <a:t>admin</a:t>
-            </a:r>
-            <a:r>
-              <a:rPr lang="hu-HU" baseline="0" dirty="0"/>
-              <a:t> csoportnál teljesen jól </a:t>
-            </a:r>
-            <a:r>
-              <a:rPr lang="hu-HU" baseline="0" dirty="0" err="1"/>
-              <a:t>müködött</a:t>
-            </a:r>
-            <a:r>
-              <a:rPr lang="hu-HU" baseline="0" dirty="0"/>
-              <a:t>, de nálunk valamiért az </a:t>
-            </a:r>
-            <a:r>
-              <a:rPr lang="hu-HU" baseline="0" dirty="0" err="1"/>
-              <a:t>AllTestSuite</a:t>
-            </a:r>
-            <a:r>
-              <a:rPr lang="hu-HU" baseline="0" dirty="0"/>
-              <a:t> az abszolút </a:t>
-            </a:r>
-            <a:r>
-              <a:rPr lang="hu-HU" baseline="0" dirty="0" err="1"/>
-              <a:t>jol</a:t>
-            </a:r>
-            <a:r>
-              <a:rPr lang="hu-HU" baseline="0" dirty="0"/>
-              <a:t> lefutott, elbukások nélkül, viszont az adott osztályok </a:t>
-            </a:r>
-            <a:r>
-              <a:rPr lang="hu-HU" baseline="0" dirty="0" err="1"/>
-              <a:t>Suite</a:t>
-            </a:r>
-            <a:r>
-              <a:rPr lang="hu-HU" baseline="0" dirty="0"/>
-              <a:t>-i által futtattot tesztjeink mind elbuktak.</a:t>
-            </a:r>
-          </a:p>
-          <a:p>
-            <a:r>
-              <a:rPr lang="hu-HU" baseline="0" dirty="0"/>
-              <a:t>Hát erre a leggyorsabb megoldást választottam, a </a:t>
-            </a:r>
-            <a:r>
-              <a:rPr lang="hu-HU" baseline="0" dirty="0" err="1"/>
-              <a:t>Suite-ra</a:t>
-            </a:r>
-            <a:r>
-              <a:rPr lang="hu-HU" baseline="0" dirty="0"/>
-              <a:t> végződő osztályokat átneveztem </a:t>
-            </a:r>
-            <a:r>
-              <a:rPr lang="hu-HU" baseline="0" dirty="0" err="1"/>
-              <a:t>SuiteTest</a:t>
-            </a:r>
-            <a:r>
-              <a:rPr lang="hu-HU" baseline="0" dirty="0"/>
-              <a:t>-re, igy csak az </a:t>
-            </a:r>
-            <a:r>
-              <a:rPr lang="hu-HU" baseline="0" dirty="0" err="1"/>
-              <a:t>AllTestSuite</a:t>
-            </a:r>
-            <a:r>
-              <a:rPr lang="hu-HU" baseline="0" dirty="0"/>
-              <a:t> futott le nálunk és minden tesztünk igy átment.</a:t>
-            </a:r>
-          </a:p>
-          <a:p>
-            <a:endParaRPr lang="hu-HU" baseline="0" dirty="0"/>
-          </a:p>
-          <a:p>
             <a:endParaRPr lang="hu-HU" dirty="0"/>
           </a:p>
         </p:txBody>
@@ -1454,7 +1345,7 @@
     </p:spTree>
     <p:extLst>
       <p:ext uri="{BB962C8B-B14F-4D97-AF65-F5344CB8AC3E}">
-        <p14:creationId xmlns:p14="http://schemas.microsoft.com/office/powerpoint/2010/main" val="1045617033"/>
+        <p14:creationId xmlns:p14="http://schemas.microsoft.com/office/powerpoint/2010/main" val="983509736"/>
       </p:ext>
     </p:extLst>
   </p:cSld>
@@ -1567,23 +1458,6 @@
             <a:r>
               <a:rPr lang="hu-HU" baseline="0" dirty="0"/>
               <a:t> megoldást.</a:t>
-            </a:r>
-          </a:p>
-          <a:p>
-            <a:endParaRPr lang="hu-HU" baseline="0" dirty="0"/>
-          </a:p>
-          <a:p>
-            <a:r>
-              <a:rPr lang="hu-HU" baseline="0" dirty="0"/>
-              <a:t>A legkellemetlenebb tapasztalatom, az sajnos mindennap előjött, méghozzá hogy </a:t>
-            </a:r>
-            <a:r>
-              <a:rPr lang="hu-HU" baseline="0" dirty="0" err="1"/>
-              <a:t>StartExceptionnal</a:t>
-            </a:r>
-            <a:r>
-              <a:rPr lang="hu-HU" baseline="0" dirty="0"/>
-              <a:t> kezdődik a mai munka is.</a:t>
             </a:r>
           </a:p>
           <a:p>
@@ -1854,7 +1728,7 @@
           <a:p>
             <a:fld id="{C6E8B002-83F0-41C5-A7B7-2819A96BD9B2}" type="datetimeFigureOut">
               <a:rPr lang="hu-HU" smtClean="0"/>
-              <a:t>2016.05.20.</a:t>
+              <a:t>2016.05.22.</a:t>
             </a:fld>
             <a:endParaRPr lang="hu-HU"/>
           </a:p>
@@ -2024,7 +1898,7 @@
           <a:p>
             <a:fld id="{C6E8B002-83F0-41C5-A7B7-2819A96BD9B2}" type="datetimeFigureOut">
               <a:rPr lang="hu-HU" smtClean="0"/>
-              <a:t>2016.05.20.</a:t>
+              <a:t>2016.05.22.</a:t>
             </a:fld>
             <a:endParaRPr lang="hu-HU"/>
           </a:p>
@@ -2204,7 +2078,7 @@
           <a:p>
             <a:fld id="{C6E8B002-83F0-41C5-A7B7-2819A96BD9B2}" type="datetimeFigureOut">
               <a:rPr lang="hu-HU" smtClean="0"/>
-              <a:t>2016.05.20.</a:t>
+              <a:t>2016.05.22.</a:t>
             </a:fld>
             <a:endParaRPr lang="hu-HU"/>
           </a:p>
@@ -2374,7 +2248,7 @@
           <a:p>
             <a:fld id="{C6E8B002-83F0-41C5-A7B7-2819A96BD9B2}" type="datetimeFigureOut">
               <a:rPr lang="hu-HU" smtClean="0"/>
-              <a:t>2016.05.20.</a:t>
+              <a:t>2016.05.22.</a:t>
             </a:fld>
             <a:endParaRPr lang="hu-HU"/>
           </a:p>
@@ -2618,7 +2492,7 @@
           <a:p>
             <a:fld id="{C6E8B002-83F0-41C5-A7B7-2819A96BD9B2}" type="datetimeFigureOut">
               <a:rPr lang="hu-HU" smtClean="0"/>
-              <a:t>2016.05.20.</a:t>
+              <a:t>2016.05.22.</a:t>
             </a:fld>
             <a:endParaRPr lang="hu-HU"/>
           </a:p>
@@ -2850,7 +2724,7 @@
           <a:p>
             <a:fld id="{C6E8B002-83F0-41C5-A7B7-2819A96BD9B2}" type="datetimeFigureOut">
               <a:rPr lang="hu-HU" smtClean="0"/>
-              <a:t>2016.05.20.</a:t>
+              <a:t>2016.05.22.</a:t>
             </a:fld>
             <a:endParaRPr lang="hu-HU"/>
           </a:p>
@@ -3217,7 +3091,7 @@
           <a:p>
             <a:fld id="{C6E8B002-83F0-41C5-A7B7-2819A96BD9B2}" type="datetimeFigureOut">
               <a:rPr lang="hu-HU" smtClean="0"/>
-              <a:t>2016.05.20.</a:t>
+              <a:t>2016.05.22.</a:t>
             </a:fld>
             <a:endParaRPr lang="hu-HU"/>
           </a:p>
@@ -3335,7 +3209,7 @@
           <a:p>
             <a:fld id="{C6E8B002-83F0-41C5-A7B7-2819A96BD9B2}" type="datetimeFigureOut">
               <a:rPr lang="hu-HU" smtClean="0"/>
-              <a:t>2016.05.20.</a:t>
+              <a:t>2016.05.22.</a:t>
             </a:fld>
             <a:endParaRPr lang="hu-HU"/>
           </a:p>
@@ -3430,7 +3304,7 @@
           <a:p>
             <a:fld id="{C6E8B002-83F0-41C5-A7B7-2819A96BD9B2}" type="datetimeFigureOut">
               <a:rPr lang="hu-HU" smtClean="0"/>
-              <a:t>2016.05.20.</a:t>
+              <a:t>2016.05.22.</a:t>
             </a:fld>
             <a:endParaRPr lang="hu-HU"/>
           </a:p>
@@ -3707,7 +3581,7 @@
           <a:p>
             <a:fld id="{C6E8B002-83F0-41C5-A7B7-2819A96BD9B2}" type="datetimeFigureOut">
               <a:rPr lang="hu-HU" smtClean="0"/>
-              <a:t>2016.05.20.</a:t>
+              <a:t>2016.05.22.</a:t>
             </a:fld>
             <a:endParaRPr lang="hu-HU"/>
           </a:p>
@@ -3964,7 +3838,7 @@
           <a:p>
             <a:fld id="{C6E8B002-83F0-41C5-A7B7-2819A96BD9B2}" type="datetimeFigureOut">
               <a:rPr lang="hu-HU" smtClean="0"/>
-              <a:t>2016.05.20.</a:t>
+              <a:t>2016.05.22.</a:t>
             </a:fld>
             <a:endParaRPr lang="hu-HU"/>
           </a:p>
@@ -4184,7 +4058,7 @@
           <a:p>
             <a:fld id="{C6E8B002-83F0-41C5-A7B7-2819A96BD9B2}" type="datetimeFigureOut">
               <a:rPr lang="hu-HU" smtClean="0"/>
-              <a:t>2016.05.20.</a:t>
+              <a:t>2016.05.22.</a:t>
             </a:fld>
             <a:endParaRPr lang="hu-HU"/>
           </a:p>
@@ -5303,7 +5177,7 @@
         <p:spPr>
           <a:xfrm>
             <a:off x="238898" y="858795"/>
-            <a:ext cx="3814688" cy="434696"/>
+            <a:ext cx="5356004" cy="434696"/>
           </a:xfrm>
         </p:spPr>
         <p:txBody>
@@ -5313,10 +5187,8 @@
           <a:lstStyle/>
           <a:p>
             <a:r>
-              <a:rPr lang="hu-HU" sz="2800" b="1" i="1" dirty="0">
-                <a:latin typeface="+mj-lt"/>
-              </a:rPr>
-              <a:t>Főbb feladataim</a:t>
+              <a:rPr lang="hu-HU" sz="2800" b="1" i="1" dirty="0"/>
+              <a:t>Legérdekesebb kihívásaim</a:t>
             </a:r>
           </a:p>
         </p:txBody>
@@ -5486,7 +5358,7 @@
         <p:spPr>
           <a:xfrm>
             <a:off x="238898" y="858795"/>
-            <a:ext cx="7076302" cy="434696"/>
+            <a:ext cx="5810210" cy="434696"/>
           </a:xfrm>
         </p:spPr>
         <p:txBody>
@@ -5496,180 +5368,18 @@
           <a:lstStyle/>
           <a:p>
             <a:r>
+              <a:rPr lang="hu-HU" sz="2800" b="1" i="1" dirty="0"/>
+              <a:t>Legérdekesebb</a:t>
+            </a:r>
+            <a:r>
               <a:rPr lang="hu-HU" sz="2800" b="1" i="1" dirty="0">
                 <a:latin typeface="+mj-lt"/>
               </a:rPr>
-              <a:t>Teszt megnézése diák és oktatói szemmel</a:t>
-            </a:r>
-          </a:p>
-        </p:txBody>
-      </p:sp>
-      <p:sp>
-        <p:nvSpPr>
-          <p:cNvPr id="8" name="Háromszög 7"/>
-          <p:cNvSpPr/>
-          <p:nvPr/>
-        </p:nvSpPr>
-        <p:spPr>
-          <a:xfrm>
-            <a:off x="404191" y="1643270"/>
-            <a:ext cx="3717235" cy="2723321"/>
-          </a:xfrm>
-          <a:prstGeom prst="triangle">
-            <a:avLst/>
-          </a:prstGeom>
-        </p:spPr>
-        <p:style>
-          <a:lnRef idx="2">
-            <a:schemeClr val="accent1">
-              <a:shade val="50000"/>
-            </a:schemeClr>
-          </a:lnRef>
-          <a:fillRef idx="1">
-            <a:schemeClr val="accent1"/>
-          </a:fillRef>
-          <a:effectRef idx="0">
-            <a:schemeClr val="accent1"/>
-          </a:effectRef>
-          <a:fontRef idx="minor">
-            <a:schemeClr val="lt1"/>
-          </a:fontRef>
-        </p:style>
-        <p:txBody>
-          <a:bodyPr rtlCol="0" anchor="ctr"/>
-          <a:lstStyle/>
-          <a:p>
-            <a:pPr algn="ctr"/>
-            <a:endParaRPr lang="hu-HU"/>
-          </a:p>
-        </p:txBody>
-      </p:sp>
-      <p:sp>
-        <p:nvSpPr>
-          <p:cNvPr id="9" name="Téglalap 8"/>
-          <p:cNvSpPr/>
-          <p:nvPr/>
-        </p:nvSpPr>
-        <p:spPr>
-          <a:xfrm>
-            <a:off x="4525617" y="1610139"/>
-            <a:ext cx="4287079" cy="2961861"/>
-          </a:xfrm>
-          <a:prstGeom prst="rect">
-            <a:avLst/>
-          </a:prstGeom>
-        </p:spPr>
-        <p:style>
-          <a:lnRef idx="2">
-            <a:schemeClr val="accent1">
-              <a:shade val="50000"/>
-            </a:schemeClr>
-          </a:lnRef>
-          <a:fillRef idx="1">
-            <a:schemeClr val="accent1"/>
-          </a:fillRef>
-          <a:effectRef idx="0">
-            <a:schemeClr val="accent1"/>
-          </a:effectRef>
-          <a:fontRef idx="minor">
-            <a:schemeClr val="lt1"/>
-          </a:fontRef>
-        </p:style>
-        <p:txBody>
-          <a:bodyPr rtlCol="0" anchor="ctr"/>
-          <a:lstStyle/>
-          <a:p>
-            <a:pPr algn="ctr"/>
-            <a:endParaRPr lang="hu-HU"/>
-          </a:p>
-        </p:txBody>
-      </p:sp>
-    </p:spTree>
-    <p:extLst>
-      <p:ext uri="{BB962C8B-B14F-4D97-AF65-F5344CB8AC3E}">
-        <p14:creationId xmlns:p14="http://schemas.microsoft.com/office/powerpoint/2010/main" val="3843243831"/>
-      </p:ext>
-    </p:extLst>
-  </p:cSld>
-  <p:clrMapOvr>
-    <a:masterClrMapping/>
-  </p:clrMapOvr>
-</p:sld>
-</file>
-
-<file path=ppt/slides/slide6.xml><?xml version="1.0" encoding="utf-8"?>
-<p:sld xmlns:a="http://schemas.openxmlformats.org/drawingml/2006/main" xmlns:r="http://schemas.openxmlformats.org/officeDocument/2006/relationships" xmlns:p="http://schemas.openxmlformats.org/presentationml/2006/main">
-  <p:cSld>
-    <p:spTree>
-      <p:nvGrpSpPr>
-        <p:cNvPr id="1" name=""/>
-        <p:cNvGrpSpPr/>
-        <p:nvPr/>
-      </p:nvGrpSpPr>
-      <p:grpSpPr>
-        <a:xfrm>
-          <a:off x="0" y="0"/>
-          <a:ext cx="0" cy="0"/>
-          <a:chOff x="0" y="0"/>
-          <a:chExt cx="0" cy="0"/>
-        </a:xfrm>
-      </p:grpSpPr>
-      <p:sp>
-        <p:nvSpPr>
-          <p:cNvPr id="2" name="Cím 1"/>
-          <p:cNvSpPr>
-            <a:spLocks noGrp="1"/>
-          </p:cNvSpPr>
-          <p:nvPr>
-            <p:ph type="ctrTitle"/>
-          </p:nvPr>
-        </p:nvSpPr>
-        <p:spPr>
-          <a:xfrm>
-            <a:off x="7521394" y="67963"/>
-            <a:ext cx="1548465" cy="583469"/>
-          </a:xfrm>
-        </p:spPr>
-        <p:txBody>
-          <a:bodyPr>
-            <a:normAutofit fontScale="90000"/>
-          </a:bodyPr>
-          <a:lstStyle/>
-          <a:p>
-            <a:r>
-              <a:rPr lang="hu-HU" sz="1800" dirty="0"/>
-              <a:t>A prezentáció címe ide jön</a:t>
-            </a:r>
-          </a:p>
-        </p:txBody>
-      </p:sp>
-      <p:sp>
-        <p:nvSpPr>
-          <p:cNvPr id="3" name="Alcím 2"/>
-          <p:cNvSpPr>
-            <a:spLocks noGrp="1"/>
-          </p:cNvSpPr>
-          <p:nvPr>
-            <p:ph type="subTitle" idx="1"/>
-          </p:nvPr>
-        </p:nvSpPr>
-        <p:spPr>
-          <a:xfrm>
-            <a:off x="238898" y="858795"/>
-            <a:ext cx="3814688" cy="434696"/>
-          </a:xfrm>
-        </p:spPr>
-        <p:txBody>
-          <a:bodyPr>
-            <a:noAutofit/>
-          </a:bodyPr>
-          <a:lstStyle/>
-          <a:p>
-            <a:r>
-              <a:rPr lang="hu-HU" sz="2800" b="1" i="1" dirty="0">
-                <a:latin typeface="+mj-lt"/>
-              </a:rPr>
-              <a:t>Legérdekesebb kihívásaim</a:t>
+              <a:t> </a:t>
+            </a:r>
+            <a:r>
+              <a:rPr lang="hu-HU" sz="2800" b="1" i="1" dirty="0"/>
+              <a:t>kihívásaim</a:t>
             </a:r>
           </a:p>
         </p:txBody>
@@ -5794,6 +5504,176 @@
 </p:sld>
 </file>
 
+<file path=ppt/slides/slide6.xml><?xml version="1.0" encoding="utf-8"?>
+<p:sld xmlns:a="http://schemas.openxmlformats.org/drawingml/2006/main" xmlns:r="http://schemas.openxmlformats.org/officeDocument/2006/relationships" xmlns:p="http://schemas.openxmlformats.org/presentationml/2006/main">
+  <p:cSld>
+    <p:spTree>
+      <p:nvGrpSpPr>
+        <p:cNvPr id="1" name=""/>
+        <p:cNvGrpSpPr/>
+        <p:nvPr/>
+      </p:nvGrpSpPr>
+      <p:grpSpPr>
+        <a:xfrm>
+          <a:off x="0" y="0"/>
+          <a:ext cx="0" cy="0"/>
+          <a:chOff x="0" y="0"/>
+          <a:chExt cx="0" cy="0"/>
+        </a:xfrm>
+      </p:grpSpPr>
+      <p:sp>
+        <p:nvSpPr>
+          <p:cNvPr id="2" name="Cím 1"/>
+          <p:cNvSpPr>
+            <a:spLocks noGrp="1"/>
+          </p:cNvSpPr>
+          <p:nvPr>
+            <p:ph type="ctrTitle"/>
+          </p:nvPr>
+        </p:nvSpPr>
+        <p:spPr>
+          <a:xfrm>
+            <a:off x="7521394" y="67963"/>
+            <a:ext cx="1548465" cy="583469"/>
+          </a:xfrm>
+        </p:spPr>
+        <p:txBody>
+          <a:bodyPr>
+            <a:normAutofit fontScale="90000"/>
+          </a:bodyPr>
+          <a:lstStyle/>
+          <a:p>
+            <a:r>
+              <a:rPr lang="hu-HU" sz="1800" dirty="0"/>
+              <a:t>A prezentáció címe ide jön</a:t>
+            </a:r>
+          </a:p>
+        </p:txBody>
+      </p:sp>
+      <p:sp>
+        <p:nvSpPr>
+          <p:cNvPr id="3" name="Alcím 2"/>
+          <p:cNvSpPr>
+            <a:spLocks noGrp="1"/>
+          </p:cNvSpPr>
+          <p:nvPr>
+            <p:ph type="subTitle" idx="1"/>
+          </p:nvPr>
+        </p:nvSpPr>
+        <p:spPr>
+          <a:xfrm>
+            <a:off x="238898" y="858795"/>
+            <a:ext cx="7076302" cy="434696"/>
+          </a:xfrm>
+        </p:spPr>
+        <p:txBody>
+          <a:bodyPr>
+            <a:noAutofit/>
+          </a:bodyPr>
+          <a:lstStyle/>
+          <a:p>
+            <a:r>
+              <a:rPr lang="hu-HU" sz="2800" b="1" i="1" dirty="0">
+                <a:latin typeface="+mj-lt"/>
+              </a:rPr>
+              <a:t>Teszt megnézése diák és oktatói szemmel</a:t>
+            </a:r>
+          </a:p>
+        </p:txBody>
+      </p:sp>
+      <p:sp>
+        <p:nvSpPr>
+          <p:cNvPr id="8" name="Háromszög 7"/>
+          <p:cNvSpPr/>
+          <p:nvPr/>
+        </p:nvSpPr>
+        <p:spPr>
+          <a:xfrm>
+            <a:off x="404191" y="1643270"/>
+            <a:ext cx="3717235" cy="2723321"/>
+          </a:xfrm>
+          <a:prstGeom prst="triangle">
+            <a:avLst/>
+          </a:prstGeom>
+        </p:spPr>
+        <p:style>
+          <a:lnRef idx="2">
+            <a:schemeClr val="accent1">
+              <a:shade val="50000"/>
+            </a:schemeClr>
+          </a:lnRef>
+          <a:fillRef idx="1">
+            <a:schemeClr val="accent1"/>
+          </a:fillRef>
+          <a:effectRef idx="0">
+            <a:schemeClr val="accent1"/>
+          </a:effectRef>
+          <a:fontRef idx="minor">
+            <a:schemeClr val="lt1"/>
+          </a:fontRef>
+        </p:style>
+        <p:txBody>
+          <a:bodyPr rtlCol="0" anchor="ctr"/>
+          <a:lstStyle/>
+          <a:p>
+            <a:pPr algn="ctr"/>
+            <a:endParaRPr lang="hu-HU"/>
+          </a:p>
+        </p:txBody>
+      </p:sp>
+      <p:sp>
+        <p:nvSpPr>
+          <p:cNvPr id="9" name="Téglalap 8"/>
+          <p:cNvSpPr/>
+          <p:nvPr/>
+        </p:nvSpPr>
+        <p:spPr>
+          <a:xfrm>
+            <a:off x="4525617" y="1610139"/>
+            <a:ext cx="4287079" cy="2961861"/>
+          </a:xfrm>
+          <a:prstGeom prst="rect">
+            <a:avLst/>
+          </a:prstGeom>
+        </p:spPr>
+        <p:style>
+          <a:lnRef idx="2">
+            <a:schemeClr val="accent1">
+              <a:shade val="50000"/>
+            </a:schemeClr>
+          </a:lnRef>
+          <a:fillRef idx="1">
+            <a:schemeClr val="accent1"/>
+          </a:fillRef>
+          <a:effectRef idx="0">
+            <a:schemeClr val="accent1"/>
+          </a:effectRef>
+          <a:fontRef idx="minor">
+            <a:schemeClr val="lt1"/>
+          </a:fontRef>
+        </p:style>
+        <p:txBody>
+          <a:bodyPr rtlCol="0" anchor="ctr"/>
+          <a:lstStyle/>
+          <a:p>
+            <a:pPr algn="ctr"/>
+            <a:endParaRPr lang="hu-HU"/>
+          </a:p>
+        </p:txBody>
+      </p:sp>
+    </p:spTree>
+    <p:extLst>
+      <p:ext uri="{BB962C8B-B14F-4D97-AF65-F5344CB8AC3E}">
+        <p14:creationId xmlns:p14="http://schemas.microsoft.com/office/powerpoint/2010/main" val="3843243831"/>
+      </p:ext>
+    </p:extLst>
+  </p:cSld>
+  <p:clrMapOvr>
+    <a:masterClrMapping/>
+  </p:clrMapOvr>
+</p:sld>
+</file>
+
 <file path=ppt/slides/slide7.xml><?xml version="1.0" encoding="utf-8"?>
 <p:sld xmlns:a="http://schemas.openxmlformats.org/drawingml/2006/main" xmlns:r="http://schemas.openxmlformats.org/officeDocument/2006/relationships" xmlns:p="http://schemas.openxmlformats.org/presentationml/2006/main">
   <p:cSld>
@@ -5880,7 +5760,7 @@
         <p:spPr>
           <a:xfrm>
             <a:off x="942680" y="1904214"/>
-            <a:ext cx="3037883" cy="1569660"/>
+            <a:ext cx="3037883" cy="1200329"/>
           </a:xfrm>
           <a:prstGeom prst="rect">
             <a:avLst/>
@@ -5921,17 +5801,6 @@
               <a:rPr lang="hu-HU" sz="2400" dirty="0"/>
               <a:t>Java EE technológiák</a:t>
             </a:r>
-          </a:p>
-          <a:p>
-            <a:pPr marL="285750" indent="-285750">
-              <a:buFont typeface="Arial" panose="020B0604020202020204" pitchFamily="34" charset="0"/>
-              <a:buChar char="•"/>
-            </a:pPr>
-            <a:r>
-              <a:rPr lang="hu-HU" sz="2400" dirty="0" err="1"/>
-              <a:t>StartException</a:t>
-            </a:r>
-            <a:endParaRPr lang="hu-HU" sz="2400" dirty="0"/>
           </a:p>
         </p:txBody>
       </p:sp>

--- a/Iványi-Nagy Gábor/ivanyi_nagy_gabor.pttx.pptx
+++ b/Iványi-Nagy Gábor/ivanyi_nagy_gabor.pttx.pptx
@@ -5,17 +5,16 @@
     <p:sldMasterId id="2147483660" r:id="rId1"/>
   </p:sldMasterIdLst>
   <p:notesMasterIdLst>
-    <p:notesMasterId r:id="rId10"/>
+    <p:notesMasterId r:id="rId9"/>
   </p:notesMasterIdLst>
   <p:sldIdLst>
     <p:sldId id="257" r:id="rId2"/>
     <p:sldId id="256" r:id="rId3"/>
-    <p:sldId id="264" r:id="rId4"/>
+    <p:sldId id="261" r:id="rId4"/>
     <p:sldId id="260" r:id="rId5"/>
-    <p:sldId id="261" r:id="rId6"/>
-    <p:sldId id="265" r:id="rId7"/>
-    <p:sldId id="262" r:id="rId8"/>
-    <p:sldId id="258" r:id="rId9"/>
+    <p:sldId id="265" r:id="rId6"/>
+    <p:sldId id="262" r:id="rId7"/>
+    <p:sldId id="258" r:id="rId8"/>
   </p:sldIdLst>
   <p:sldSz cx="9144000" cy="5143500" type="screen16x9"/>
   <p:notesSz cx="6858000" cy="9144000"/>
@@ -215,7 +214,7 @@
           <a:p>
             <a:fld id="{CCFAF6EE-745E-4885-937C-81B7FCFD6FF0}" type="datetimeFigureOut">
               <a:rPr lang="hu-HU" smtClean="0"/>
-              <a:t>2016.05.22.</a:t>
+              <a:t>2016.05.23.</a:t>
             </a:fld>
             <a:endParaRPr lang="hu-HU"/>
           </a:p>
@@ -718,52 +717,91 @@
           <a:bodyPr/>
           <a:lstStyle/>
           <a:p>
-            <a:pPr marL="228600" indent="-228600">
-              <a:buAutoNum type="arabicPeriod"/>
-            </a:pPr>
+            <a:r>
+              <a:rPr lang="hu-HU" dirty="0"/>
+              <a:t>Az én egyik</a:t>
+            </a:r>
             <a:r>
               <a:rPr lang="hu-HU" baseline="0" dirty="0"/>
-              <a:t>Lépés:  Az oktató létrehoz egy tesztet, olyan típusú kérdésekkel amilyenekkel szeretne, szöveges, egyválaszos, többválaszos.</a:t>
-            </a:r>
-          </a:p>
-          <a:p>
-            <a:pPr marL="228600" indent="-228600">
-              <a:buAutoNum type="arabicPeriod"/>
-            </a:pPr>
+              <a:t> legnagyobb kihívásom az adatbázis részünk megtervezése volt.</a:t>
+            </a:r>
+          </a:p>
+          <a:p>
+            <a:r>
+              <a:rPr lang="hu-HU" baseline="0" dirty="0"/>
+              <a:t>Agilisan fejlesztettünk, így együtt terveztük meg először és másodszor is az  adatbázis sémánkat, először nem volt olyan rossz, de úgy gondoltuk hogy lehet jobb is, így hát megnéztünk egy másik alternatívát is, de az meg előidézte az n+1 </a:t>
+            </a:r>
+            <a:r>
+              <a:rPr lang="hu-HU" baseline="0" dirty="0" err="1"/>
+              <a:t>select</a:t>
+            </a:r>
+            <a:r>
+              <a:rPr lang="hu-HU" baseline="0" dirty="0"/>
+              <a:t> problémát.</a:t>
+            </a:r>
+          </a:p>
+          <a:p>
+            <a:endParaRPr lang="hu-HU" baseline="0" dirty="0"/>
+          </a:p>
+          <a:p>
             <a:r>
               <a:rPr lang="hu-HU" dirty="0"/>
-              <a:t>Lépés:  A</a:t>
+              <a:t>Ugye</a:t>
             </a:r>
             <a:r>
               <a:rPr lang="hu-HU" baseline="0" dirty="0"/>
-              <a:t> diákok, ezt egy oktató által kijelölt időpontban kitölthetik, akár otthonról is </a:t>
+              <a:t> ekkor úgy álltunk, hogy az első megoldás se az igazi, a második pedig felszedi az egész táblát, talán kényelmi szempontból ez nem is lenne olyan atomrossz megoldás, de még mindig kellett volna egy olyan megoldás, ami a lehető </a:t>
             </a:r>
             <a:r>
               <a:rPr lang="hu-HU" baseline="0" dirty="0" err="1"/>
-              <a:t>hha</a:t>
+              <a:t>legoptimalizáltabb</a:t>
             </a:r>
             <a:r>
               <a:rPr lang="hu-HU" baseline="0" dirty="0"/>
-              <a:t> nem tudnak megjelenni élőben.</a:t>
-            </a:r>
-          </a:p>
-          <a:p>
-            <a:pPr marL="228600" indent="-228600">
-              <a:buAutoNum type="arabicPeriod"/>
-            </a:pPr>
+              <a:t> és a lehető leglogikusabb felépítésű véleményem szerint.</a:t>
+            </a:r>
+          </a:p>
+          <a:p>
+            <a:endParaRPr lang="hu-HU" baseline="0" dirty="0"/>
+          </a:p>
+          <a:p>
             <a:r>
               <a:rPr lang="hu-HU" baseline="0" dirty="0"/>
-              <a:t>Az oktató a szöveges típusú válaszokat kijavíthatja, a többi kérdés automatikusan javításra kerül.</a:t>
-            </a:r>
-          </a:p>
-          <a:p>
-            <a:pPr marL="228600" indent="-228600">
-              <a:buAutoNum type="arabicPeriod"/>
-            </a:pPr>
+              <a:t>A második megoldásunkban oda-vissza volt hivatkozás az osztályok között és szerintem ez nem a leglogikusabb megoldás.</a:t>
+            </a:r>
+          </a:p>
+          <a:p>
             <a:r>
               <a:rPr lang="hu-HU" baseline="0" dirty="0"/>
-              <a:t>Az eredmény megtekintése menüpont alatt a diákok láthatják a helyes és helytelen válaszokat. </a:t>
-            </a:r>
+              <a:t>Én úgy gondolom hogy, egy kérdésnek biztosan kell tudnia azt, hogy melyik válaszlehetőségek tartoznak hozzá, de egy válaszlehetőségnek nem kell tudnia feltétlenül azt, hogy melyik kérdéshez tartozik ő, és hát ez a jelenlegi megoldásunk is.</a:t>
+            </a:r>
+          </a:p>
+          <a:p>
+            <a:endParaRPr lang="hu-HU" baseline="0" dirty="0"/>
+          </a:p>
+          <a:p>
+            <a:r>
+              <a:rPr lang="hu-HU" baseline="0" dirty="0"/>
+              <a:t>A JUNIT tesztek legnagyobb részét én írtam meg,  de annyira speciális eset nem volt, inkább az volt itt időigényes, hogy a kapcsolatok miatt volt ahol 4 táblába is kellett adatot felvennünk hogy tudjuk értelmesen tesztelni a tesztelésre váró 5ik táblát.</a:t>
+            </a:r>
+          </a:p>
+          <a:p>
+            <a:r>
+              <a:rPr lang="hu-HU" dirty="0"/>
+              <a:t>A tesztek futtatása során pár hibába feljött, például, hogy bizonyos tesztek ok nélkül rossz eredménnyel futottak le, de sikerült a hibát kijavítani.</a:t>
+            </a:r>
+            <a:endParaRPr lang="hu-HU" baseline="0" dirty="0"/>
+          </a:p>
+          <a:p>
+            <a:endParaRPr lang="hu-HU" baseline="0" dirty="0"/>
+          </a:p>
+          <a:p>
+            <a:endParaRPr lang="hu-HU" baseline="0" dirty="0"/>
+          </a:p>
+          <a:p>
+            <a:endParaRPr lang="hu-HU" baseline="0" dirty="0"/>
+          </a:p>
+          <a:p>
             <a:endParaRPr lang="hu-HU" dirty="0"/>
           </a:p>
         </p:txBody>
@@ -794,7 +832,7 @@
     </p:spTree>
     <p:extLst>
       <p:ext uri="{BB962C8B-B14F-4D97-AF65-F5344CB8AC3E}">
-        <p14:creationId xmlns:p14="http://schemas.microsoft.com/office/powerpoint/2010/main" val="3011523050"/>
+        <p14:creationId xmlns:p14="http://schemas.microsoft.com/office/powerpoint/2010/main" val="1045617033"/>
       </p:ext>
     </p:extLst>
   </p:cSld>
@@ -887,66 +925,21 @@
             <a:endParaRPr lang="hu-HU" baseline="0" dirty="0"/>
           </a:p>
           <a:p>
+            <a:endParaRPr lang="hu-HU" baseline="0" dirty="0"/>
+          </a:p>
+          <a:p>
             <a:r>
               <a:rPr lang="hu-HU" baseline="0" dirty="0"/>
-              <a:t>A JUNIT tesztek legnagyobb részét én írtam meg,  de annyira speciális eset nem volt, inkább az volt itt időigényes, hogy a kapcsolatok miatt volt ahol 4 táblába is kellett adatot felvennünk hogy tudjuk értelmesen tesztelni a tesztelésre váró 5ik táblát.</a:t>
-            </a:r>
-          </a:p>
-          <a:p>
-            <a:endParaRPr lang="hu-HU" baseline="0" dirty="0"/>
-          </a:p>
-          <a:p>
+              <a:t>A tesztek értékelése pontszám által, ami annyit jelent, hogy amint a diák az utolsó választ is kitölti, akkor bizony már láthatja a Megtekintés menüpont alatt, hogy a nem szöveges válaszok esetén, hány pontot sikerült összehoznia. Egy válasz akkor helyes, </a:t>
+            </a:r>
+            <a:r>
+              <a:rPr lang="hu-HU" baseline="0" dirty="0" err="1"/>
+              <a:t>hha</a:t>
+            </a:r>
             <a:r>
               <a:rPr lang="hu-HU" baseline="0" dirty="0"/>
-              <a:t>A teszt visszanézésénél várható volt, hogy a diák és az oktató ahogy megnézi a teszteket, az megint eléggé hasonló felépítésű lesz kód szempontból.</a:t>
-            </a:r>
-          </a:p>
-          <a:p>
-            <a:r>
-              <a:rPr lang="hu-HU" baseline="0" dirty="0"/>
-              <a:t>Ezért itt már egy közös ősosztályt készítettem, elkerülve a későbbi </a:t>
-            </a:r>
-            <a:r>
-              <a:rPr lang="hu-HU" baseline="0" dirty="0" err="1"/>
-              <a:t>refaktort</a:t>
-            </a:r>
-            <a:r>
-              <a:rPr lang="hu-HU" baseline="0" dirty="0"/>
-              <a:t>.</a:t>
-            </a:r>
-          </a:p>
-          <a:p>
-            <a:endParaRPr lang="hu-HU" baseline="0" dirty="0"/>
-          </a:p>
-          <a:p>
-            <a:r>
-              <a:rPr lang="hu-HU" baseline="0" dirty="0"/>
-              <a:t>A tesztek értékelése pontszám által, ami annyit jelent, hogy amint a diák az utolsó választ is kitölti, akkor bizony már láthatja a Megtekintés menüpont alatt, hogy a nem szöveges válaszok esetén, hány pontot sikerült összehoznia.</a:t>
-            </a:r>
-          </a:p>
-          <a:p>
-            <a:endParaRPr lang="hu-HU" baseline="0" dirty="0"/>
-          </a:p>
-          <a:p>
-            <a:endParaRPr lang="hu-HU" baseline="0" dirty="0"/>
-          </a:p>
-          <a:p>
-            <a:endParaRPr lang="hu-HU" baseline="0" dirty="0"/>
-          </a:p>
-          <a:p>
-            <a:endParaRPr lang="hu-HU" baseline="0" dirty="0"/>
-          </a:p>
-          <a:p>
-            <a:endParaRPr lang="hu-HU" baseline="0" dirty="0"/>
-          </a:p>
-          <a:p>
-            <a:endParaRPr lang="hu-HU" baseline="0" dirty="0"/>
-          </a:p>
-          <a:p>
-            <a:endParaRPr lang="hu-HU" baseline="0" dirty="0"/>
-          </a:p>
-          <a:p>
-            <a:endParaRPr lang="hu-HU" baseline="0" dirty="0"/>
+              <a:t> annyi választ jelölt be ahány válasz helyes és minden bejelölt válasza helyes.</a:t>
+            </a:r>
           </a:p>
         </p:txBody>
       </p:sp>
@@ -1031,72 +1024,6 @@
           <a:lstStyle/>
           <a:p>
             <a:r>
-              <a:rPr lang="hu-HU" dirty="0"/>
-              <a:t>Az én egyik</a:t>
-            </a:r>
-            <a:r>
-              <a:rPr lang="hu-HU" baseline="0" dirty="0"/>
-              <a:t> legnagyobb kihívásom az adatbázis részünk megtervezése volt.</a:t>
-            </a:r>
-          </a:p>
-          <a:p>
-            <a:r>
-              <a:rPr lang="hu-HU" baseline="0" dirty="0"/>
-              <a:t>Agilisan fejlesztettünk, így együtt terveztük meg először és másodszor is az  adatbázis sémánkat, először nem volt olyan rossz, de úgy gondoltuk hogy lehet jobb is, így hát megnéztünk egy másik alternatívát is, de az meg előidézte az n+1 </a:t>
-            </a:r>
-            <a:r>
-              <a:rPr lang="hu-HU" baseline="0" dirty="0" err="1"/>
-              <a:t>select</a:t>
-            </a:r>
-            <a:r>
-              <a:rPr lang="hu-HU" baseline="0" dirty="0"/>
-              <a:t> problémát.</a:t>
-            </a:r>
-          </a:p>
-          <a:p>
-            <a:endParaRPr lang="hu-HU" baseline="0" dirty="0"/>
-          </a:p>
-          <a:p>
-            <a:r>
-              <a:rPr lang="hu-HU" dirty="0"/>
-              <a:t>Ugye</a:t>
-            </a:r>
-            <a:r>
-              <a:rPr lang="hu-HU" baseline="0" dirty="0"/>
-              <a:t> ekkor úgy álltunk, hogy az első megoldás se az igazi, a második pedig felszedi az egész táblát, talán kényelmi szempontból ez nem is lenne olyan atomrossz megoldás, de még mindig kellett volna egy olyan megoldás, ami a lehető </a:t>
-            </a:r>
-            <a:r>
-              <a:rPr lang="hu-HU" baseline="0" dirty="0" err="1"/>
-              <a:t>legoptimalizáltabb</a:t>
-            </a:r>
-            <a:r>
-              <a:rPr lang="hu-HU" baseline="0" dirty="0"/>
-              <a:t> és a lehető leglogikusabb felépítésű véleményem szerint.</a:t>
-            </a:r>
-          </a:p>
-          <a:p>
-            <a:endParaRPr lang="hu-HU" baseline="0" dirty="0"/>
-          </a:p>
-          <a:p>
-            <a:r>
-              <a:rPr lang="hu-HU" baseline="0" dirty="0"/>
-              <a:t>A második megoldásunkban oda-vissza volt hivatkozás az osztályok között és szerintem ez nem a leglogikusabb megoldás.</a:t>
-            </a:r>
-          </a:p>
-          <a:p>
-            <a:r>
-              <a:rPr lang="hu-HU" baseline="0" dirty="0"/>
-              <a:t>Én úgy gondolom hogy, egy kérdésnek biztosan kell tudnia azt, hogy melyik válaszlehetőségek tartoznak hozzá, de egy válaszlehetőségnek nem kell tudnia feltétlenül azt, hogy melyik kérdéshez tartozik ő, és hát ez a jelenlegi megoldásunk is.</a:t>
-            </a:r>
-          </a:p>
-          <a:p>
-            <a:endParaRPr lang="hu-HU" baseline="0" dirty="0"/>
-          </a:p>
-          <a:p>
-            <a:endParaRPr lang="hu-HU" baseline="0" dirty="0"/>
-          </a:p>
-          <a:p>
-            <a:r>
               <a:rPr lang="hu-HU" baseline="0" dirty="0"/>
               <a:t>A következő nagyobb kihívásom már nincs benne az alkalmazásban pontosan úgy, ahogy megcsináltam </a:t>
             </a:r>
@@ -1109,6 +1036,29 @@
           <a:p>
             <a:r>
               <a:rPr lang="hu-HU" baseline="0" dirty="0"/>
+              <a:t>A teszt visszanézésénél várható volt, hogy a diák és az oktató ahogy megnézi a teszteket, az megint eléggé hasonló felépítésű lesz kód szempontból.</a:t>
+            </a:r>
+          </a:p>
+          <a:p>
+            <a:r>
+              <a:rPr lang="hu-HU" baseline="0" dirty="0"/>
+              <a:t>Ezért itt már egy közös ősosztályt készítettem, elkerülve a későbbi </a:t>
+            </a:r>
+            <a:r>
+              <a:rPr lang="hu-HU" baseline="0" dirty="0" err="1"/>
+              <a:t>refaktort</a:t>
+            </a:r>
+            <a:r>
+              <a:rPr lang="hu-HU" baseline="0" dirty="0"/>
+              <a:t>.</a:t>
+            </a:r>
+          </a:p>
+          <a:p>
+            <a:endParaRPr lang="hu-HU" baseline="0" dirty="0"/>
+          </a:p>
+          <a:p>
+            <a:r>
+              <a:rPr lang="hu-HU" baseline="0" dirty="0"/>
               <a:t>Itt a teszt megnézésre gondolok, amit én kicsit máshogy gondoltam mint ami a végleges állapot lett, de a mostani sokkal érthetőbb megoldás mind a felületen mind a kódban egyaránt.</a:t>
             </a:r>
           </a:p>
@@ -1218,16 +1168,6 @@
             </a:r>
           </a:p>
           <a:p>
-            <a:endParaRPr lang="hu-HU" baseline="0" dirty="0"/>
-          </a:p>
-          <a:p>
-            <a:endParaRPr lang="hu-HU" baseline="0" dirty="0"/>
-          </a:p>
-          <a:p>
-            <a:r>
-              <a:rPr lang="hu-HU" dirty="0"/>
-              <a:t>A tesztek futtatása során pár hibába feljött, például, hogy bizonyos tesztek ok nélkül rossz eredménnyel futottak le, de sikerült a hibát kijavítani.</a:t>
-            </a:r>
             <a:endParaRPr lang="hu-HU" baseline="0" dirty="0"/>
           </a:p>
           <a:p>
@@ -1261,7 +1201,7 @@
     </p:spTree>
     <p:extLst>
       <p:ext uri="{BB962C8B-B14F-4D97-AF65-F5344CB8AC3E}">
-        <p14:creationId xmlns:p14="http://schemas.microsoft.com/office/powerpoint/2010/main" val="1045617033"/>
+        <p14:creationId xmlns:p14="http://schemas.microsoft.com/office/powerpoint/2010/main" val="983509736"/>
       </p:ext>
     </p:extLst>
   </p:cSld>
@@ -1315,7 +1255,75 @@
           <a:bodyPr/>
           <a:lstStyle/>
           <a:p>
-            <a:endParaRPr lang="hu-HU" dirty="0"/>
+            <a:r>
+              <a:rPr lang="hu-HU" dirty="0"/>
+              <a:t>A </a:t>
+            </a:r>
+            <a:r>
+              <a:rPr lang="hu-HU" dirty="0" err="1"/>
+              <a:t>kanbanról</a:t>
+            </a:r>
+            <a:r>
+              <a:rPr lang="hu-HU" baseline="0" dirty="0"/>
+              <a:t> már tanultam a szoftvertesztelés gyakorlati óránk jóvoltálból, de most ki is próbálhattam egy valódi nagy projekt által.</a:t>
+            </a:r>
+          </a:p>
+          <a:p>
+            <a:r>
+              <a:rPr lang="hu-HU" baseline="0" dirty="0"/>
+              <a:t>A benyomásom róla az hogy abszolút jó.</a:t>
+            </a:r>
+          </a:p>
+          <a:p>
+            <a:endParaRPr lang="hu-HU" baseline="0" dirty="0"/>
+          </a:p>
+          <a:p>
+            <a:r>
+              <a:rPr lang="hu-HU" baseline="0" dirty="0"/>
+              <a:t>A csapat és a csapatmunka rendkívül tetszett nekem, az hogy megosztottuk a feladatokat, az hogyha elakadtunk akkor segítettünk a másiknak.</a:t>
+            </a:r>
+          </a:p>
+          <a:p>
+            <a:endParaRPr lang="hu-HU" baseline="0" dirty="0"/>
+          </a:p>
+          <a:p>
+            <a:r>
+              <a:rPr lang="hu-HU" baseline="0" dirty="0"/>
+              <a:t>A java EE </a:t>
+            </a:r>
+            <a:r>
+              <a:rPr lang="hu-HU" baseline="0" dirty="0" err="1"/>
+              <a:t>techonlógiák</a:t>
+            </a:r>
+            <a:r>
+              <a:rPr lang="hu-HU" baseline="0" dirty="0"/>
+              <a:t> közül nekem a JPA lett a kedvencem hiszen óriási területet nyit az adatbázis megtervezéséhez java oldalon és hát én igazából mindig is szerettem az adatbázisos tervezést, ám a legkellemesebb technológia a </a:t>
+            </a:r>
+            <a:r>
+              <a:rPr lang="hu-HU" baseline="0" dirty="0" err="1"/>
+              <a:t>primeFaces</a:t>
+            </a:r>
+            <a:r>
+              <a:rPr lang="hu-HU" baseline="0" dirty="0"/>
+              <a:t> volt, hiszen szinten mindenre amire ebben a projektben szükségünk volt, arra adott </a:t>
+            </a:r>
+            <a:r>
+              <a:rPr lang="hu-HU" baseline="0" dirty="0" err="1"/>
+              <a:t>késsz</a:t>
+            </a:r>
+            <a:r>
+              <a:rPr lang="hu-HU" baseline="0" dirty="0"/>
+              <a:t> megoldást.</a:t>
+            </a:r>
+          </a:p>
+          <a:p>
+            <a:endParaRPr lang="hu-HU" baseline="0" dirty="0"/>
+          </a:p>
+          <a:p>
+            <a:r>
+              <a:rPr lang="hu-HU" baseline="0" dirty="0"/>
+              <a:t>Úgy gondolom hogy a projekt munka alatt tényleg mindenki azt érezte hogy mi tényleg fejlesztők vagyunk.</a:t>
+            </a:r>
           </a:p>
         </p:txBody>
       </p:sp>
@@ -1345,7 +1353,7 @@
     </p:spTree>
     <p:extLst>
       <p:ext uri="{BB962C8B-B14F-4D97-AF65-F5344CB8AC3E}">
-        <p14:creationId xmlns:p14="http://schemas.microsoft.com/office/powerpoint/2010/main" val="983509736"/>
+        <p14:creationId xmlns:p14="http://schemas.microsoft.com/office/powerpoint/2010/main" val="1947123585"/>
       </p:ext>
     </p:extLst>
   </p:cSld>
@@ -1401,73 +1409,11 @@
           <a:p>
             <a:r>
               <a:rPr lang="hu-HU" dirty="0"/>
-              <a:t>A </a:t>
-            </a:r>
-            <a:r>
-              <a:rPr lang="hu-HU" dirty="0" err="1"/>
-              <a:t>kanbanról</a:t>
-            </a:r>
-            <a:r>
-              <a:rPr lang="hu-HU" baseline="0" dirty="0"/>
-              <a:t> már tanultam a szoftvertesztelés gyakorlati óránk jóvoltálból, de most ki is próbálhattam egy valódi nagy projekt által.</a:t>
-            </a:r>
-          </a:p>
-          <a:p>
-            <a:r>
-              <a:rPr lang="hu-HU" baseline="0" dirty="0"/>
-              <a:t>A benyomásom róla az hogy abszolút jó.</a:t>
-            </a:r>
-          </a:p>
-          <a:p>
-            <a:endParaRPr lang="hu-HU" baseline="0" dirty="0"/>
-          </a:p>
-          <a:p>
-            <a:r>
-              <a:rPr lang="hu-HU" baseline="0" dirty="0"/>
-              <a:t>A csapat és a csapatmunka rendkívül tetszett nekem, az hogy megosztottuk a feladatokat, az hogyha elakadtunk akkor segítettünk a másiknak.</a:t>
-            </a:r>
-          </a:p>
-          <a:p>
-            <a:endParaRPr lang="hu-HU" baseline="0" dirty="0"/>
-          </a:p>
-          <a:p>
-            <a:r>
-              <a:rPr lang="hu-HU" baseline="0" dirty="0"/>
-              <a:t>A java EE </a:t>
-            </a:r>
-            <a:r>
-              <a:rPr lang="hu-HU" baseline="0" dirty="0" err="1"/>
-              <a:t>techonlógiák</a:t>
-            </a:r>
-            <a:r>
-              <a:rPr lang="hu-HU" baseline="0" dirty="0"/>
-              <a:t> közül nekem a JPA lett a kedvencem hiszen óriási területet nyit az adatbázis megtervezéséhez java oldalon és hát én igazából mindig is szerettem az adatbázisos tervezést, ám a legkellemesebb technológia a </a:t>
-            </a:r>
-            <a:r>
-              <a:rPr lang="hu-HU" baseline="0" dirty="0" err="1"/>
-              <a:t>primeFaces</a:t>
-            </a:r>
-            <a:r>
-              <a:rPr lang="hu-HU" baseline="0" dirty="0"/>
-              <a:t> volt, hiszen szinten mindenre amire ebben a projektben szükségünk volt, arra adott </a:t>
-            </a:r>
-            <a:r>
-              <a:rPr lang="hu-HU" baseline="0" dirty="0" err="1"/>
-              <a:t>késsz</a:t>
-            </a:r>
-            <a:r>
-              <a:rPr lang="hu-HU" baseline="0" dirty="0"/>
-              <a:t> megoldást.</a:t>
-            </a:r>
-          </a:p>
-          <a:p>
-            <a:endParaRPr lang="hu-HU" baseline="0" dirty="0"/>
-          </a:p>
-          <a:p>
-            <a:r>
-              <a:rPr lang="hu-HU" baseline="0" dirty="0"/>
-              <a:t>Úgy gondolom hogy a projekt munka alatt tényleg mindenki azt érezte hogy mi tényleg fejlesztők vagyunk.</a:t>
-            </a:r>
+              <a:t>Köszönöm szépen a figyelmet!</a:t>
+            </a:r>
+          </a:p>
+          <a:p>
+            <a:endParaRPr lang="hu-HU" dirty="0"/>
           </a:p>
         </p:txBody>
       </p:sp>
@@ -1489,96 +1435,6 @@
             <a:fld id="{D02E9CAE-455D-4A4B-ADCC-E3AD0411C0C7}" type="slidenum">
               <a:rPr lang="hu-HU" smtClean="0"/>
               <a:t>7</a:t>
-            </a:fld>
-            <a:endParaRPr lang="hu-HU"/>
-          </a:p>
-        </p:txBody>
-      </p:sp>
-    </p:spTree>
-    <p:extLst>
-      <p:ext uri="{BB962C8B-B14F-4D97-AF65-F5344CB8AC3E}">
-        <p14:creationId xmlns:p14="http://schemas.microsoft.com/office/powerpoint/2010/main" val="1947123585"/>
-      </p:ext>
-    </p:extLst>
-  </p:cSld>
-  <p:clrMapOvr>
-    <a:masterClrMapping/>
-  </p:clrMapOvr>
-</p:notes>
-</file>
-
-<file path=ppt/notesSlides/notesSlide8.xml><?xml version="1.0" encoding="utf-8"?>
-<p:notes xmlns:a="http://schemas.openxmlformats.org/drawingml/2006/main" xmlns:r="http://schemas.openxmlformats.org/officeDocument/2006/relationships" xmlns:p="http://schemas.openxmlformats.org/presentationml/2006/main">
-  <p:cSld>
-    <p:spTree>
-      <p:nvGrpSpPr>
-        <p:cNvPr id="1" name=""/>
-        <p:cNvGrpSpPr/>
-        <p:nvPr/>
-      </p:nvGrpSpPr>
-      <p:grpSpPr>
-        <a:xfrm>
-          <a:off x="0" y="0"/>
-          <a:ext cx="0" cy="0"/>
-          <a:chOff x="0" y="0"/>
-          <a:chExt cx="0" cy="0"/>
-        </a:xfrm>
-      </p:grpSpPr>
-      <p:sp>
-        <p:nvSpPr>
-          <p:cNvPr id="2" name="Diakép helye 1"/>
-          <p:cNvSpPr>
-            <a:spLocks noGrp="1" noRot="1" noChangeAspect="1"/>
-          </p:cNvSpPr>
-          <p:nvPr>
-            <p:ph type="sldImg"/>
-          </p:nvPr>
-        </p:nvSpPr>
-        <p:spPr/>
-      </p:sp>
-      <p:sp>
-        <p:nvSpPr>
-          <p:cNvPr id="3" name="Jegyzetek helye 2"/>
-          <p:cNvSpPr>
-            <a:spLocks noGrp="1"/>
-          </p:cNvSpPr>
-          <p:nvPr>
-            <p:ph type="body" idx="1"/>
-          </p:nvPr>
-        </p:nvSpPr>
-        <p:spPr/>
-        <p:txBody>
-          <a:bodyPr/>
-          <a:lstStyle/>
-          <a:p>
-            <a:r>
-              <a:rPr lang="hu-HU" dirty="0"/>
-              <a:t>Köszönöm szépen a figyelmet!</a:t>
-            </a:r>
-          </a:p>
-          <a:p>
-            <a:endParaRPr lang="hu-HU" dirty="0"/>
-          </a:p>
-        </p:txBody>
-      </p:sp>
-      <p:sp>
-        <p:nvSpPr>
-          <p:cNvPr id="4" name="Dia számának helye 3"/>
-          <p:cNvSpPr>
-            <a:spLocks noGrp="1"/>
-          </p:cNvSpPr>
-          <p:nvPr>
-            <p:ph type="sldNum" sz="quarter" idx="10"/>
-          </p:nvPr>
-        </p:nvSpPr>
-        <p:spPr/>
-        <p:txBody>
-          <a:bodyPr/>
-          <a:lstStyle/>
-          <a:p>
-            <a:fld id="{D02E9CAE-455D-4A4B-ADCC-E3AD0411C0C7}" type="slidenum">
-              <a:rPr lang="hu-HU" smtClean="0"/>
-              <a:t>8</a:t>
             </a:fld>
             <a:endParaRPr lang="hu-HU"/>
           </a:p>
@@ -1728,7 +1584,7 @@
           <a:p>
             <a:fld id="{C6E8B002-83F0-41C5-A7B7-2819A96BD9B2}" type="datetimeFigureOut">
               <a:rPr lang="hu-HU" smtClean="0"/>
-              <a:t>2016.05.22.</a:t>
+              <a:t>2016.05.23.</a:t>
             </a:fld>
             <a:endParaRPr lang="hu-HU"/>
           </a:p>
@@ -1898,7 +1754,7 @@
           <a:p>
             <a:fld id="{C6E8B002-83F0-41C5-A7B7-2819A96BD9B2}" type="datetimeFigureOut">
               <a:rPr lang="hu-HU" smtClean="0"/>
-              <a:t>2016.05.22.</a:t>
+              <a:t>2016.05.23.</a:t>
             </a:fld>
             <a:endParaRPr lang="hu-HU"/>
           </a:p>
@@ -2078,7 +1934,7 @@
           <a:p>
             <a:fld id="{C6E8B002-83F0-41C5-A7B7-2819A96BD9B2}" type="datetimeFigureOut">
               <a:rPr lang="hu-HU" smtClean="0"/>
-              <a:t>2016.05.22.</a:t>
+              <a:t>2016.05.23.</a:t>
             </a:fld>
             <a:endParaRPr lang="hu-HU"/>
           </a:p>
@@ -2248,7 +2104,7 @@
           <a:p>
             <a:fld id="{C6E8B002-83F0-41C5-A7B7-2819A96BD9B2}" type="datetimeFigureOut">
               <a:rPr lang="hu-HU" smtClean="0"/>
-              <a:t>2016.05.22.</a:t>
+              <a:t>2016.05.23.</a:t>
             </a:fld>
             <a:endParaRPr lang="hu-HU"/>
           </a:p>
@@ -2492,7 +2348,7 @@
           <a:p>
             <a:fld id="{C6E8B002-83F0-41C5-A7B7-2819A96BD9B2}" type="datetimeFigureOut">
               <a:rPr lang="hu-HU" smtClean="0"/>
-              <a:t>2016.05.22.</a:t>
+              <a:t>2016.05.23.</a:t>
             </a:fld>
             <a:endParaRPr lang="hu-HU"/>
           </a:p>
@@ -2724,7 +2580,7 @@
           <a:p>
             <a:fld id="{C6E8B002-83F0-41C5-A7B7-2819A96BD9B2}" type="datetimeFigureOut">
               <a:rPr lang="hu-HU" smtClean="0"/>
-              <a:t>2016.05.22.</a:t>
+              <a:t>2016.05.23.</a:t>
             </a:fld>
             <a:endParaRPr lang="hu-HU"/>
           </a:p>
@@ -3091,7 +2947,7 @@
           <a:p>
             <a:fld id="{C6E8B002-83F0-41C5-A7B7-2819A96BD9B2}" type="datetimeFigureOut">
               <a:rPr lang="hu-HU" smtClean="0"/>
-              <a:t>2016.05.22.</a:t>
+              <a:t>2016.05.23.</a:t>
             </a:fld>
             <a:endParaRPr lang="hu-HU"/>
           </a:p>
@@ -3209,7 +3065,7 @@
           <a:p>
             <a:fld id="{C6E8B002-83F0-41C5-A7B7-2819A96BD9B2}" type="datetimeFigureOut">
               <a:rPr lang="hu-HU" smtClean="0"/>
-              <a:t>2016.05.22.</a:t>
+              <a:t>2016.05.23.</a:t>
             </a:fld>
             <a:endParaRPr lang="hu-HU"/>
           </a:p>
@@ -3304,7 +3160,7 @@
           <a:p>
             <a:fld id="{C6E8B002-83F0-41C5-A7B7-2819A96BD9B2}" type="datetimeFigureOut">
               <a:rPr lang="hu-HU" smtClean="0"/>
-              <a:t>2016.05.22.</a:t>
+              <a:t>2016.05.23.</a:t>
             </a:fld>
             <a:endParaRPr lang="hu-HU"/>
           </a:p>
@@ -3581,7 +3437,7 @@
           <a:p>
             <a:fld id="{C6E8B002-83F0-41C5-A7B7-2819A96BD9B2}" type="datetimeFigureOut">
               <a:rPr lang="hu-HU" smtClean="0"/>
-              <a:t>2016.05.22.</a:t>
+              <a:t>2016.05.23.</a:t>
             </a:fld>
             <a:endParaRPr lang="hu-HU"/>
           </a:p>
@@ -3838,7 +3694,7 @@
           <a:p>
             <a:fld id="{C6E8B002-83F0-41C5-A7B7-2819A96BD9B2}" type="datetimeFigureOut">
               <a:rPr lang="hu-HU" smtClean="0"/>
-              <a:t>2016.05.22.</a:t>
+              <a:t>2016.05.23.</a:t>
             </a:fld>
             <a:endParaRPr lang="hu-HU"/>
           </a:p>
@@ -4058,7 +3914,7 @@
           <a:p>
             <a:fld id="{C6E8B002-83F0-41C5-A7B7-2819A96BD9B2}" type="datetimeFigureOut">
               <a:rPr lang="hu-HU" smtClean="0"/>
-              <a:t>2016.05.22.</a:t>
+              <a:t>2016.05.23.</a:t>
             </a:fld>
             <a:endParaRPr lang="hu-HU"/>
           </a:p>
@@ -4581,54 +4437,14 @@
       </p:sp>
       <p:sp>
         <p:nvSpPr>
-          <p:cNvPr id="4" name="Mosolygó arc 3"/>
-          <p:cNvSpPr/>
-          <p:nvPr/>
-        </p:nvSpPr>
-        <p:spPr>
-          <a:xfrm>
-            <a:off x="6096000" y="1513617"/>
-            <a:ext cx="2544451" cy="3131270"/>
-          </a:xfrm>
-          <a:prstGeom prst="smileyFace">
-            <a:avLst/>
-          </a:prstGeom>
-        </p:spPr>
-        <p:style>
-          <a:lnRef idx="2">
-            <a:schemeClr val="accent1">
-              <a:shade val="50000"/>
-            </a:schemeClr>
-          </a:lnRef>
-          <a:fillRef idx="1">
-            <a:schemeClr val="accent1"/>
-          </a:fillRef>
-          <a:effectRef idx="0">
-            <a:schemeClr val="accent1"/>
-          </a:effectRef>
-          <a:fontRef idx="minor">
-            <a:schemeClr val="lt1"/>
-          </a:fontRef>
-        </p:style>
-        <p:txBody>
-          <a:bodyPr rtlCol="0" anchor="ctr"/>
-          <a:lstStyle/>
-          <a:p>
-            <a:pPr algn="ctr"/>
-            <a:endParaRPr lang="hu-HU"/>
-          </a:p>
-        </p:txBody>
-      </p:sp>
-      <p:sp>
-        <p:nvSpPr>
           <p:cNvPr id="7" name="Szövegdoboz 6"/>
           <p:cNvSpPr txBox="1"/>
           <p:nvPr/>
         </p:nvSpPr>
         <p:spPr>
           <a:xfrm>
-            <a:off x="238898" y="1958370"/>
-            <a:ext cx="6293796" cy="1569660"/>
+            <a:off x="2660551" y="1998721"/>
+            <a:ext cx="6293796" cy="2308324"/>
           </a:xfrm>
           <a:prstGeom prst="rect">
             <a:avLst/>
@@ -4745,6 +4561,13 @@
             <a:pPr algn="ctr"/>
             <a:r>
               <a:rPr lang="hu-HU" sz="4800" dirty="0"/>
+              <a:t>Debreceni Egyetem</a:t>
+            </a:r>
+          </a:p>
+          <a:p>
+            <a:pPr algn="ctr"/>
+            <a:r>
+              <a:rPr lang="hu-HU" sz="4800" dirty="0"/>
               <a:t>(PTI)</a:t>
             </a:r>
           </a:p>
@@ -4945,6 +4768,36 @@
           </a:p>
         </p:txBody>
       </p:sp>
+      <p:pic>
+        <p:nvPicPr>
+          <p:cNvPr id="6" name="Kép 5"/>
+          <p:cNvPicPr>
+            <a:picLocks noChangeAspect="1"/>
+          </p:cNvPicPr>
+          <p:nvPr/>
+        </p:nvPicPr>
+        <p:blipFill>
+          <a:blip r:embed="rId3">
+            <a:extLst>
+              <a:ext uri="{28A0092B-C50C-407E-A947-70E740481C1C}">
+                <a14:useLocalDpi xmlns:a14="http://schemas.microsoft.com/office/drawing/2010/main" val="0"/>
+              </a:ext>
+            </a:extLst>
+          </a:blip>
+          <a:stretch>
+            <a:fillRect/>
+          </a:stretch>
+        </p:blipFill>
+        <p:spPr>
+          <a:xfrm>
+            <a:off x="325647" y="1678075"/>
+            <a:ext cx="2060666" cy="3115466"/>
+          </a:xfrm>
+          <a:prstGeom prst="rect">
+            <a:avLst/>
+          </a:prstGeom>
+        </p:spPr>
+      </p:pic>
     </p:spTree>
     <p:extLst>
       <p:ext uri="{BB962C8B-B14F-4D97-AF65-F5344CB8AC3E}">
@@ -5017,7 +4870,7 @@
         <p:spPr>
           <a:xfrm>
             <a:off x="238898" y="858795"/>
-            <a:ext cx="3814688" cy="434696"/>
+            <a:ext cx="5810210" cy="434696"/>
           </a:xfrm>
         </p:spPr>
         <p:txBody>
@@ -5027,24 +4880,32 @@
           <a:lstStyle/>
           <a:p>
             <a:r>
-              <a:rPr lang="hu-HU" sz="3600" b="1" i="1" dirty="0">
+              <a:rPr lang="hu-HU" sz="2800" b="1" i="1" dirty="0"/>
+              <a:t>Legérdekesebb</a:t>
+            </a:r>
+            <a:r>
+              <a:rPr lang="hu-HU" sz="2800" b="1" i="1" dirty="0">
                 <a:latin typeface="+mj-lt"/>
               </a:rPr>
-              <a:t>Teszt életciklus</a:t>
-            </a:r>
-          </a:p>
-        </p:txBody>
-      </p:sp>
-      <p:sp>
-        <p:nvSpPr>
-          <p:cNvPr id="5" name="Szövegdoboz 4"/>
+              <a:t> </a:t>
+            </a:r>
+            <a:r>
+              <a:rPr lang="hu-HU" sz="2800" b="1" i="1" dirty="0"/>
+              <a:t>kihívásaim</a:t>
+            </a:r>
+          </a:p>
+        </p:txBody>
+      </p:sp>
+      <p:sp>
+        <p:nvSpPr>
+          <p:cNvPr id="4" name="Szövegdoboz 3"/>
           <p:cNvSpPr txBox="1"/>
           <p:nvPr/>
         </p:nvSpPr>
         <p:spPr>
           <a:xfrm>
-            <a:off x="754144" y="2083324"/>
-            <a:ext cx="3494931" cy="2000548"/>
+            <a:off x="277055" y="1950446"/>
+            <a:ext cx="5299208" cy="1200329"/>
           </a:xfrm>
           <a:prstGeom prst="rect">
             <a:avLst/>
@@ -5063,7 +4924,15 @@
             </a:pPr>
             <a:r>
               <a:rPr lang="hu-HU" sz="2400" dirty="0"/>
-              <a:t>Létrehozás</a:t>
+              <a:t>N + 1 </a:t>
+            </a:r>
+            <a:r>
+              <a:rPr lang="hu-HU" sz="2400" dirty="0" err="1"/>
+              <a:t>Select</a:t>
+            </a:r>
+            <a:r>
+              <a:rPr lang="hu-HU" sz="2400" dirty="0"/>
+              <a:t> problémának a megoldása</a:t>
             </a:r>
           </a:p>
           <a:p>
@@ -5073,42 +4942,51 @@
             </a:pPr>
             <a:r>
               <a:rPr lang="hu-HU" sz="2400" dirty="0"/>
-              <a:t>Kitöltés</a:t>
-            </a:r>
-          </a:p>
-          <a:p>
-            <a:pPr marL="285750" indent="-285750">
-              <a:buFont typeface="Arial" panose="020B0604020202020204" pitchFamily="34" charset="0"/>
-              <a:buChar char="•"/>
-            </a:pPr>
+              <a:t>Egyválaszos kérdések létrehozása,</a:t>
+            </a:r>
+          </a:p>
+          <a:p>
             <a:r>
               <a:rPr lang="hu-HU" sz="2400" dirty="0"/>
-              <a:t>Javítás</a:t>
-            </a:r>
-          </a:p>
-          <a:p>
-            <a:pPr marL="285750" indent="-285750">
-              <a:buFont typeface="Arial" panose="020B0604020202020204" pitchFamily="34" charset="0"/>
-              <a:buChar char="•"/>
-            </a:pPr>
-            <a:r>
-              <a:rPr lang="hu-HU" sz="2400" dirty="0"/>
-              <a:t>Eredmény megtekintése</a:t>
-            </a:r>
-          </a:p>
-          <a:p>
-            <a:pPr marL="285750" indent="-285750">
-              <a:buFont typeface="Arial" panose="020B0604020202020204" pitchFamily="34" charset="0"/>
-              <a:buChar char="•"/>
-            </a:pPr>
-            <a:endParaRPr lang="hu-HU" sz="2800" dirty="0"/>
-          </a:p>
-        </p:txBody>
-      </p:sp>
+              <a:t>    módosítása</a:t>
+            </a:r>
+          </a:p>
+        </p:txBody>
+      </p:sp>
+      <p:pic>
+        <p:nvPicPr>
+          <p:cNvPr id="7" name="Kép 6"/>
+          <p:cNvPicPr>
+            <a:picLocks noChangeAspect="1"/>
+          </p:cNvPicPr>
+          <p:nvPr/>
+        </p:nvPicPr>
+        <p:blipFill>
+          <a:blip r:embed="rId3">
+            <a:extLst>
+              <a:ext uri="{28A0092B-C50C-407E-A947-70E740481C1C}">
+                <a14:useLocalDpi xmlns:a14="http://schemas.microsoft.com/office/drawing/2010/main" val="0"/>
+              </a:ext>
+            </a:extLst>
+          </a:blip>
+          <a:stretch>
+            <a:fillRect/>
+          </a:stretch>
+        </p:blipFill>
+        <p:spPr>
+          <a:xfrm>
+            <a:off x="5576263" y="2673896"/>
+            <a:ext cx="3048586" cy="2027112"/>
+          </a:xfrm>
+          <a:prstGeom prst="rect">
+            <a:avLst/>
+          </a:prstGeom>
+        </p:spPr>
+      </p:pic>
     </p:spTree>
     <p:extLst>
       <p:ext uri="{BB962C8B-B14F-4D97-AF65-F5344CB8AC3E}">
-        <p14:creationId xmlns:p14="http://schemas.microsoft.com/office/powerpoint/2010/main" val="3546528616"/>
+        <p14:creationId xmlns:p14="http://schemas.microsoft.com/office/powerpoint/2010/main" val="3674905900"/>
       </p:ext>
     </p:extLst>
   </p:cSld>
@@ -5202,7 +5080,7 @@
         <p:spPr>
           <a:xfrm>
             <a:off x="721013" y="1712264"/>
-            <a:ext cx="6194260" cy="1569660"/>
+            <a:ext cx="4639540" cy="1569660"/>
           </a:xfrm>
           <a:prstGeom prst="rect">
             <a:avLst/>
@@ -5221,7 +5099,7 @@
             </a:pPr>
             <a:r>
               <a:rPr lang="hu-HU" sz="2400" dirty="0"/>
-              <a:t>Egyválaszos kérdések létrehozása, módosítása</a:t>
+              <a:t>Tesztek automatikus javítása</a:t>
             </a:r>
           </a:p>
           <a:p>
@@ -5231,7 +5109,13 @@
             </a:pPr>
             <a:r>
               <a:rPr lang="hu-HU" sz="2400" dirty="0"/>
-              <a:t>JUNIT tesztek döntő többségének megírása</a:t>
+              <a:t>JUNIT tesztek döntő többségének</a:t>
+            </a:r>
+          </a:p>
+          <a:p>
+            <a:r>
+              <a:rPr lang="hu-HU" sz="2400" dirty="0"/>
+              <a:t>    megírása</a:t>
             </a:r>
           </a:p>
           <a:p>
@@ -5239,33 +5123,20 @@
               <a:buFont typeface="Arial" panose="020B0604020202020204" pitchFamily="34" charset="0"/>
               <a:buChar char="•"/>
             </a:pPr>
-            <a:r>
-              <a:rPr lang="hu-HU" sz="2400" dirty="0"/>
-              <a:t>Teszt eredményének megnézése</a:t>
-            </a:r>
-          </a:p>
-          <a:p>
-            <a:pPr marL="285750" indent="-285750">
-              <a:buFont typeface="Arial" panose="020B0604020202020204" pitchFamily="34" charset="0"/>
-              <a:buChar char="•"/>
-            </a:pPr>
-            <a:r>
-              <a:rPr lang="hu-HU" sz="2400" dirty="0"/>
-              <a:t>Tesztek értékelése pontszám által</a:t>
-            </a:r>
+            <a:endParaRPr lang="hu-HU" sz="2400" dirty="0"/>
           </a:p>
         </p:txBody>
       </p:sp>
       <p:pic>
         <p:nvPicPr>
-          <p:cNvPr id="4" name="Kép 3"/>
+          <p:cNvPr id="6" name="Kép 5"/>
           <p:cNvPicPr>
             <a:picLocks noChangeAspect="1"/>
           </p:cNvPicPr>
           <p:nvPr/>
         </p:nvPicPr>
         <p:blipFill>
-          <a:blip r:embed="rId3">
+          <a:blip r:embed="rId3" cstate="print">
             <a:extLst>
               <a:ext uri="{28A0092B-C50C-407E-A947-70E740481C1C}">
                 <a14:useLocalDpi xmlns:a14="http://schemas.microsoft.com/office/drawing/2010/main" val="0"/>
@@ -5278,8 +5149,8 @@
         </p:blipFill>
         <p:spPr>
           <a:xfrm>
-            <a:off x="5594902" y="2701855"/>
-            <a:ext cx="2495550" cy="1871663"/>
+            <a:off x="6267612" y="2261863"/>
+            <a:ext cx="2507563" cy="1777823"/>
           </a:xfrm>
           <a:prstGeom prst="rect">
             <a:avLst/>
@@ -5345,132 +5216,16 @@
           </a:p>
         </p:txBody>
       </p:sp>
-      <p:sp>
-        <p:nvSpPr>
-          <p:cNvPr id="3" name="Alcím 2"/>
-          <p:cNvSpPr>
-            <a:spLocks noGrp="1"/>
-          </p:cNvSpPr>
-          <p:nvPr>
-            <p:ph type="subTitle" idx="1"/>
-          </p:nvPr>
-        </p:nvSpPr>
-        <p:spPr>
-          <a:xfrm>
-            <a:off x="238898" y="858795"/>
-            <a:ext cx="5810210" cy="434696"/>
-          </a:xfrm>
-        </p:spPr>
-        <p:txBody>
-          <a:bodyPr>
-            <a:noAutofit/>
-          </a:bodyPr>
-          <a:lstStyle/>
-          <a:p>
-            <a:r>
-              <a:rPr lang="hu-HU" sz="2800" b="1" i="1" dirty="0"/>
-              <a:t>Legérdekesebb</a:t>
-            </a:r>
-            <a:r>
-              <a:rPr lang="hu-HU" sz="2800" b="1" i="1" dirty="0">
-                <a:latin typeface="+mj-lt"/>
-              </a:rPr>
-              <a:t> </a:t>
-            </a:r>
-            <a:r>
-              <a:rPr lang="hu-HU" sz="2800" b="1" i="1" dirty="0"/>
-              <a:t>kihívásaim</a:t>
-            </a:r>
-          </a:p>
-        </p:txBody>
-      </p:sp>
-      <p:sp>
-        <p:nvSpPr>
-          <p:cNvPr id="4" name="Szövegdoboz 3"/>
-          <p:cNvSpPr txBox="1"/>
-          <p:nvPr/>
-        </p:nvSpPr>
-        <p:spPr>
-          <a:xfrm>
-            <a:off x="277055" y="1950446"/>
-            <a:ext cx="5299208" cy="1938992"/>
-          </a:xfrm>
-          <a:prstGeom prst="rect">
-            <a:avLst/>
-          </a:prstGeom>
-          <a:noFill/>
-        </p:spPr>
-        <p:txBody>
-          <a:bodyPr wrap="none" rtlCol="0">
-            <a:spAutoFit/>
-          </a:bodyPr>
-          <a:lstStyle/>
-          <a:p>
-            <a:pPr marL="285750" indent="-285750">
-              <a:buFont typeface="Arial" panose="020B0604020202020204" pitchFamily="34" charset="0"/>
-              <a:buChar char="•"/>
-            </a:pPr>
-            <a:r>
-              <a:rPr lang="hu-HU" sz="2400" dirty="0"/>
-              <a:t>N + 1 </a:t>
-            </a:r>
-            <a:r>
-              <a:rPr lang="hu-HU" sz="2400" dirty="0" err="1"/>
-              <a:t>Select</a:t>
-            </a:r>
-            <a:r>
-              <a:rPr lang="hu-HU" sz="2400" dirty="0"/>
-              <a:t> problémának a megoldása</a:t>
-            </a:r>
-          </a:p>
-          <a:p>
-            <a:pPr marL="285750" indent="-285750">
-              <a:buFont typeface="Arial" panose="020B0604020202020204" pitchFamily="34" charset="0"/>
-              <a:buChar char="•"/>
-            </a:pPr>
-            <a:r>
-              <a:rPr lang="hu-HU" sz="2400" dirty="0"/>
-              <a:t>Teszt megnézésének a megoldása</a:t>
-            </a:r>
-          </a:p>
-          <a:p>
-            <a:r>
-              <a:rPr lang="hu-HU" sz="2400" dirty="0"/>
-              <a:t>      (kódminőség szempontjából)</a:t>
-            </a:r>
-          </a:p>
-          <a:p>
-            <a:pPr marL="285750" indent="-285750">
-              <a:buFont typeface="Arial" panose="020B0604020202020204" pitchFamily="34" charset="0"/>
-              <a:buChar char="•"/>
-            </a:pPr>
-            <a:r>
-              <a:rPr lang="hu-HU" sz="2400" dirty="0"/>
-              <a:t>Időbeosztás</a:t>
-            </a:r>
-          </a:p>
-          <a:p>
-            <a:pPr marL="285750" indent="-285750">
-              <a:buFont typeface="Arial" panose="020B0604020202020204" pitchFamily="34" charset="0"/>
-              <a:buChar char="•"/>
-            </a:pPr>
-            <a:r>
-              <a:rPr lang="hu-HU" sz="2400" dirty="0"/>
-              <a:t>Tesztek</a:t>
-            </a:r>
-          </a:p>
-        </p:txBody>
-      </p:sp>
       <p:pic>
         <p:nvPicPr>
-          <p:cNvPr id="5" name="Kép 4"/>
+          <p:cNvPr id="11" name="Kép 10"/>
           <p:cNvPicPr>
             <a:picLocks noChangeAspect="1"/>
           </p:cNvPicPr>
           <p:nvPr/>
         </p:nvPicPr>
         <p:blipFill>
-          <a:blip r:embed="rId3" cstate="print">
+          <a:blip r:embed="rId3">
             <a:extLst>
               <a:ext uri="{28A0092B-C50C-407E-A947-70E740481C1C}">
                 <a14:useLocalDpi xmlns:a14="http://schemas.microsoft.com/office/drawing/2010/main" val="0"/>
@@ -5483,8 +5238,38 @@
         </p:blipFill>
         <p:spPr>
           <a:xfrm>
-            <a:off x="5576263" y="1742283"/>
-            <a:ext cx="2507563" cy="1777823"/>
+            <a:off x="281354" y="834011"/>
+            <a:ext cx="4109776" cy="4119290"/>
+          </a:xfrm>
+          <a:prstGeom prst="rect">
+            <a:avLst/>
+          </a:prstGeom>
+        </p:spPr>
+      </p:pic>
+      <p:pic>
+        <p:nvPicPr>
+          <p:cNvPr id="12" name="Kép 11"/>
+          <p:cNvPicPr>
+            <a:picLocks noChangeAspect="1"/>
+          </p:cNvPicPr>
+          <p:nvPr/>
+        </p:nvPicPr>
+        <p:blipFill>
+          <a:blip r:embed="rId4">
+            <a:extLst>
+              <a:ext uri="{28A0092B-C50C-407E-A947-70E740481C1C}">
+                <a14:useLocalDpi xmlns:a14="http://schemas.microsoft.com/office/drawing/2010/main" val="0"/>
+              </a:ext>
+            </a:extLst>
+          </a:blip>
+          <a:stretch>
+            <a:fillRect/>
+          </a:stretch>
+        </p:blipFill>
+        <p:spPr>
+          <a:xfrm>
+            <a:off x="4602144" y="774156"/>
+            <a:ext cx="4029389" cy="4179145"/>
           </a:xfrm>
           <a:prstGeom prst="rect">
             <a:avLst/>
@@ -5494,7 +5279,7 @@
     </p:spTree>
     <p:extLst>
       <p:ext uri="{BB962C8B-B14F-4D97-AF65-F5344CB8AC3E}">
-        <p14:creationId xmlns:p14="http://schemas.microsoft.com/office/powerpoint/2010/main" val="3674905900"/>
+        <p14:creationId xmlns:p14="http://schemas.microsoft.com/office/powerpoint/2010/main" val="3843243831"/>
       </p:ext>
     </p:extLst>
   </p:cSld>
@@ -5563,176 +5348,6 @@
         <p:spPr>
           <a:xfrm>
             <a:off x="238898" y="858795"/>
-            <a:ext cx="7076302" cy="434696"/>
-          </a:xfrm>
-        </p:spPr>
-        <p:txBody>
-          <a:bodyPr>
-            <a:noAutofit/>
-          </a:bodyPr>
-          <a:lstStyle/>
-          <a:p>
-            <a:r>
-              <a:rPr lang="hu-HU" sz="2800" b="1" i="1" dirty="0">
-                <a:latin typeface="+mj-lt"/>
-              </a:rPr>
-              <a:t>Teszt megnézése diák és oktatói szemmel</a:t>
-            </a:r>
-          </a:p>
-        </p:txBody>
-      </p:sp>
-      <p:sp>
-        <p:nvSpPr>
-          <p:cNvPr id="8" name="Háromszög 7"/>
-          <p:cNvSpPr/>
-          <p:nvPr/>
-        </p:nvSpPr>
-        <p:spPr>
-          <a:xfrm>
-            <a:off x="404191" y="1643270"/>
-            <a:ext cx="3717235" cy="2723321"/>
-          </a:xfrm>
-          <a:prstGeom prst="triangle">
-            <a:avLst/>
-          </a:prstGeom>
-        </p:spPr>
-        <p:style>
-          <a:lnRef idx="2">
-            <a:schemeClr val="accent1">
-              <a:shade val="50000"/>
-            </a:schemeClr>
-          </a:lnRef>
-          <a:fillRef idx="1">
-            <a:schemeClr val="accent1"/>
-          </a:fillRef>
-          <a:effectRef idx="0">
-            <a:schemeClr val="accent1"/>
-          </a:effectRef>
-          <a:fontRef idx="minor">
-            <a:schemeClr val="lt1"/>
-          </a:fontRef>
-        </p:style>
-        <p:txBody>
-          <a:bodyPr rtlCol="0" anchor="ctr"/>
-          <a:lstStyle/>
-          <a:p>
-            <a:pPr algn="ctr"/>
-            <a:endParaRPr lang="hu-HU"/>
-          </a:p>
-        </p:txBody>
-      </p:sp>
-      <p:sp>
-        <p:nvSpPr>
-          <p:cNvPr id="9" name="Téglalap 8"/>
-          <p:cNvSpPr/>
-          <p:nvPr/>
-        </p:nvSpPr>
-        <p:spPr>
-          <a:xfrm>
-            <a:off x="4525617" y="1610139"/>
-            <a:ext cx="4287079" cy="2961861"/>
-          </a:xfrm>
-          <a:prstGeom prst="rect">
-            <a:avLst/>
-          </a:prstGeom>
-        </p:spPr>
-        <p:style>
-          <a:lnRef idx="2">
-            <a:schemeClr val="accent1">
-              <a:shade val="50000"/>
-            </a:schemeClr>
-          </a:lnRef>
-          <a:fillRef idx="1">
-            <a:schemeClr val="accent1"/>
-          </a:fillRef>
-          <a:effectRef idx="0">
-            <a:schemeClr val="accent1"/>
-          </a:effectRef>
-          <a:fontRef idx="minor">
-            <a:schemeClr val="lt1"/>
-          </a:fontRef>
-        </p:style>
-        <p:txBody>
-          <a:bodyPr rtlCol="0" anchor="ctr"/>
-          <a:lstStyle/>
-          <a:p>
-            <a:pPr algn="ctr"/>
-            <a:endParaRPr lang="hu-HU"/>
-          </a:p>
-        </p:txBody>
-      </p:sp>
-    </p:spTree>
-    <p:extLst>
-      <p:ext uri="{BB962C8B-B14F-4D97-AF65-F5344CB8AC3E}">
-        <p14:creationId xmlns:p14="http://schemas.microsoft.com/office/powerpoint/2010/main" val="3843243831"/>
-      </p:ext>
-    </p:extLst>
-  </p:cSld>
-  <p:clrMapOvr>
-    <a:masterClrMapping/>
-  </p:clrMapOvr>
-</p:sld>
-</file>
-
-<file path=ppt/slides/slide7.xml><?xml version="1.0" encoding="utf-8"?>
-<p:sld xmlns:a="http://schemas.openxmlformats.org/drawingml/2006/main" xmlns:r="http://schemas.openxmlformats.org/officeDocument/2006/relationships" xmlns:p="http://schemas.openxmlformats.org/presentationml/2006/main">
-  <p:cSld>
-    <p:spTree>
-      <p:nvGrpSpPr>
-        <p:cNvPr id="1" name=""/>
-        <p:cNvGrpSpPr/>
-        <p:nvPr/>
-      </p:nvGrpSpPr>
-      <p:grpSpPr>
-        <a:xfrm>
-          <a:off x="0" y="0"/>
-          <a:ext cx="0" cy="0"/>
-          <a:chOff x="0" y="0"/>
-          <a:chExt cx="0" cy="0"/>
-        </a:xfrm>
-      </p:grpSpPr>
-      <p:sp>
-        <p:nvSpPr>
-          <p:cNvPr id="2" name="Cím 1"/>
-          <p:cNvSpPr>
-            <a:spLocks noGrp="1"/>
-          </p:cNvSpPr>
-          <p:nvPr>
-            <p:ph type="ctrTitle"/>
-          </p:nvPr>
-        </p:nvSpPr>
-        <p:spPr>
-          <a:xfrm>
-            <a:off x="7521394" y="67963"/>
-            <a:ext cx="1548465" cy="583469"/>
-          </a:xfrm>
-        </p:spPr>
-        <p:txBody>
-          <a:bodyPr>
-            <a:normAutofit fontScale="90000"/>
-          </a:bodyPr>
-          <a:lstStyle/>
-          <a:p>
-            <a:r>
-              <a:rPr lang="hu-HU" sz="1800" dirty="0"/>
-              <a:t>A prezentáció címe ide jön</a:t>
-            </a:r>
-          </a:p>
-        </p:txBody>
-      </p:sp>
-      <p:sp>
-        <p:nvSpPr>
-          <p:cNvPr id="3" name="Alcím 2"/>
-          <p:cNvSpPr>
-            <a:spLocks noGrp="1"/>
-          </p:cNvSpPr>
-          <p:nvPr>
-            <p:ph type="subTitle" idx="1"/>
-          </p:nvPr>
-        </p:nvSpPr>
-        <p:spPr>
-          <a:xfrm>
-            <a:off x="238898" y="858795"/>
             <a:ext cx="3814688" cy="434696"/>
           </a:xfrm>
         </p:spPr>
@@ -5817,7 +5432,7 @@
 </p:sld>
 </file>
 
-<file path=ppt/slides/slide8.xml><?xml version="1.0" encoding="utf-8"?>
+<file path=ppt/slides/slide7.xml><?xml version="1.0" encoding="utf-8"?>
 <p:sld xmlns:a="http://schemas.openxmlformats.org/drawingml/2006/main" xmlns:r="http://schemas.openxmlformats.org/officeDocument/2006/relationships" xmlns:p="http://schemas.openxmlformats.org/presentationml/2006/main">
   <p:cSld>
     <p:bg>

--- a/Iványi-Nagy Gábor/ivanyi_nagy_gabor.pttx.pptx
+++ b/Iványi-Nagy Gábor/ivanyi_nagy_gabor.pttx.pptx
@@ -615,23 +615,23 @@
             </a:r>
             <a:r>
               <a:rPr lang="hu-HU" sz="2000" baseline="0" dirty="0"/>
-              <a:t> kívánok. Üdvözlök minden kedves jelentlévőt. Először is szeretnék bemutatkozni.</a:t>
+              <a:t> kívánok. Szeretettel köszöntök minden kedves jelenlévőt. Először is szeretnék bemutatkozni.</a:t>
             </a:r>
           </a:p>
           <a:p>
             <a:r>
               <a:rPr lang="hu-HU" sz="2000" baseline="0" dirty="0"/>
-              <a:t>Iványi-Nagy Gábor vagyok, a Debreceni Egyetem, Informatikai kar Programtervező informatikus szakjának 3.ik éves hallgatója vagyok.</a:t>
+              <a:t>Az én nevem Iványi-Nagy Gábor,  a Debreceni Egyetem, Informatikai kar Programtervező informatikus szakjának 3.ik éves hallgatója vagyok.</a:t>
             </a:r>
           </a:p>
           <a:p>
             <a:r>
               <a:rPr lang="hu-HU" sz="2000" dirty="0"/>
-              <a:t>A teszt modul harmadik</a:t>
+              <a:t>A teszt modul</a:t>
             </a:r>
             <a:r>
               <a:rPr lang="hu-HU" sz="2000" baseline="0" dirty="0"/>
-              <a:t> fejlesztőjeként, első körben szeretnénk pár szót mondani magáról a Teszt életciklusának folyamatáról.</a:t>
+              <a:t> fejlesztésében vettem részt.</a:t>
             </a:r>
             <a:endParaRPr lang="hu-HU" sz="2000" dirty="0"/>
           </a:p>
@@ -719,17 +719,17 @@
           <a:p>
             <a:r>
               <a:rPr lang="hu-HU" dirty="0"/>
-              <a:t>Az én egyik</a:t>
+              <a:t>Számomra az egyik legjobb feladat</a:t>
             </a:r>
             <a:r>
               <a:rPr lang="hu-HU" baseline="0" dirty="0"/>
-              <a:t> legnagyobb kihívásom az adatbázis részünk megtervezése volt.</a:t>
+              <a:t> az volt, hogy együtt terveztünk adatbázist.</a:t>
             </a:r>
           </a:p>
           <a:p>
             <a:r>
               <a:rPr lang="hu-HU" baseline="0" dirty="0"/>
-              <a:t>Agilisan fejlesztettünk, így együtt terveztük meg először és másodszor is az  adatbázis sémánkat, először nem volt olyan rossz, de úgy gondoltuk hogy lehet jobb is, így hát megnéztünk egy másik alternatívát is, de az meg előidézte az n+1 </a:t>
+              <a:t>Agilisan fejlesztettünk, ami azt jelenti, hogy prototípusokat készítettünk, s ezáltal együtt terveztük meg először és másodszor is az  adatbázis sémánkat, először nem volt olyan rossz, de úgy gondoltuk hogy lehet jobb is, így hát megnéztünk egy másik alternatívát is, de az meg előidézte az n+1 </a:t>
             </a:r>
             <a:r>
               <a:rPr lang="hu-HU" baseline="0" dirty="0" err="1"/>
@@ -750,15 +750,7 @@
             </a:r>
             <a:r>
               <a:rPr lang="hu-HU" baseline="0" dirty="0"/>
-              <a:t> ekkor úgy álltunk, hogy az első megoldás se az igazi, a második pedig felszedi az egész táblát, talán kényelmi szempontból ez nem is lenne olyan atomrossz megoldás, de még mindig kellett volna egy olyan megoldás, ami a lehető </a:t>
-            </a:r>
-            <a:r>
-              <a:rPr lang="hu-HU" baseline="0" dirty="0" err="1"/>
-              <a:t>legoptimalizáltabb</a:t>
-            </a:r>
-            <a:r>
-              <a:rPr lang="hu-HU" baseline="0" dirty="0"/>
-              <a:t> és a lehető leglogikusabb felépítésű véleményem szerint.</a:t>
+              <a:t> ekkor úgy álltunk, hogy az első megoldás nem az igazi, a második pedig felszedi az egész táblát. A kettő közül egyik sem az igazi.</a:t>
             </a:r>
           </a:p>
           <a:p>
@@ -773,7 +765,15 @@
           <a:p>
             <a:r>
               <a:rPr lang="hu-HU" baseline="0" dirty="0"/>
-              <a:t>Én úgy gondolom hogy, egy kérdésnek biztosan kell tudnia azt, hogy melyik válaszlehetőségek tartoznak hozzá, de egy válaszlehetőségnek nem kell tudnia feltétlenül azt, hogy melyik kérdéshez tartozik ő, és hát ez a jelenlegi megoldásunk is.</a:t>
+              <a:t>Én úgy gondolom hogy, egy kérdésnek biztosan kell tudnia azt, hogy melyik válaszlehetőségek tartoznak hozzá, de egy válaszlehetőségnek nem kell tudnia feltétlenül azt, hogy melyik kérdéshez tartozik ő, és ez a harmadik prototípus az,  amely megoldotta az n + 1 </a:t>
+            </a:r>
+            <a:r>
+              <a:rPr lang="hu-HU" baseline="0" dirty="0" err="1"/>
+              <a:t>select</a:t>
+            </a:r>
+            <a:r>
+              <a:rPr lang="hu-HU" baseline="0" dirty="0"/>
+              <a:t> problémát.</a:t>
             </a:r>
           </a:p>
           <a:p>
@@ -781,15 +781,41 @@
           </a:p>
           <a:p>
             <a:r>
+              <a:rPr lang="hu-HU" dirty="0"/>
+              <a:t>Az</a:t>
+            </a:r>
+            <a:r>
               <a:rPr lang="hu-HU" baseline="0" dirty="0"/>
-              <a:t>A JUNIT tesztek legnagyobb részét én írtam meg,  de annyira speciális eset nem volt, inkább az volt itt időigényes, hogy a kapcsolatok miatt volt ahol 4 táblába is kellett adatot felvennünk hogy tudjuk értelmesen tesztelni a tesztelésre váró 5ik táblát.</a:t>
-            </a:r>
-          </a:p>
-          <a:p>
-            <a:r>
-              <a:rPr lang="hu-HU" dirty="0"/>
-              <a:t>A tesztek futtatása során pár hibába feljött, például, hogy bizonyos tesztek ok nélkül rossz eredménnyel futottak le, de sikerült a hibát kijavítani.</a:t>
-            </a:r>
+              <a:t> egyik fő feladatom volt az egyválaszos kérdések létrehozása, szerkesztése, törlése.</a:t>
+            </a:r>
+          </a:p>
+          <a:p>
+            <a:r>
+              <a:rPr lang="hu-HU" baseline="0" dirty="0"/>
+              <a:t>Az elején, mikor elkezdtük a projektet, akkor mindenki csinálni akart és csinált is mindent, főként a saját feladatait, egymás mellett párhuzamosan. </a:t>
+            </a:r>
+          </a:p>
+          <a:p>
+            <a:r>
+              <a:rPr lang="hu-HU" baseline="0" dirty="0"/>
+              <a:t>Viszont nem annyira terveztünk előre, így pl. Az egyválaszos kérdések és a Többválaszos kérdések, amik igazából eléggé hasonló szerkezetűek, Általam és Atka által is megszülettek.</a:t>
+            </a:r>
+          </a:p>
+          <a:p>
+            <a:r>
+              <a:rPr lang="hu-HU" baseline="0" dirty="0"/>
+              <a:t>Így itt , egy utólagos </a:t>
+            </a:r>
+            <a:r>
+              <a:rPr lang="hu-HU" baseline="0" dirty="0" err="1"/>
+              <a:t>refactort</a:t>
+            </a:r>
+            <a:r>
+              <a:rPr lang="hu-HU" baseline="0" dirty="0"/>
+              <a:t>, kiemelést alkalmaztam a két kódból, hogy az egyező dolgok csak az ősosztályban legyenek implementálva, ne pedig az egy és több válaszos kérdésekben is.</a:t>
+            </a:r>
+          </a:p>
+          <a:p>
             <a:endParaRPr lang="hu-HU" baseline="0" dirty="0"/>
           </a:p>
           <a:p>
@@ -800,9 +826,6 @@
           </a:p>
           <a:p>
             <a:endParaRPr lang="hu-HU" baseline="0" dirty="0"/>
-          </a:p>
-          <a:p>
-            <a:endParaRPr lang="hu-HU" dirty="0"/>
           </a:p>
         </p:txBody>
       </p:sp>
@@ -886,60 +909,52 @@
           <a:bodyPr/>
           <a:lstStyle/>
           <a:p>
+            <a:pPr marL="0" marR="0" indent="0" algn="l" defTabSz="914400" rtl="0" eaLnBrk="1" fontAlgn="auto" latinLnBrk="0" hangingPunct="1">
+              <a:lnSpc>
+                <a:spcPct val="100000"/>
+              </a:lnSpc>
+              <a:spcBef>
+                <a:spcPts val="0"/>
+              </a:spcBef>
+              <a:spcAft>
+                <a:spcPts val="0"/>
+              </a:spcAft>
+              <a:buClrTx/>
+              <a:buSzTx/>
+              <a:buFontTx/>
+              <a:buNone/>
+              <a:tabLst/>
+              <a:defRPr/>
+            </a:pPr>
+            <a:r>
+              <a:rPr lang="hu-HU" baseline="0" dirty="0"/>
+              <a:t>A tesztek értékelése pontszám által, ami annyit jelent, hogy amint a diák az utolsó választ is kitölti, akkor bizony már láthatja a Megtekintés menüpont alatt, hogy a nem szöveges válaszok esetén, hány pontot sikerült összehoznia. Egy kérdésre akkor kaphatja meg a diák a pontot, amennyiben annyi választ jelölt be ahány válasz helyes és minden bejelölt válasza helyes.</a:t>
+            </a:r>
+          </a:p>
+          <a:p>
+            <a:endParaRPr lang="hu-HU" baseline="0" dirty="0"/>
+          </a:p>
+          <a:p>
+            <a:endParaRPr lang="hu-HU" baseline="0" dirty="0"/>
+          </a:p>
+          <a:p>
+            <a:r>
+              <a:rPr lang="hu-HU" baseline="0" dirty="0"/>
+              <a:t>A JUNIT tesztek legnagyobb részét én írtam meg,  de annyira speciális eset nem volt, inkább az volt itt időigényes, hogy a kapcsolatok miatt volt ahol 4 táblába is kellett adatot felvennünk hogy tudjuk értelmesen tesztelni a tesztelésre váró 5ik táblát.</a:t>
+            </a:r>
+          </a:p>
+          <a:p>
             <a:r>
               <a:rPr lang="hu-HU" dirty="0"/>
-              <a:t>Az</a:t>
-            </a:r>
-            <a:r>
-              <a:rPr lang="hu-HU" baseline="0" dirty="0"/>
-              <a:t> egyik fő feladatom volt az egyválaszos kérdések létrehozása, szerkesztése, törlése.</a:t>
-            </a:r>
-          </a:p>
-          <a:p>
-            <a:r>
-              <a:rPr lang="hu-HU" baseline="0" dirty="0"/>
-              <a:t>Az elején, mikor elkezdtük a projektet, akkor mindenki csinálni akart és csinált is mindent, főként a saját feladatait, egymás mellett párhuzamosan. </a:t>
-            </a:r>
-          </a:p>
-          <a:p>
-            <a:r>
-              <a:rPr lang="hu-HU" baseline="0" dirty="0"/>
-              <a:t>Viszont nem annyira terveztünk előre, így pl. Az egyválaszos kérdések és a Többválaszos kérdések, amik igazából eléggé hasonló szerkezetűek, Általam és Atka által is megszülettek.</a:t>
-            </a:r>
-          </a:p>
-          <a:p>
-            <a:r>
-              <a:rPr lang="hu-HU" baseline="0" dirty="0"/>
-              <a:t>Így itt , egy utólagos </a:t>
-            </a:r>
-            <a:r>
-              <a:rPr lang="hu-HU" baseline="0" dirty="0" err="1"/>
-              <a:t>refactort</a:t>
-            </a:r>
-            <a:r>
-              <a:rPr lang="hu-HU" baseline="0" dirty="0"/>
-              <a:t>, kiemelést alkalmaztam a két kódból, hogy az egyező dolgok csak az ősosztályban legyenek implementálva, ne pedig az egy és több válaszos kérdésekben is.</a:t>
-            </a:r>
-          </a:p>
-          <a:p>
+              <a:t>A tesztek futtatása során pár hibába feljött, például, hogy bizonyos tesztek ok nélkül rossz eredménnyel futottak le, de sikerült a hibát kijavítani.</a:t>
+            </a:r>
             <a:endParaRPr lang="hu-HU" baseline="0" dirty="0"/>
           </a:p>
           <a:p>
             <a:endParaRPr lang="hu-HU" baseline="0" dirty="0"/>
           </a:p>
           <a:p>
-            <a:r>
-              <a:rPr lang="hu-HU" baseline="0" dirty="0"/>
-              <a:t>A tesztek értékelése pontszám által, ami annyit jelent, hogy amint a diák az utolsó választ is kitölti, akkor bizony már láthatja a Megtekintés menüpont alatt, hogy a nem szöveges válaszok esetén, hány pontot sikerült összehoznia. Egy válasz akkor helyes, </a:t>
-            </a:r>
-            <a:r>
-              <a:rPr lang="hu-HU" baseline="0" dirty="0" err="1"/>
-              <a:t>hha</a:t>
-            </a:r>
-            <a:r>
-              <a:rPr lang="hu-HU" baseline="0" dirty="0"/>
-              <a:t> annyi választ jelölt be ahány válasz helyes és minden bejelölt válasza helyes.</a:t>
-            </a:r>
+            <a:endParaRPr lang="hu-HU" baseline="0" dirty="0"/>
           </a:p>
         </p:txBody>
       </p:sp>
@@ -1025,18 +1040,13 @@
           <a:p>
             <a:r>
               <a:rPr lang="hu-HU" baseline="0" dirty="0"/>
-              <a:t>A következő nagyobb kihívásom már nincs benne az alkalmazásban pontosan úgy, ahogy megcsináltam </a:t>
-            </a:r>
-            <a:r>
-              <a:rPr lang="hu-HU" baseline="0" dirty="0" err="1"/>
-              <a:t>elsőre.:DD</a:t>
-            </a:r>
-            <a:endParaRPr lang="hu-HU" baseline="0" dirty="0"/>
+              <a:t>A leglátványosabb feladat, felhasználói felület által, az a teszt megtekintése volt számomra.</a:t>
+            </a:r>
           </a:p>
           <a:p>
             <a:r>
               <a:rPr lang="hu-HU" baseline="0" dirty="0"/>
-              <a:t>A teszt visszanézésénél várható volt, hogy a diák és az oktató ahogy megnézi a teszteket, az megint eléggé hasonló felépítésű lesz kód szempontból.</a:t>
+              <a:t>A teszt megtekintésnél várható volt, hogy a diák és az oktató ahogy megnézi a teszteket, az megint eléggé hasonló felépítésű lesz kód szempontból.</a:t>
             </a:r>
           </a:p>
           <a:p>
@@ -1059,7 +1069,7 @@
           <a:p>
             <a:r>
               <a:rPr lang="hu-HU" baseline="0" dirty="0"/>
-              <a:t>Itt a teszt megnézésre gondolok, amit én kicsit máshogy gondoltam mint ami a végleges állapot lett, de a mostani sokkal érthetőbb megoldás mind a felületen mind a kódban egyaránt.</a:t>
+              <a:t>Az én eredeti elképzelésem a felhasználói felületen, kicsit másabb volt mint ami a végleges lett.</a:t>
             </a:r>
           </a:p>
           <a:p>
@@ -1082,7 +1092,7 @@
             </a:r>
             <a:r>
               <a:rPr lang="hu-HU" baseline="0" dirty="0"/>
-              <a:t> se nagyon tudtam használni, hiszen ha nem tudtam a listákra meghívni a </a:t>
+              <a:t> se nagyon tudtam használni, hiszen nem tudtam a listákra meghívni a </a:t>
             </a:r>
             <a:r>
               <a:rPr lang="hu-HU" baseline="0" dirty="0" err="1"/>
@@ -1123,52 +1133,8 @@
             </a:r>
             <a:r>
               <a:rPr lang="hu-HU" baseline="0" dirty="0"/>
-              <a:t> beszéltünk meg, hogy az adott választ kijelöljük amennyiben a diák bejelölte, ehhez ugye csak az adott kérdéshez szükséges válaszlehetőségek azonosítóit és a diák válaszainak azonosítóit kellett összevetnem, illetve már maga a válaszlehetőség is tudta magáról, hogy ő helyes, rossz vagy még ki nem értékelt fázisban van e. És akkor utóbbinál csak egy pipát, egy </a:t>
-            </a:r>
-            <a:r>
-              <a:rPr lang="hu-HU" baseline="0" dirty="0" err="1"/>
-              <a:t>x-et</a:t>
-            </a:r>
-            <a:r>
-              <a:rPr lang="hu-HU" baseline="0" dirty="0"/>
-              <a:t> vagy éppen egyiket sem kellett </a:t>
-            </a:r>
-            <a:r>
-              <a:rPr lang="hu-HU" baseline="0" dirty="0" err="1"/>
-              <a:t>odairni</a:t>
-            </a:r>
-            <a:r>
-              <a:rPr lang="hu-HU" baseline="0" dirty="0"/>
-              <a:t> a válaszlehetőség mellé.</a:t>
-            </a:r>
-          </a:p>
-          <a:p>
-            <a:endParaRPr lang="hu-HU" baseline="0" dirty="0"/>
-          </a:p>
-          <a:p>
-            <a:r>
-              <a:rPr lang="hu-HU" baseline="0" dirty="0"/>
-              <a:t>Ez azért jóval egyszerűbb és könnyebb megoldás mint amit én szerettem volna megvalósítani és UI-</a:t>
-            </a:r>
-            <a:r>
-              <a:rPr lang="hu-HU" baseline="0" dirty="0" err="1"/>
-              <a:t>on</a:t>
-            </a:r>
-            <a:r>
-              <a:rPr lang="hu-HU" baseline="0" dirty="0"/>
-              <a:t> keresztül nem sok minden más </a:t>
-            </a:r>
-            <a:r>
-              <a:rPr lang="hu-HU" baseline="0" dirty="0" err="1"/>
-              <a:t>látszódna</a:t>
-            </a:r>
-            <a:r>
-              <a:rPr lang="hu-HU" baseline="0" dirty="0"/>
-              <a:t>(Zölddel és pirossal jelölnénk a teljes sort amelyek helyesek és rosszak), de ha nem kezdtem volna el menni itt a saját fejem után, akkor itt nem tudnék nagyon nagy kihívásról beszélni ehhez a feladathoz kapcsolódóan.</a:t>
-            </a:r>
-          </a:p>
-          <a:p>
-            <a:endParaRPr lang="hu-HU" baseline="0" dirty="0"/>
+              <a:t> beszéltünk meg, hogy az adott választ kijelöljük amennyiben a diák bejelölte, ehhez ugye csak az adott kérdéshez szükséges válaszlehetőségek azonosítóit és a diák válaszainak azonosítóit kellett összevetnem, illetve már maga a válaszlehetőség is tudta magáról, hogy ő helyes, rossz vagy még ki nem értékelt fázisban van e.</a:t>
+            </a:r>
           </a:p>
           <a:p>
             <a:endParaRPr lang="hu-HU" dirty="0"/>
@@ -1265,13 +1231,7 @@
             </a:r>
             <a:r>
               <a:rPr lang="hu-HU" baseline="0" dirty="0"/>
-              <a:t> már tanultam a szoftvertesztelés gyakorlati óránk jóvoltálból, de most ki is próbálhattam egy valódi nagy projekt által.</a:t>
-            </a:r>
-          </a:p>
-          <a:p>
-            <a:r>
-              <a:rPr lang="hu-HU" baseline="0" dirty="0"/>
-              <a:t>A benyomásom róla az hogy abszolút jó.</a:t>
+              <a:t> már tanultam a kompetens szoftvertesztelés gyakorlati óránkon, de most próbálhattam ki először egy valódi nagy projekten.</a:t>
             </a:r>
           </a:p>
           <a:p>
@@ -1297,7 +1257,7 @@
             </a:r>
             <a:r>
               <a:rPr lang="hu-HU" baseline="0" dirty="0"/>
-              <a:t> közül nekem a JPA lett a kedvencem hiszen óriási területet nyit az adatbázis megtervezéséhez java oldalon és hát én igazából mindig is szerettem az adatbázisos tervezést, ám a legkellemesebb technológia a </a:t>
+              <a:t> közül nekem a JPA lett a kedvencem hiszen óriási területet nyit az adatbázis megtervezéséhez java oldalon és én igazából mindig is szerettem az adatbázisosok megtervezését, ám a legkellemesebb technológia a </a:t>
             </a:r>
             <a:r>
               <a:rPr lang="hu-HU" baseline="0" dirty="0" err="1"/>
@@ -1305,7 +1265,7 @@
             </a:r>
             <a:r>
               <a:rPr lang="hu-HU" baseline="0" dirty="0"/>
-              <a:t> volt, hiszen szinten mindenre amire ebben a projektben szükségünk volt, arra adott </a:t>
+              <a:t> volt, hiszen szinten mindenre amire ebben a projektben szükségünk volt, arra majdnem mindig adott </a:t>
             </a:r>
             <a:r>
               <a:rPr lang="hu-HU" baseline="0" dirty="0" err="1"/>
@@ -1313,7 +1273,7 @@
             </a:r>
             <a:r>
               <a:rPr lang="hu-HU" baseline="0" dirty="0"/>
-              <a:t> megoldást.</a:t>
+              <a:t> megoldást vagy csak nagyon minimális módosításra volt szükségünk.</a:t>
             </a:r>
           </a:p>
           <a:p>
@@ -1322,7 +1282,7 @@
           <a:p>
             <a:r>
               <a:rPr lang="hu-HU" baseline="0" dirty="0"/>
-              <a:t>Úgy gondolom hogy a projekt munka alatt tényleg mindenki azt érezte hogy mi tényleg fejlesztők vagyunk.</a:t>
+              <a:t>Úgy gondolom hogy a projekt munka alatt mindenki azt érezte hogy mi tényleg fejlesztők vagyunk.</a:t>
             </a:r>
           </a:p>
         </p:txBody>
@@ -4905,7 +4865,7 @@
         <p:spPr>
           <a:xfrm>
             <a:off x="277055" y="1950446"/>
-            <a:ext cx="5299208" cy="1200329"/>
+            <a:ext cx="5299208" cy="1938992"/>
           </a:xfrm>
           <a:prstGeom prst="rect">
             <a:avLst/>
@@ -4950,6 +4910,12 @@
               <a:rPr lang="hu-HU" sz="2400" dirty="0"/>
               <a:t>    módosítása</a:t>
             </a:r>
+          </a:p>
+          <a:p>
+            <a:endParaRPr lang="hu-HU" sz="2400" dirty="0"/>
+          </a:p>
+          <a:p>
+            <a:endParaRPr lang="hu-HU" sz="2400" dirty="0"/>
           </a:p>
         </p:txBody>
       </p:sp>
@@ -5080,7 +5046,7 @@
         <p:spPr>
           <a:xfrm>
             <a:off x="721013" y="1712264"/>
-            <a:ext cx="4639540" cy="1569660"/>
+            <a:ext cx="4639540" cy="1938992"/>
           </a:xfrm>
           <a:prstGeom prst="rect">
             <a:avLst/>
@@ -5117,6 +5083,9 @@
               <a:rPr lang="hu-HU" sz="2400" dirty="0"/>
               <a:t>    megírása</a:t>
             </a:r>
+          </a:p>
+          <a:p>
+            <a:endParaRPr lang="hu-HU" sz="2400" dirty="0"/>
           </a:p>
           <a:p>
             <a:pPr marL="285750" indent="-285750">
